--- a/CSharp/Assignment 1/Flow Diagrams and Pseudo Code/Flow Diagrams.pptx
+++ b/CSharp/Assignment 1/Flow Diagrams and Pseudo Code/Flow Diagrams.pptx
@@ -6,6 +6,11 @@
   </p:sldMasterIdLst>
   <p:sldIdLst>
     <p:sldId id="256" r:id="rId2"/>
+    <p:sldId id="258" r:id="rId3"/>
+    <p:sldId id="263" r:id="rId4"/>
+    <p:sldId id="264" r:id="rId5"/>
+    <p:sldId id="265" r:id="rId6"/>
+    <p:sldId id="266" r:id="rId7"/>
   </p:sldIdLst>
   <p:sldSz cx="12192000" cy="6858000"/>
   <p:notesSz cx="6858000" cy="9144000"/>
@@ -104,13 +109,18 @@
       </a:defRPr>
     </a:lvl9pPr>
   </p:defaultTextStyle>
+  <p:extLst>
+    <p:ext uri="{EFAFB233-063F-42B5-8137-9DF3F51BA10A}">
+      <p15:sldGuideLst xmlns:p15="http://schemas.microsoft.com/office/powerpoint/2012/main"/>
+    </p:ext>
+  </p:extLst>
 </p:presentation>
 </file>
 
 <file path=ppt/revisionInfo.xml><?xml version="1.0" encoding="utf-8"?>
 <p1510:revInfo xmlns:a="http://schemas.openxmlformats.org/drawingml/2006/main" xmlns:r="http://schemas.openxmlformats.org/officeDocument/2006/relationships" xmlns:p1510="http://schemas.microsoft.com/office/powerpoint/2015/10/main">
   <p1510:revLst>
-    <p1510:client id="{D083B055-CFA3-499C-9750-E0DE7E2DB1D7}" v="10" dt="2021-10-28T18:23:48.323"/>
+    <p1510:client id="{D083B055-CFA3-499C-9750-E0DE7E2DB1D7}" v="73" dt="2021-10-31T23:38:59.008"/>
   </p1510:revLst>
 </p1510:revInfo>
 </file>
@@ -119,19 +129,27 @@
 <pc:chgInfo xmlns:a="http://schemas.openxmlformats.org/drawingml/2006/main" xmlns:r="http://schemas.openxmlformats.org/officeDocument/2006/relationships" xmlns:ac="http://schemas.microsoft.com/office/drawing/2013/main/command" xmlns:pc="http://schemas.microsoft.com/office/powerpoint/2013/main/command">
   <pc:docChgLst>
     <pc:chgData name="Joseph Beach" userId="b37be78dd7a5175c" providerId="LiveId" clId="{D083B055-CFA3-499C-9750-E0DE7E2DB1D7}"/>
-    <pc:docChg chg="undo custSel modSld">
-      <pc:chgData name="Joseph Beach" userId="b37be78dd7a5175c" providerId="LiveId" clId="{D083B055-CFA3-499C-9750-E0DE7E2DB1D7}" dt="2021-10-28T18:24:23.285" v="615" actId="20577"/>
+    <pc:docChg chg="undo custSel addSld delSld modSld">
+      <pc:chgData name="Joseph Beach" userId="b37be78dd7a5175c" providerId="LiveId" clId="{D083B055-CFA3-499C-9750-E0DE7E2DB1D7}" dt="2021-10-31T23:40:02.701" v="2145" actId="1076"/>
       <pc:docMkLst>
         <pc:docMk/>
       </pc:docMkLst>
       <pc:sldChg chg="addSp delSp modSp mod">
-        <pc:chgData name="Joseph Beach" userId="b37be78dd7a5175c" providerId="LiveId" clId="{D083B055-CFA3-499C-9750-E0DE7E2DB1D7}" dt="2021-10-28T18:24:23.285" v="615" actId="20577"/>
+        <pc:chgData name="Joseph Beach" userId="b37be78dd7a5175c" providerId="LiveId" clId="{D083B055-CFA3-499C-9750-E0DE7E2DB1D7}" dt="2021-10-31T22:40:47.351" v="1963" actId="14100"/>
         <pc:sldMkLst>
           <pc:docMk/>
           <pc:sldMk cId="4231132744" sldId="256"/>
         </pc:sldMkLst>
+        <pc:spChg chg="add del">
+          <ac:chgData name="Joseph Beach" userId="b37be78dd7a5175c" providerId="LiveId" clId="{D083B055-CFA3-499C-9750-E0DE7E2DB1D7}" dt="2021-10-31T22:34:14.844" v="1890" actId="478"/>
+          <ac:spMkLst>
+            <pc:docMk/>
+            <pc:sldMk cId="4231132744" sldId="256"/>
+            <ac:spMk id="2" creationId="{3BFACA8B-E89E-464A-93A1-3329D58BE991}"/>
+          </ac:spMkLst>
+        </pc:spChg>
         <pc:spChg chg="mod">
-          <ac:chgData name="Joseph Beach" userId="b37be78dd7a5175c" providerId="LiveId" clId="{D083B055-CFA3-499C-9750-E0DE7E2DB1D7}" dt="2021-10-28T17:26:37.990" v="30" actId="1076"/>
+          <ac:chgData name="Joseph Beach" userId="b37be78dd7a5175c" providerId="LiveId" clId="{D083B055-CFA3-499C-9750-E0DE7E2DB1D7}" dt="2021-10-31T22:38:59.066" v="1935" actId="1076"/>
           <ac:spMkLst>
             <pc:docMk/>
             <pc:sldMk cId="4231132744" sldId="256"/>
@@ -139,7 +157,7 @@
           </ac:spMkLst>
         </pc:spChg>
         <pc:spChg chg="mod">
-          <ac:chgData name="Joseph Beach" userId="b37be78dd7a5175c" providerId="LiveId" clId="{D083B055-CFA3-499C-9750-E0DE7E2DB1D7}" dt="2021-10-28T18:19:00.898" v="292" actId="20577"/>
+          <ac:chgData name="Joseph Beach" userId="b37be78dd7a5175c" providerId="LiveId" clId="{D083B055-CFA3-499C-9750-E0DE7E2DB1D7}" dt="2021-10-31T22:39:26.728" v="1941" actId="1076"/>
           <ac:spMkLst>
             <pc:docMk/>
             <pc:sldMk cId="4231132744" sldId="256"/>
@@ -186,8 +204,8 @@
             <ac:spMk id="11" creationId="{417E72B5-12CE-4F20-8E8E-32871CC64ADE}"/>
           </ac:spMkLst>
         </pc:spChg>
-        <pc:spChg chg="mod">
-          <ac:chgData name="Joseph Beach" userId="b37be78dd7a5175c" providerId="LiveId" clId="{D083B055-CFA3-499C-9750-E0DE7E2DB1D7}" dt="2021-10-28T17:25:50.646" v="13" actId="1076"/>
+        <pc:spChg chg="del mod">
+          <ac:chgData name="Joseph Beach" userId="b37be78dd7a5175c" providerId="LiveId" clId="{D083B055-CFA3-499C-9750-E0DE7E2DB1D7}" dt="2021-10-31T22:36:10.875" v="1928" actId="478"/>
           <ac:spMkLst>
             <pc:docMk/>
             <pc:sldMk cId="4231132744" sldId="256"/>
@@ -195,7 +213,23 @@
           </ac:spMkLst>
         </pc:spChg>
         <pc:spChg chg="add mod">
-          <ac:chgData name="Joseph Beach" userId="b37be78dd7a5175c" providerId="LiveId" clId="{D083B055-CFA3-499C-9750-E0DE7E2DB1D7}" dt="2021-10-28T18:24:23.285" v="615" actId="20577"/>
+          <ac:chgData name="Joseph Beach" userId="b37be78dd7a5175c" providerId="LiveId" clId="{D083B055-CFA3-499C-9750-E0DE7E2DB1D7}" dt="2021-10-28T20:52:41.207" v="673" actId="1076"/>
+          <ac:spMkLst>
+            <pc:docMk/>
+            <pc:sldMk cId="4231132744" sldId="256"/>
+            <ac:spMk id="23" creationId="{90BA5C66-E1B0-4B1F-A8EA-7B237757C04C}"/>
+          </ac:spMkLst>
+        </pc:spChg>
+        <pc:spChg chg="add mod">
+          <ac:chgData name="Joseph Beach" userId="b37be78dd7a5175c" providerId="LiveId" clId="{D083B055-CFA3-499C-9750-E0DE7E2DB1D7}" dt="2021-10-31T22:40:47.351" v="1963" actId="14100"/>
+          <ac:spMkLst>
+            <pc:docMk/>
+            <pc:sldMk cId="4231132744" sldId="256"/>
+            <ac:spMk id="25" creationId="{7BC5C815-EA0D-407B-9DF2-DC6BF1FF7D56}"/>
+          </ac:spMkLst>
+        </pc:spChg>
+        <pc:spChg chg="add mod">
+          <ac:chgData name="Joseph Beach" userId="b37be78dd7a5175c" providerId="LiveId" clId="{D083B055-CFA3-499C-9750-E0DE7E2DB1D7}" dt="2021-10-31T22:40:37.245" v="1960" actId="20577"/>
           <ac:spMkLst>
             <pc:docMk/>
             <pc:sldMk cId="4231132744" sldId="256"/>
@@ -203,7 +237,7 @@
           </ac:spMkLst>
         </pc:spChg>
         <pc:spChg chg="add mod">
-          <ac:chgData name="Joseph Beach" userId="b37be78dd7a5175c" providerId="LiveId" clId="{D083B055-CFA3-499C-9750-E0DE7E2DB1D7}" dt="2021-10-28T18:16:20.651" v="243" actId="20577"/>
+          <ac:chgData name="Joseph Beach" userId="b37be78dd7a5175c" providerId="LiveId" clId="{D083B055-CFA3-499C-9750-E0DE7E2DB1D7}" dt="2021-10-31T22:39:07.985" v="1939" actId="1076"/>
           <ac:spMkLst>
             <pc:docMk/>
             <pc:sldMk cId="4231132744" sldId="256"/>
@@ -211,7 +245,7 @@
           </ac:spMkLst>
         </pc:spChg>
         <pc:spChg chg="add mod">
-          <ac:chgData name="Joseph Beach" userId="b37be78dd7a5175c" providerId="LiveId" clId="{D083B055-CFA3-499C-9750-E0DE7E2DB1D7}" dt="2021-10-28T18:23:42.485" v="578" actId="14100"/>
+          <ac:chgData name="Joseph Beach" userId="b37be78dd7a5175c" providerId="LiveId" clId="{D083B055-CFA3-499C-9750-E0DE7E2DB1D7}" dt="2021-10-31T22:40:20.448" v="1955" actId="1076"/>
           <ac:spMkLst>
             <pc:docMk/>
             <pc:sldMk cId="4231132744" sldId="256"/>
@@ -235,7 +269,7 @@
           </ac:spMkLst>
         </pc:spChg>
         <pc:spChg chg="add mod">
-          <ac:chgData name="Joseph Beach" userId="b37be78dd7a5175c" providerId="LiveId" clId="{D083B055-CFA3-499C-9750-E0DE7E2DB1D7}" dt="2021-10-28T18:20:46.565" v="330" actId="20577"/>
+          <ac:chgData name="Joseph Beach" userId="b37be78dd7a5175c" providerId="LiveId" clId="{D083B055-CFA3-499C-9750-E0DE7E2DB1D7}" dt="2021-10-31T22:39:53.449" v="1948" actId="14100"/>
           <ac:spMkLst>
             <pc:docMk/>
             <pc:sldMk cId="4231132744" sldId="256"/>
@@ -243,7 +277,7 @@
           </ac:spMkLst>
         </pc:spChg>
         <pc:spChg chg="add mod">
-          <ac:chgData name="Joseph Beach" userId="b37be78dd7a5175c" providerId="LiveId" clId="{D083B055-CFA3-499C-9750-E0DE7E2DB1D7}" dt="2021-10-28T18:21:06.753" v="349" actId="20577"/>
+          <ac:chgData name="Joseph Beach" userId="b37be78dd7a5175c" providerId="LiveId" clId="{D083B055-CFA3-499C-9750-E0DE7E2DB1D7}" dt="2021-10-31T22:39:58.189" v="1950" actId="1076"/>
           <ac:spMkLst>
             <pc:docMk/>
             <pc:sldMk cId="4231132744" sldId="256"/>
@@ -251,7 +285,7 @@
           </ac:spMkLst>
         </pc:spChg>
         <pc:spChg chg="add mod">
-          <ac:chgData name="Joseph Beach" userId="b37be78dd7a5175c" providerId="LiveId" clId="{D083B055-CFA3-499C-9750-E0DE7E2DB1D7}" dt="2021-10-28T18:21:48.485" v="383" actId="1076"/>
+          <ac:chgData name="Joseph Beach" userId="b37be78dd7a5175c" providerId="LiveId" clId="{D083B055-CFA3-499C-9750-E0DE7E2DB1D7}" dt="2021-10-31T22:39:44.421" v="1946" actId="11530"/>
           <ac:spMkLst>
             <pc:docMk/>
             <pc:sldMk cId="4231132744" sldId="256"/>
@@ -259,7 +293,7 @@
           </ac:spMkLst>
         </pc:spChg>
         <pc:spChg chg="add mod">
-          <ac:chgData name="Joseph Beach" userId="b37be78dd7a5175c" providerId="LiveId" clId="{D083B055-CFA3-499C-9750-E0DE7E2DB1D7}" dt="2021-10-28T18:22:09.399" v="413" actId="20577"/>
+          <ac:chgData name="Joseph Beach" userId="b37be78dd7a5175c" providerId="LiveId" clId="{D083B055-CFA3-499C-9750-E0DE7E2DB1D7}" dt="2021-10-28T20:53:24.863" v="691" actId="1076"/>
           <ac:spMkLst>
             <pc:docMk/>
             <pc:sldMk cId="4231132744" sldId="256"/>
@@ -267,7 +301,7 @@
           </ac:spMkLst>
         </pc:spChg>
         <pc:cxnChg chg="mod">
-          <ac:chgData name="Joseph Beach" userId="b37be78dd7a5175c" providerId="LiveId" clId="{D083B055-CFA3-499C-9750-E0DE7E2DB1D7}" dt="2021-10-28T17:26:52.280" v="36" actId="1076"/>
+          <ac:chgData name="Joseph Beach" userId="b37be78dd7a5175c" providerId="LiveId" clId="{D083B055-CFA3-499C-9750-E0DE7E2DB1D7}" dt="2021-10-31T22:39:09.503" v="1940" actId="1076"/>
           <ac:cxnSpMkLst>
             <pc:docMk/>
             <pc:sldMk cId="4231132744" sldId="256"/>
@@ -275,7 +309,7 @@
           </ac:cxnSpMkLst>
         </pc:cxnChg>
         <pc:cxnChg chg="mod">
-          <ac:chgData name="Joseph Beach" userId="b37be78dd7a5175c" providerId="LiveId" clId="{D083B055-CFA3-499C-9750-E0DE7E2DB1D7}" dt="2021-10-28T17:26:01.357" v="16" actId="1076"/>
+          <ac:chgData name="Joseph Beach" userId="b37be78dd7a5175c" providerId="LiveId" clId="{D083B055-CFA3-499C-9750-E0DE7E2DB1D7}" dt="2021-10-31T22:39:29.024" v="1942" actId="1076"/>
           <ac:cxnSpMkLst>
             <pc:docMk/>
             <pc:sldMk cId="4231132744" sldId="256"/>
@@ -283,7 +317,15 @@
           </ac:cxnSpMkLst>
         </pc:cxnChg>
         <pc:cxnChg chg="mod">
-          <ac:chgData name="Joseph Beach" userId="b37be78dd7a5175c" providerId="LiveId" clId="{D083B055-CFA3-499C-9750-E0DE7E2DB1D7}" dt="2021-10-28T17:52:33.013" v="189" actId="14100"/>
+          <ac:chgData name="Joseph Beach" userId="b37be78dd7a5175c" providerId="LiveId" clId="{D083B055-CFA3-499C-9750-E0DE7E2DB1D7}" dt="2021-10-28T20:52:56.616" v="680" actId="14100"/>
+          <ac:cxnSpMkLst>
+            <pc:docMk/>
+            <pc:sldMk cId="4231132744" sldId="256"/>
+            <ac:cxnSpMk id="20" creationId="{CC06D41A-8B41-431E-BFB0-DBD6A5D7E382}"/>
+          </ac:cxnSpMkLst>
+        </pc:cxnChg>
+        <pc:cxnChg chg="mod">
+          <ac:chgData name="Joseph Beach" userId="b37be78dd7a5175c" providerId="LiveId" clId="{D083B055-CFA3-499C-9750-E0DE7E2DB1D7}" dt="2021-10-31T22:39:55.892" v="1949" actId="1076"/>
           <ac:cxnSpMkLst>
             <pc:docMk/>
             <pc:sldMk cId="4231132744" sldId="256"/>
@@ -291,7 +333,7 @@
           </ac:cxnSpMkLst>
         </pc:cxnChg>
         <pc:cxnChg chg="mod">
-          <ac:chgData name="Joseph Beach" userId="b37be78dd7a5175c" providerId="LiveId" clId="{D083B055-CFA3-499C-9750-E0DE7E2DB1D7}" dt="2021-10-28T18:21:46.509" v="382" actId="1076"/>
+          <ac:chgData name="Joseph Beach" userId="b37be78dd7a5175c" providerId="LiveId" clId="{D083B055-CFA3-499C-9750-E0DE7E2DB1D7}" dt="2021-10-28T20:53:16.722" v="688" actId="1076"/>
           <ac:cxnSpMkLst>
             <pc:docMk/>
             <pc:sldMk cId="4231132744" sldId="256"/>
@@ -315,7 +357,7 @@
           </ac:cxnSpMkLst>
         </pc:cxnChg>
         <pc:cxnChg chg="add mod">
-          <ac:chgData name="Joseph Beach" userId="b37be78dd7a5175c" providerId="LiveId" clId="{D083B055-CFA3-499C-9750-E0DE7E2DB1D7}" dt="2021-10-28T17:26:49.009" v="35" actId="1076"/>
+          <ac:chgData name="Joseph Beach" userId="b37be78dd7a5175c" providerId="LiveId" clId="{D083B055-CFA3-499C-9750-E0DE7E2DB1D7}" dt="2021-10-31T22:39:05.942" v="1938" actId="14100"/>
           <ac:cxnSpMkLst>
             <pc:docMk/>
             <pc:sldMk cId="4231132744" sldId="256"/>
@@ -323,7 +365,7 @@
           </ac:cxnSpMkLst>
         </pc:cxnChg>
         <pc:cxnChg chg="add mod">
-          <ac:chgData name="Joseph Beach" userId="b37be78dd7a5175c" providerId="LiveId" clId="{D083B055-CFA3-499C-9750-E0DE7E2DB1D7}" dt="2021-10-28T18:22:19.173" v="414" actId="14100"/>
+          <ac:chgData name="Joseph Beach" userId="b37be78dd7a5175c" providerId="LiveId" clId="{D083B055-CFA3-499C-9750-E0DE7E2DB1D7}" dt="2021-10-31T22:40:41.831" v="1961" actId="1076"/>
           <ac:cxnSpMkLst>
             <pc:docMk/>
             <pc:sldMk cId="4231132744" sldId="256"/>
@@ -331,7 +373,7 @@
           </ac:cxnSpMkLst>
         </pc:cxnChg>
         <pc:cxnChg chg="add mod">
-          <ac:chgData name="Joseph Beach" userId="b37be78dd7a5175c" providerId="LiveId" clId="{D083B055-CFA3-499C-9750-E0DE7E2DB1D7}" dt="2021-10-28T18:23:45.028" v="579" actId="1076"/>
+          <ac:chgData name="Joseph Beach" userId="b37be78dd7a5175c" providerId="LiveId" clId="{D083B055-CFA3-499C-9750-E0DE7E2DB1D7}" dt="2021-10-31T22:40:22.471" v="1956" actId="1076"/>
           <ac:cxnSpMkLst>
             <pc:docMk/>
             <pc:sldMk cId="4231132744" sldId="256"/>
@@ -339,10 +381,1080 @@
           </ac:cxnSpMkLst>
         </pc:cxnChg>
         <pc:cxnChg chg="add mod">
-          <ac:chgData name="Joseph Beach" userId="b37be78dd7a5175c" providerId="LiveId" clId="{D083B055-CFA3-499C-9750-E0DE7E2DB1D7}" dt="2021-10-28T18:23:53.591" v="582" actId="14100"/>
+          <ac:chgData name="Joseph Beach" userId="b37be78dd7a5175c" providerId="LiveId" clId="{D083B055-CFA3-499C-9750-E0DE7E2DB1D7}" dt="2021-10-28T20:53:27.066" v="692" actId="1076"/>
           <ac:cxnSpMkLst>
             <pc:docMk/>
             <pc:sldMk cId="4231132744" sldId="256"/>
+            <ac:cxnSpMk id="53" creationId="{15B3D8AA-6A47-4373-ACE7-07A6F0EB6A37}"/>
+          </ac:cxnSpMkLst>
+        </pc:cxnChg>
+      </pc:sldChg>
+      <pc:sldChg chg="modSp new del mod">
+        <pc:chgData name="Joseph Beach" userId="b37be78dd7a5175c" providerId="LiveId" clId="{D083B055-CFA3-499C-9750-E0DE7E2DB1D7}" dt="2021-10-28T20:54:07.713" v="706" actId="47"/>
+        <pc:sldMkLst>
+          <pc:docMk/>
+          <pc:sldMk cId="893093574" sldId="257"/>
+        </pc:sldMkLst>
+        <pc:spChg chg="mod">
+          <ac:chgData name="Joseph Beach" userId="b37be78dd7a5175c" providerId="LiveId" clId="{D083B055-CFA3-499C-9750-E0DE7E2DB1D7}" dt="2021-10-28T20:51:56.203" v="653" actId="122"/>
+          <ac:spMkLst>
+            <pc:docMk/>
+            <pc:sldMk cId="893093574" sldId="257"/>
+            <ac:spMk id="2" creationId="{BB66593B-2336-490A-A79C-1FA66ECC7456}"/>
+          </ac:spMkLst>
+        </pc:spChg>
+      </pc:sldChg>
+      <pc:sldChg chg="addSp delSp modSp add mod">
+        <pc:chgData name="Joseph Beach" userId="b37be78dd7a5175c" providerId="LiveId" clId="{D083B055-CFA3-499C-9750-E0DE7E2DB1D7}" dt="2021-10-31T23:10:53.612" v="1998" actId="14100"/>
+        <pc:sldMkLst>
+          <pc:docMk/>
+          <pc:sldMk cId="1117871553" sldId="258"/>
+        </pc:sldMkLst>
+        <pc:spChg chg="add mod">
+          <ac:chgData name="Joseph Beach" userId="b37be78dd7a5175c" providerId="LiveId" clId="{D083B055-CFA3-499C-9750-E0DE7E2DB1D7}" dt="2021-10-31T22:15:04.121" v="1883" actId="5793"/>
+          <ac:spMkLst>
+            <pc:docMk/>
+            <pc:sldMk cId="1117871553" sldId="258"/>
+            <ac:spMk id="2" creationId="{11CBE909-EC47-42D2-AA0B-CB62C09309E8}"/>
+          </ac:spMkLst>
+        </pc:spChg>
+        <pc:spChg chg="del">
+          <ac:chgData name="Joseph Beach" userId="b37be78dd7a5175c" providerId="LiveId" clId="{D083B055-CFA3-499C-9750-E0DE7E2DB1D7}" dt="2021-10-31T22:35:05.977" v="1899" actId="478"/>
+          <ac:spMkLst>
+            <pc:docMk/>
+            <pc:sldMk cId="1117871553" sldId="258"/>
+            <ac:spMk id="4" creationId="{BE50FD31-2258-4225-A9C2-F345427AE01A}"/>
+          </ac:spMkLst>
+        </pc:spChg>
+        <pc:spChg chg="mod">
+          <ac:chgData name="Joseph Beach" userId="b37be78dd7a5175c" providerId="LiveId" clId="{D083B055-CFA3-499C-9750-E0DE7E2DB1D7}" dt="2021-10-31T23:09:13.592" v="1971" actId="1076"/>
+          <ac:spMkLst>
+            <pc:docMk/>
+            <pc:sldMk cId="1117871553" sldId="258"/>
+            <ac:spMk id="5" creationId="{0AEB1780-148F-4F2B-932E-DC0023ADF291}"/>
+          </ac:spMkLst>
+        </pc:spChg>
+        <pc:spChg chg="del mod">
+          <ac:chgData name="Joseph Beach" userId="b37be78dd7a5175c" providerId="LiveId" clId="{D083B055-CFA3-499C-9750-E0DE7E2DB1D7}" dt="2021-10-31T22:36:04.763" v="1925" actId="478"/>
+          <ac:spMkLst>
+            <pc:docMk/>
+            <pc:sldMk cId="1117871553" sldId="258"/>
+            <ac:spMk id="12" creationId="{36096103-5263-4344-8244-548BE6EAB07C}"/>
+          </ac:spMkLst>
+        </pc:spChg>
+        <pc:spChg chg="mod">
+          <ac:chgData name="Joseph Beach" userId="b37be78dd7a5175c" providerId="LiveId" clId="{D083B055-CFA3-499C-9750-E0DE7E2DB1D7}" dt="2021-10-31T21:55:45.875" v="901" actId="20577"/>
+          <ac:spMkLst>
+            <pc:docMk/>
+            <pc:sldMk cId="1117871553" sldId="258"/>
+            <ac:spMk id="23" creationId="{90BA5C66-E1B0-4B1F-A8EA-7B237757C04C}"/>
+          </ac:spMkLst>
+        </pc:spChg>
+        <pc:spChg chg="add mod">
+          <ac:chgData name="Joseph Beach" userId="b37be78dd7a5175c" providerId="LiveId" clId="{D083B055-CFA3-499C-9750-E0DE7E2DB1D7}" dt="2021-10-31T23:09:34.949" v="1976" actId="14100"/>
+          <ac:spMkLst>
+            <pc:docMk/>
+            <pc:sldMk cId="1117871553" sldId="258"/>
+            <ac:spMk id="25" creationId="{16AF2CFE-873B-4EFE-854E-19E0D2F90B9C}"/>
+          </ac:spMkLst>
+        </pc:spChg>
+        <pc:spChg chg="add mod">
+          <ac:chgData name="Joseph Beach" userId="b37be78dd7a5175c" providerId="LiveId" clId="{D083B055-CFA3-499C-9750-E0DE7E2DB1D7}" dt="2021-10-31T23:10:00.895" v="1982" actId="1076"/>
+          <ac:spMkLst>
+            <pc:docMk/>
+            <pc:sldMk cId="1117871553" sldId="258"/>
+            <ac:spMk id="26" creationId="{5D574E6A-07B6-4FF2-B0FC-58C7D41D9B25}"/>
+          </ac:spMkLst>
+        </pc:spChg>
+        <pc:spChg chg="add mod">
+          <ac:chgData name="Joseph Beach" userId="b37be78dd7a5175c" providerId="LiveId" clId="{D083B055-CFA3-499C-9750-E0DE7E2DB1D7}" dt="2021-10-31T23:09:41.893" v="1979" actId="1076"/>
+          <ac:spMkLst>
+            <pc:docMk/>
+            <pc:sldMk cId="1117871553" sldId="258"/>
+            <ac:spMk id="27" creationId="{860238AE-8B77-414B-A98E-989B84F4D965}"/>
+          </ac:spMkLst>
+        </pc:spChg>
+        <pc:spChg chg="add mod">
+          <ac:chgData name="Joseph Beach" userId="b37be78dd7a5175c" providerId="LiveId" clId="{D083B055-CFA3-499C-9750-E0DE7E2DB1D7}" dt="2021-10-31T23:10:04.867" v="1983" actId="1076"/>
+          <ac:spMkLst>
+            <pc:docMk/>
+            <pc:sldMk cId="1117871553" sldId="258"/>
+            <ac:spMk id="28" creationId="{3575B441-F650-47A1-BF78-86BAD872B2FD}"/>
+          </ac:spMkLst>
+        </pc:spChg>
+        <pc:spChg chg="mod">
+          <ac:chgData name="Joseph Beach" userId="b37be78dd7a5175c" providerId="LiveId" clId="{D083B055-CFA3-499C-9750-E0DE7E2DB1D7}" dt="2021-10-31T23:10:38.589" v="1992" actId="1076"/>
+          <ac:spMkLst>
+            <pc:docMk/>
+            <pc:sldMk cId="1117871553" sldId="258"/>
+            <ac:spMk id="29" creationId="{229293EA-FBC9-4E58-AE90-1828B1364569}"/>
+          </ac:spMkLst>
+        </pc:spChg>
+        <pc:spChg chg="mod">
+          <ac:chgData name="Joseph Beach" userId="b37be78dd7a5175c" providerId="LiveId" clId="{D083B055-CFA3-499C-9750-E0DE7E2DB1D7}" dt="2021-10-31T23:09:05.289" v="1970" actId="1076"/>
+          <ac:spMkLst>
+            <pc:docMk/>
+            <pc:sldMk cId="1117871553" sldId="258"/>
+            <ac:spMk id="30" creationId="{64DDE505-F940-4390-B520-A5CC64B983C0}"/>
+          </ac:spMkLst>
+        </pc:spChg>
+        <pc:spChg chg="add mod">
+          <ac:chgData name="Joseph Beach" userId="b37be78dd7a5175c" providerId="LiveId" clId="{D083B055-CFA3-499C-9750-E0DE7E2DB1D7}" dt="2021-10-31T23:10:49.466" v="1996" actId="1076"/>
+          <ac:spMkLst>
+            <pc:docMk/>
+            <pc:sldMk cId="1117871553" sldId="258"/>
+            <ac:spMk id="32" creationId="{3F546175-30E6-4FA5-A44F-1706B494FC3F}"/>
+          </ac:spMkLst>
+        </pc:spChg>
+        <pc:spChg chg="mod">
+          <ac:chgData name="Joseph Beach" userId="b37be78dd7a5175c" providerId="LiveId" clId="{D083B055-CFA3-499C-9750-E0DE7E2DB1D7}" dt="2021-10-31T23:10:18.894" v="1985" actId="1076"/>
+          <ac:spMkLst>
+            <pc:docMk/>
+            <pc:sldMk cId="1117871553" sldId="258"/>
+            <ac:spMk id="36" creationId="{EC634503-33CB-49CD-AE76-89DBF9A0DE62}"/>
+          </ac:spMkLst>
+        </pc:spChg>
+        <pc:spChg chg="add mod">
+          <ac:chgData name="Joseph Beach" userId="b37be78dd7a5175c" providerId="LiveId" clId="{D083B055-CFA3-499C-9750-E0DE7E2DB1D7}" dt="2021-10-31T23:08:25.077" v="1965" actId="1076"/>
+          <ac:spMkLst>
+            <pc:docMk/>
+            <pc:sldMk cId="1117871553" sldId="258"/>
+            <ac:spMk id="38" creationId="{F8AA5A13-8DD9-4769-BA25-C8DC8D0879E5}"/>
+          </ac:spMkLst>
+        </pc:spChg>
+        <pc:spChg chg="add mod">
+          <ac:chgData name="Joseph Beach" userId="b37be78dd7a5175c" providerId="LiveId" clId="{D083B055-CFA3-499C-9750-E0DE7E2DB1D7}" dt="2021-10-31T23:10:53.612" v="1998" actId="14100"/>
+          <ac:spMkLst>
+            <pc:docMk/>
+            <pc:sldMk cId="1117871553" sldId="258"/>
+            <ac:spMk id="39" creationId="{099F7C89-903F-41C6-95CD-E57C894B7E04}"/>
+          </ac:spMkLst>
+        </pc:spChg>
+        <pc:spChg chg="add mod">
+          <ac:chgData name="Joseph Beach" userId="b37be78dd7a5175c" providerId="LiveId" clId="{D083B055-CFA3-499C-9750-E0DE7E2DB1D7}" dt="2021-10-31T23:10:22.047" v="1987" actId="1076"/>
+          <ac:spMkLst>
+            <pc:docMk/>
+            <pc:sldMk cId="1117871553" sldId="258"/>
+            <ac:spMk id="40" creationId="{1FAAAE0C-44F5-4CE6-A1AA-C65EF5E0D8F0}"/>
+          </ac:spMkLst>
+        </pc:spChg>
+        <pc:spChg chg="del">
+          <ac:chgData name="Joseph Beach" userId="b37be78dd7a5175c" providerId="LiveId" clId="{D083B055-CFA3-499C-9750-E0DE7E2DB1D7}" dt="2021-10-28T20:54:39.495" v="743" actId="478"/>
+          <ac:spMkLst>
+            <pc:docMk/>
+            <pc:sldMk cId="1117871553" sldId="258"/>
+            <ac:spMk id="46" creationId="{AB2C9EE7-A956-4231-BEE2-18E8D7D6BCA8}"/>
+          </ac:spMkLst>
+        </pc:spChg>
+        <pc:spChg chg="del">
+          <ac:chgData name="Joseph Beach" userId="b37be78dd7a5175c" providerId="LiveId" clId="{D083B055-CFA3-499C-9750-E0DE7E2DB1D7}" dt="2021-10-28T20:55:14.752" v="767" actId="478"/>
+          <ac:spMkLst>
+            <pc:docMk/>
+            <pc:sldMk cId="1117871553" sldId="258"/>
+            <ac:spMk id="47" creationId="{FD997343-71D0-42A9-9A51-B6A36315B2F1}"/>
+          </ac:spMkLst>
+        </pc:spChg>
+        <pc:spChg chg="del">
+          <ac:chgData name="Joseph Beach" userId="b37be78dd7a5175c" providerId="LiveId" clId="{D083B055-CFA3-499C-9750-E0DE7E2DB1D7}" dt="2021-10-28T20:54:48.388" v="746" actId="478"/>
+          <ac:spMkLst>
+            <pc:docMk/>
+            <pc:sldMk cId="1117871553" sldId="258"/>
+            <ac:spMk id="48" creationId="{167D45CF-CD64-457B-A6C2-68C6B822AA32}"/>
+          </ac:spMkLst>
+        </pc:spChg>
+        <pc:spChg chg="del">
+          <ac:chgData name="Joseph Beach" userId="b37be78dd7a5175c" providerId="LiveId" clId="{D083B055-CFA3-499C-9750-E0DE7E2DB1D7}" dt="2021-10-28T20:55:28.879" v="774" actId="478"/>
+          <ac:spMkLst>
+            <pc:docMk/>
+            <pc:sldMk cId="1117871553" sldId="258"/>
+            <ac:spMk id="50" creationId="{70F82FD6-670A-4153-B6D7-718838433978}"/>
+          </ac:spMkLst>
+        </pc:spChg>
+        <pc:cxnChg chg="mod">
+          <ac:chgData name="Joseph Beach" userId="b37be78dd7a5175c" providerId="LiveId" clId="{D083B055-CFA3-499C-9750-E0DE7E2DB1D7}" dt="2021-10-31T23:09:15.973" v="1972" actId="1076"/>
+          <ac:cxnSpMkLst>
+            <pc:docMk/>
+            <pc:sldMk cId="1117871553" sldId="258"/>
+            <ac:cxnSpMk id="18" creationId="{5B1036F7-4980-4764-9455-D4D1404F7E0A}"/>
+          </ac:cxnSpMkLst>
+        </pc:cxnChg>
+        <pc:cxnChg chg="mod">
+          <ac:chgData name="Joseph Beach" userId="b37be78dd7a5175c" providerId="LiveId" clId="{D083B055-CFA3-499C-9750-E0DE7E2DB1D7}" dt="2021-10-31T23:09:39.964" v="1978" actId="1076"/>
+          <ac:cxnSpMkLst>
+            <pc:docMk/>
+            <pc:sldMk cId="1117871553" sldId="258"/>
+            <ac:cxnSpMk id="22" creationId="{5450194E-28FD-4E1C-B18F-A5749EDF6443}"/>
+          </ac:cxnSpMkLst>
+        </pc:cxnChg>
+        <pc:cxnChg chg="mod">
+          <ac:chgData name="Joseph Beach" userId="b37be78dd7a5175c" providerId="LiveId" clId="{D083B055-CFA3-499C-9750-E0DE7E2DB1D7}" dt="2021-10-31T21:55:56.028" v="903" actId="1076"/>
+          <ac:cxnSpMkLst>
+            <pc:docMk/>
+            <pc:sldMk cId="1117871553" sldId="258"/>
+            <ac:cxnSpMk id="24" creationId="{BC401A7A-F17E-4FBB-A76B-57F57CE1BBEE}"/>
+          </ac:cxnSpMkLst>
+        </pc:cxnChg>
+        <pc:cxnChg chg="mod">
+          <ac:chgData name="Joseph Beach" userId="b37be78dd7a5175c" providerId="LiveId" clId="{D083B055-CFA3-499C-9750-E0DE7E2DB1D7}" dt="2021-10-31T23:08:29.334" v="1967" actId="14100"/>
+          <ac:cxnSpMkLst>
+            <pc:docMk/>
+            <pc:sldMk cId="1117871553" sldId="258"/>
+            <ac:cxnSpMk id="31" creationId="{A01869A9-0D33-4F2F-800B-760C38BE3EC6}"/>
+          </ac:cxnSpMkLst>
+        </pc:cxnChg>
+        <pc:cxnChg chg="add mod">
+          <ac:chgData name="Joseph Beach" userId="b37be78dd7a5175c" providerId="LiveId" clId="{D083B055-CFA3-499C-9750-E0DE7E2DB1D7}" dt="2021-10-31T22:14:37.720" v="1864" actId="1076"/>
+          <ac:cxnSpMkLst>
+            <pc:docMk/>
+            <pc:sldMk cId="1117871553" sldId="258"/>
+            <ac:cxnSpMk id="33" creationId="{2A5B62A1-3164-4065-8246-88A7471A0BFD}"/>
+          </ac:cxnSpMkLst>
+        </pc:cxnChg>
+        <pc:cxnChg chg="mod">
+          <ac:chgData name="Joseph Beach" userId="b37be78dd7a5175c" providerId="LiveId" clId="{D083B055-CFA3-499C-9750-E0DE7E2DB1D7}" dt="2021-10-31T22:14:29.563" v="1860" actId="1076"/>
+          <ac:cxnSpMkLst>
+            <pc:docMk/>
+            <pc:sldMk cId="1117871553" sldId="258"/>
+            <ac:cxnSpMk id="34" creationId="{64F66475-724F-4248-91A0-257C8895B157}"/>
+          </ac:cxnSpMkLst>
+        </pc:cxnChg>
+        <pc:cxnChg chg="add mod">
+          <ac:chgData name="Joseph Beach" userId="b37be78dd7a5175c" providerId="LiveId" clId="{D083B055-CFA3-499C-9750-E0DE7E2DB1D7}" dt="2021-10-31T22:14:36.507" v="1863" actId="1076"/>
+          <ac:cxnSpMkLst>
+            <pc:docMk/>
+            <pc:sldMk cId="1117871553" sldId="258"/>
+            <ac:cxnSpMk id="35" creationId="{0A5C33AD-F20D-4D35-8199-2998EB5904C0}"/>
+          </ac:cxnSpMkLst>
+        </pc:cxnChg>
+        <pc:cxnChg chg="add mod">
+          <ac:chgData name="Joseph Beach" userId="b37be78dd7a5175c" providerId="LiveId" clId="{D083B055-CFA3-499C-9750-E0DE7E2DB1D7}" dt="2021-10-31T22:14:27.056" v="1858" actId="1076"/>
+          <ac:cxnSpMkLst>
+            <pc:docMk/>
+            <pc:sldMk cId="1117871553" sldId="258"/>
+            <ac:cxnSpMk id="37" creationId="{32DD2BD0-3690-492B-82CE-784C2BDB33EC}"/>
+          </ac:cxnSpMkLst>
+        </pc:cxnChg>
+        <pc:cxnChg chg="add mod">
+          <ac:chgData name="Joseph Beach" userId="b37be78dd7a5175c" providerId="LiveId" clId="{D083B055-CFA3-499C-9750-E0DE7E2DB1D7}" dt="2021-10-31T23:10:26.101" v="1989" actId="14100"/>
+          <ac:cxnSpMkLst>
+            <pc:docMk/>
+            <pc:sldMk cId="1117871553" sldId="258"/>
+            <ac:cxnSpMk id="41" creationId="{16C515E6-AA2F-4D23-A4E4-C0494F5EA742}"/>
+          </ac:cxnSpMkLst>
+        </pc:cxnChg>
+        <pc:cxnChg chg="mod">
+          <ac:chgData name="Joseph Beach" userId="b37be78dd7a5175c" providerId="LiveId" clId="{D083B055-CFA3-499C-9750-E0DE7E2DB1D7}" dt="2021-10-31T23:10:21.059" v="1986" actId="1076"/>
+          <ac:cxnSpMkLst>
+            <pc:docMk/>
+            <pc:sldMk cId="1117871553" sldId="258"/>
+            <ac:cxnSpMk id="52" creationId="{8C80ECB8-E7A2-4C61-860A-0128326650EE}"/>
+          </ac:cxnSpMkLst>
+        </pc:cxnChg>
+        <pc:cxnChg chg="mod">
+          <ac:chgData name="Joseph Beach" userId="b37be78dd7a5175c" providerId="LiveId" clId="{D083B055-CFA3-499C-9750-E0DE7E2DB1D7}" dt="2021-10-31T22:13:47.620" v="1832" actId="1076"/>
+          <ac:cxnSpMkLst>
+            <pc:docMk/>
+            <pc:sldMk cId="1117871553" sldId="258"/>
+            <ac:cxnSpMk id="53" creationId="{15B3D8AA-6A47-4373-ACE7-07A6F0EB6A37}"/>
+          </ac:cxnSpMkLst>
+        </pc:cxnChg>
+      </pc:sldChg>
+      <pc:sldChg chg="modSp add del mod">
+        <pc:chgData name="Joseph Beach" userId="b37be78dd7a5175c" providerId="LiveId" clId="{D083B055-CFA3-499C-9750-E0DE7E2DB1D7}" dt="2021-10-31T21:57:52.853" v="970" actId="47"/>
+        <pc:sldMkLst>
+          <pc:docMk/>
+          <pc:sldMk cId="75653044" sldId="259"/>
+        </pc:sldMkLst>
+        <pc:spChg chg="mod">
+          <ac:chgData name="Joseph Beach" userId="b37be78dd7a5175c" providerId="LiveId" clId="{D083B055-CFA3-499C-9750-E0DE7E2DB1D7}" dt="2021-10-31T21:57:02.120" v="945" actId="20577"/>
+          <ac:spMkLst>
+            <pc:docMk/>
+            <pc:sldMk cId="75653044" sldId="259"/>
+            <ac:spMk id="23" creationId="{90BA5C66-E1B0-4B1F-A8EA-7B237757C04C}"/>
+          </ac:spMkLst>
+        </pc:spChg>
+        <pc:spChg chg="mod">
+          <ac:chgData name="Joseph Beach" userId="b37be78dd7a5175c" providerId="LiveId" clId="{D083B055-CFA3-499C-9750-E0DE7E2DB1D7}" dt="2021-10-31T21:57:37.203" v="968" actId="20577"/>
+          <ac:spMkLst>
+            <pc:docMk/>
+            <pc:sldMk cId="75653044" sldId="259"/>
+            <ac:spMk id="30" creationId="{64DDE505-F940-4390-B520-A5CC64B983C0}"/>
+          </ac:spMkLst>
+        </pc:spChg>
+      </pc:sldChg>
+      <pc:sldChg chg="add del">
+        <pc:chgData name="Joseph Beach" userId="b37be78dd7a5175c" providerId="LiveId" clId="{D083B055-CFA3-499C-9750-E0DE7E2DB1D7}" dt="2021-10-31T22:03:04.511" v="1345" actId="47"/>
+        <pc:sldMkLst>
+          <pc:docMk/>
+          <pc:sldMk cId="590749613" sldId="260"/>
+        </pc:sldMkLst>
+      </pc:sldChg>
+      <pc:sldChg chg="add del">
+        <pc:chgData name="Joseph Beach" userId="b37be78dd7a5175c" providerId="LiveId" clId="{D083B055-CFA3-499C-9750-E0DE7E2DB1D7}" dt="2021-10-31T22:07:07.847" v="1575" actId="47"/>
+        <pc:sldMkLst>
+          <pc:docMk/>
+          <pc:sldMk cId="1262371117" sldId="261"/>
+        </pc:sldMkLst>
+      </pc:sldChg>
+      <pc:sldChg chg="add del">
+        <pc:chgData name="Joseph Beach" userId="b37be78dd7a5175c" providerId="LiveId" clId="{D083B055-CFA3-499C-9750-E0DE7E2DB1D7}" dt="2021-10-31T22:07:08.536" v="1576" actId="47"/>
+        <pc:sldMkLst>
+          <pc:docMk/>
+          <pc:sldMk cId="1927202793" sldId="262"/>
+        </pc:sldMkLst>
+      </pc:sldChg>
+      <pc:sldChg chg="addSp delSp modSp add mod">
+        <pc:chgData name="Joseph Beach" userId="b37be78dd7a5175c" providerId="LiveId" clId="{D083B055-CFA3-499C-9750-E0DE7E2DB1D7}" dt="2021-10-31T23:18:02.659" v="2034" actId="14100"/>
+        <pc:sldMkLst>
+          <pc:docMk/>
+          <pc:sldMk cId="1277218006" sldId="263"/>
+        </pc:sldMkLst>
+        <pc:spChg chg="mod">
+          <ac:chgData name="Joseph Beach" userId="b37be78dd7a5175c" providerId="LiveId" clId="{D083B055-CFA3-499C-9750-E0DE7E2DB1D7}" dt="2021-10-31T21:59:34.738" v="1116" actId="1076"/>
+          <ac:spMkLst>
+            <pc:docMk/>
+            <pc:sldMk cId="1277218006" sldId="263"/>
+            <ac:spMk id="2" creationId="{11CBE909-EC47-42D2-AA0B-CB62C09309E8}"/>
+          </ac:spMkLst>
+        </pc:spChg>
+        <pc:spChg chg="del">
+          <ac:chgData name="Joseph Beach" userId="b37be78dd7a5175c" providerId="LiveId" clId="{D083B055-CFA3-499C-9750-E0DE7E2DB1D7}" dt="2021-10-31T22:35:09.547" v="1901" actId="478"/>
+          <ac:spMkLst>
+            <pc:docMk/>
+            <pc:sldMk cId="1277218006" sldId="263"/>
+            <ac:spMk id="4" creationId="{BE50FD31-2258-4225-A9C2-F345427AE01A}"/>
+          </ac:spMkLst>
+        </pc:spChg>
+        <pc:spChg chg="mod">
+          <ac:chgData name="Joseph Beach" userId="b37be78dd7a5175c" providerId="LiveId" clId="{D083B055-CFA3-499C-9750-E0DE7E2DB1D7}" dt="2021-10-31T23:16:33.451" v="2010" actId="1076"/>
+          <ac:spMkLst>
+            <pc:docMk/>
+            <pc:sldMk cId="1277218006" sldId="263"/>
+            <ac:spMk id="5" creationId="{0AEB1780-148F-4F2B-932E-DC0023ADF291}"/>
+          </ac:spMkLst>
+        </pc:spChg>
+        <pc:spChg chg="del mod">
+          <ac:chgData name="Joseph Beach" userId="b37be78dd7a5175c" providerId="LiveId" clId="{D083B055-CFA3-499C-9750-E0DE7E2DB1D7}" dt="2021-10-31T22:35:57.908" v="1922" actId="478"/>
+          <ac:spMkLst>
+            <pc:docMk/>
+            <pc:sldMk cId="1277218006" sldId="263"/>
+            <ac:spMk id="12" creationId="{36096103-5263-4344-8244-548BE6EAB07C}"/>
+          </ac:spMkLst>
+        </pc:spChg>
+        <pc:spChg chg="mod">
+          <ac:chgData name="Joseph Beach" userId="b37be78dd7a5175c" providerId="LiveId" clId="{D083B055-CFA3-499C-9750-E0DE7E2DB1D7}" dt="2021-10-31T23:16:31.510" v="2009" actId="1076"/>
+          <ac:spMkLst>
+            <pc:docMk/>
+            <pc:sldMk cId="1277218006" sldId="263"/>
+            <ac:spMk id="23" creationId="{90BA5C66-E1B0-4B1F-A8EA-7B237757C04C}"/>
+          </ac:spMkLst>
+        </pc:spChg>
+        <pc:spChg chg="mod">
+          <ac:chgData name="Joseph Beach" userId="b37be78dd7a5175c" providerId="LiveId" clId="{D083B055-CFA3-499C-9750-E0DE7E2DB1D7}" dt="2021-10-31T23:17:04.399" v="2016" actId="1076"/>
+          <ac:spMkLst>
+            <pc:docMk/>
+            <pc:sldMk cId="1277218006" sldId="263"/>
+            <ac:spMk id="25" creationId="{16AF2CFE-873B-4EFE-854E-19E0D2F90B9C}"/>
+          </ac:spMkLst>
+        </pc:spChg>
+        <pc:spChg chg="add mod">
+          <ac:chgData name="Joseph Beach" userId="b37be78dd7a5175c" providerId="LiveId" clId="{D083B055-CFA3-499C-9750-E0DE7E2DB1D7}" dt="2021-10-31T23:15:57.829" v="1999" actId="14100"/>
+          <ac:spMkLst>
+            <pc:docMk/>
+            <pc:sldMk cId="1277218006" sldId="263"/>
+            <ac:spMk id="26" creationId="{168BEAC9-5C28-4087-8F60-13CBDC110E28}"/>
+          </ac:spMkLst>
+        </pc:spChg>
+        <pc:spChg chg="del">
+          <ac:chgData name="Joseph Beach" userId="b37be78dd7a5175c" providerId="LiveId" clId="{D083B055-CFA3-499C-9750-E0DE7E2DB1D7}" dt="2021-10-31T21:58:52.602" v="1046" actId="478"/>
+          <ac:spMkLst>
+            <pc:docMk/>
+            <pc:sldMk cId="1277218006" sldId="263"/>
+            <ac:spMk id="26" creationId="{5D574E6A-07B6-4FF2-B0FC-58C7D41D9B25}"/>
+          </ac:spMkLst>
+        </pc:spChg>
+        <pc:spChg chg="mod">
+          <ac:chgData name="Joseph Beach" userId="b37be78dd7a5175c" providerId="LiveId" clId="{D083B055-CFA3-499C-9750-E0DE7E2DB1D7}" dt="2021-10-31T23:17:07.478" v="2017" actId="1076"/>
+          <ac:spMkLst>
+            <pc:docMk/>
+            <pc:sldMk cId="1277218006" sldId="263"/>
+            <ac:spMk id="27" creationId="{860238AE-8B77-414B-A98E-989B84F4D965}"/>
+          </ac:spMkLst>
+        </pc:spChg>
+        <pc:spChg chg="del mod">
+          <ac:chgData name="Joseph Beach" userId="b37be78dd7a5175c" providerId="LiveId" clId="{D083B055-CFA3-499C-9750-E0DE7E2DB1D7}" dt="2021-10-31T22:00:35.323" v="1179" actId="478"/>
+          <ac:spMkLst>
+            <pc:docMk/>
+            <pc:sldMk cId="1277218006" sldId="263"/>
+            <ac:spMk id="28" creationId="{3575B441-F650-47A1-BF78-86BAD872B2FD}"/>
+          </ac:spMkLst>
+        </pc:spChg>
+        <pc:spChg chg="add mod">
+          <ac:chgData name="Joseph Beach" userId="b37be78dd7a5175c" providerId="LiveId" clId="{D083B055-CFA3-499C-9750-E0DE7E2DB1D7}" dt="2021-10-31T23:18:02.659" v="2034" actId="14100"/>
+          <ac:spMkLst>
+            <pc:docMk/>
+            <pc:sldMk cId="1277218006" sldId="263"/>
+            <ac:spMk id="28" creationId="{75693C81-A4E2-4743-BFEA-8055BD422499}"/>
+          </ac:spMkLst>
+        </pc:spChg>
+        <pc:spChg chg="add del mod">
+          <ac:chgData name="Joseph Beach" userId="b37be78dd7a5175c" providerId="LiveId" clId="{D083B055-CFA3-499C-9750-E0DE7E2DB1D7}" dt="2021-10-31T23:17:30.226" v="2021" actId="1076"/>
+          <ac:spMkLst>
+            <pc:docMk/>
+            <pc:sldMk cId="1277218006" sldId="263"/>
+            <ac:spMk id="29" creationId="{229293EA-FBC9-4E58-AE90-1828B1364569}"/>
+          </ac:spMkLst>
+        </pc:spChg>
+        <pc:spChg chg="mod">
+          <ac:chgData name="Joseph Beach" userId="b37be78dd7a5175c" providerId="LiveId" clId="{D083B055-CFA3-499C-9750-E0DE7E2DB1D7}" dt="2021-10-31T23:16:27.260" v="2006" actId="1076"/>
+          <ac:spMkLst>
+            <pc:docMk/>
+            <pc:sldMk cId="1277218006" sldId="263"/>
+            <ac:spMk id="30" creationId="{64DDE505-F940-4390-B520-A5CC64B983C0}"/>
+          </ac:spMkLst>
+        </pc:spChg>
+        <pc:spChg chg="mod">
+          <ac:chgData name="Joseph Beach" userId="b37be78dd7a5175c" providerId="LiveId" clId="{D083B055-CFA3-499C-9750-E0DE7E2DB1D7}" dt="2021-10-31T23:17:55.090" v="2030" actId="1076"/>
+          <ac:spMkLst>
+            <pc:docMk/>
+            <pc:sldMk cId="1277218006" sldId="263"/>
+            <ac:spMk id="32" creationId="{3F546175-30E6-4FA5-A44F-1706B494FC3F}"/>
+          </ac:spMkLst>
+        </pc:spChg>
+        <pc:spChg chg="mod">
+          <ac:chgData name="Joseph Beach" userId="b37be78dd7a5175c" providerId="LiveId" clId="{D083B055-CFA3-499C-9750-E0DE7E2DB1D7}" dt="2021-10-31T23:17:43.002" v="2025" actId="11530"/>
+          <ac:spMkLst>
+            <pc:docMk/>
+            <pc:sldMk cId="1277218006" sldId="263"/>
+            <ac:spMk id="36" creationId="{EC634503-33CB-49CD-AE76-89DBF9A0DE62}"/>
+          </ac:spMkLst>
+        </pc:spChg>
+        <pc:spChg chg="add del">
+          <ac:chgData name="Joseph Beach" userId="b37be78dd7a5175c" providerId="LiveId" clId="{D083B055-CFA3-499C-9750-E0DE7E2DB1D7}" dt="2021-10-31T22:01:42.486" v="1271" actId="22"/>
+          <ac:spMkLst>
+            <pc:docMk/>
+            <pc:sldMk cId="1277218006" sldId="263"/>
+            <ac:spMk id="38" creationId="{7DABE241-7E4B-4B10-8234-1528945EC64E}"/>
+          </ac:spMkLst>
+        </pc:spChg>
+        <pc:cxnChg chg="mod">
+          <ac:chgData name="Joseph Beach" userId="b37be78dd7a5175c" providerId="LiveId" clId="{D083B055-CFA3-499C-9750-E0DE7E2DB1D7}" dt="2021-10-31T23:16:28.736" v="2007" actId="1076"/>
+          <ac:cxnSpMkLst>
+            <pc:docMk/>
+            <pc:sldMk cId="1277218006" sldId="263"/>
+            <ac:cxnSpMk id="16" creationId="{DD9B2084-26BF-40BF-9CC9-FCF352CD9FEF}"/>
+          </ac:cxnSpMkLst>
+        </pc:cxnChg>
+        <pc:cxnChg chg="mod">
+          <ac:chgData name="Joseph Beach" userId="b37be78dd7a5175c" providerId="LiveId" clId="{D083B055-CFA3-499C-9750-E0DE7E2DB1D7}" dt="2021-10-31T23:16:34.736" v="2011" actId="1076"/>
+          <ac:cxnSpMkLst>
+            <pc:docMk/>
+            <pc:sldMk cId="1277218006" sldId="263"/>
+            <ac:cxnSpMk id="18" creationId="{5B1036F7-4980-4764-9455-D4D1404F7E0A}"/>
+          </ac:cxnSpMkLst>
+        </pc:cxnChg>
+        <pc:cxnChg chg="mod">
+          <ac:chgData name="Joseph Beach" userId="b37be78dd7a5175c" providerId="LiveId" clId="{D083B055-CFA3-499C-9750-E0DE7E2DB1D7}" dt="2021-10-31T21:59:36.914" v="1117" actId="1076"/>
+          <ac:cxnSpMkLst>
+            <pc:docMk/>
+            <pc:sldMk cId="1277218006" sldId="263"/>
+            <ac:cxnSpMk id="20" creationId="{CC06D41A-8B41-431E-BFB0-DBD6A5D7E382}"/>
+          </ac:cxnSpMkLst>
+        </pc:cxnChg>
+        <pc:cxnChg chg="mod">
+          <ac:chgData name="Joseph Beach" userId="b37be78dd7a5175c" providerId="LiveId" clId="{D083B055-CFA3-499C-9750-E0DE7E2DB1D7}" dt="2021-10-31T21:59:41.149" v="1119" actId="1076"/>
+          <ac:cxnSpMkLst>
+            <pc:docMk/>
+            <pc:sldMk cId="1277218006" sldId="263"/>
+            <ac:cxnSpMk id="22" creationId="{5450194E-28FD-4E1C-B18F-A5749EDF6443}"/>
+          </ac:cxnSpMkLst>
+        </pc:cxnChg>
+        <pc:cxnChg chg="mod">
+          <ac:chgData name="Joseph Beach" userId="b37be78dd7a5175c" providerId="LiveId" clId="{D083B055-CFA3-499C-9750-E0DE7E2DB1D7}" dt="2021-10-31T22:00:28.577" v="1178" actId="1076"/>
+          <ac:cxnSpMkLst>
+            <pc:docMk/>
+            <pc:sldMk cId="1277218006" sldId="263"/>
+            <ac:cxnSpMk id="24" creationId="{BC401A7A-F17E-4FBB-A76B-57F57CE1BBEE}"/>
+          </ac:cxnSpMkLst>
+        </pc:cxnChg>
+        <pc:cxnChg chg="mod">
+          <ac:chgData name="Joseph Beach" userId="b37be78dd7a5175c" providerId="LiveId" clId="{D083B055-CFA3-499C-9750-E0DE7E2DB1D7}" dt="2021-10-31T23:16:02.424" v="2002" actId="14100"/>
+          <ac:cxnSpMkLst>
+            <pc:docMk/>
+            <pc:sldMk cId="1277218006" sldId="263"/>
+            <ac:cxnSpMk id="31" creationId="{A01869A9-0D33-4F2F-800B-760C38BE3EC6}"/>
+          </ac:cxnSpMkLst>
+        </pc:cxnChg>
+        <pc:cxnChg chg="del">
+          <ac:chgData name="Joseph Beach" userId="b37be78dd7a5175c" providerId="LiveId" clId="{D083B055-CFA3-499C-9750-E0DE7E2DB1D7}" dt="2021-10-31T22:00:36.730" v="1180" actId="478"/>
+          <ac:cxnSpMkLst>
+            <pc:docMk/>
+            <pc:sldMk cId="1277218006" sldId="263"/>
+            <ac:cxnSpMk id="33" creationId="{2A5B62A1-3164-4065-8246-88A7471A0BFD}"/>
+          </ac:cxnSpMkLst>
+        </pc:cxnChg>
+        <pc:cxnChg chg="del">
+          <ac:chgData name="Joseph Beach" userId="b37be78dd7a5175c" providerId="LiveId" clId="{D083B055-CFA3-499C-9750-E0DE7E2DB1D7}" dt="2021-10-31T22:01:15.061" v="1247" actId="478"/>
+          <ac:cxnSpMkLst>
+            <pc:docMk/>
+            <pc:sldMk cId="1277218006" sldId="263"/>
+            <ac:cxnSpMk id="34" creationId="{64F66475-724F-4248-91A0-257C8895B157}"/>
+          </ac:cxnSpMkLst>
+        </pc:cxnChg>
+        <pc:cxnChg chg="mod">
+          <ac:chgData name="Joseph Beach" userId="b37be78dd7a5175c" providerId="LiveId" clId="{D083B055-CFA3-499C-9750-E0DE7E2DB1D7}" dt="2021-10-31T23:17:47.545" v="2027" actId="14100"/>
+          <ac:cxnSpMkLst>
+            <pc:docMk/>
+            <pc:sldMk cId="1277218006" sldId="263"/>
+            <ac:cxnSpMk id="35" creationId="{0A5C33AD-F20D-4D35-8199-2998EB5904C0}"/>
+          </ac:cxnSpMkLst>
+        </pc:cxnChg>
+        <pc:cxnChg chg="mod">
+          <ac:chgData name="Joseph Beach" userId="b37be78dd7a5175c" providerId="LiveId" clId="{D083B055-CFA3-499C-9750-E0DE7E2DB1D7}" dt="2021-10-31T23:17:59.529" v="2032" actId="14100"/>
+          <ac:cxnSpMkLst>
+            <pc:docMk/>
+            <pc:sldMk cId="1277218006" sldId="263"/>
+            <ac:cxnSpMk id="37" creationId="{32DD2BD0-3690-492B-82CE-784C2BDB33EC}"/>
+          </ac:cxnSpMkLst>
+        </pc:cxnChg>
+        <pc:cxnChg chg="add mod">
+          <ac:chgData name="Joseph Beach" userId="b37be78dd7a5175c" providerId="LiveId" clId="{D083B055-CFA3-499C-9750-E0DE7E2DB1D7}" dt="2021-10-31T22:01:47.977" v="1274" actId="14100"/>
+          <ac:cxnSpMkLst>
+            <pc:docMk/>
+            <pc:sldMk cId="1277218006" sldId="263"/>
+            <ac:cxnSpMk id="39" creationId="{992BA01A-41A1-4217-AEB2-97029B8A8B93}"/>
+          </ac:cxnSpMkLst>
+        </pc:cxnChg>
+        <pc:cxnChg chg="del">
+          <ac:chgData name="Joseph Beach" userId="b37be78dd7a5175c" providerId="LiveId" clId="{D083B055-CFA3-499C-9750-E0DE7E2DB1D7}" dt="2021-10-31T22:00:44.329" v="1183" actId="478"/>
+          <ac:cxnSpMkLst>
+            <pc:docMk/>
+            <pc:sldMk cId="1277218006" sldId="263"/>
+            <ac:cxnSpMk id="52" creationId="{8C80ECB8-E7A2-4C61-860A-0128326650EE}"/>
+          </ac:cxnSpMkLst>
+        </pc:cxnChg>
+        <pc:cxnChg chg="mod">
+          <ac:chgData name="Joseph Beach" userId="b37be78dd7a5175c" providerId="LiveId" clId="{D083B055-CFA3-499C-9750-E0DE7E2DB1D7}" dt="2021-10-31T23:17:38.199" v="2024" actId="14100"/>
+          <ac:cxnSpMkLst>
+            <pc:docMk/>
+            <pc:sldMk cId="1277218006" sldId="263"/>
+            <ac:cxnSpMk id="53" creationId="{15B3D8AA-6A47-4373-ACE7-07A6F0EB6A37}"/>
+          </ac:cxnSpMkLst>
+        </pc:cxnChg>
+      </pc:sldChg>
+      <pc:sldChg chg="addSp delSp modSp add mod">
+        <pc:chgData name="Joseph Beach" userId="b37be78dd7a5175c" providerId="LiveId" clId="{D083B055-CFA3-499C-9750-E0DE7E2DB1D7}" dt="2021-10-31T23:23:55.618" v="2058" actId="1076"/>
+        <pc:sldMkLst>
+          <pc:docMk/>
+          <pc:sldMk cId="2434853908" sldId="264"/>
+        </pc:sldMkLst>
+        <pc:spChg chg="mod">
+          <ac:chgData name="Joseph Beach" userId="b37be78dd7a5175c" providerId="LiveId" clId="{D083B055-CFA3-499C-9750-E0DE7E2DB1D7}" dt="2021-10-31T22:02:18.301" v="1299" actId="20577"/>
+          <ac:spMkLst>
+            <pc:docMk/>
+            <pc:sldMk cId="2434853908" sldId="264"/>
+            <ac:spMk id="2" creationId="{11CBE909-EC47-42D2-AA0B-CB62C09309E8}"/>
+          </ac:spMkLst>
+        </pc:spChg>
+        <pc:spChg chg="del">
+          <ac:chgData name="Joseph Beach" userId="b37be78dd7a5175c" providerId="LiveId" clId="{D083B055-CFA3-499C-9750-E0DE7E2DB1D7}" dt="2021-10-31T22:35:13.104" v="1903" actId="478"/>
+          <ac:spMkLst>
+            <pc:docMk/>
+            <pc:sldMk cId="2434853908" sldId="264"/>
+            <ac:spMk id="4" creationId="{BE50FD31-2258-4225-A9C2-F345427AE01A}"/>
+          </ac:spMkLst>
+        </pc:spChg>
+        <pc:spChg chg="mod">
+          <ac:chgData name="Joseph Beach" userId="b37be78dd7a5175c" providerId="LiveId" clId="{D083B055-CFA3-499C-9750-E0DE7E2DB1D7}" dt="2021-10-31T22:02:06.766" v="1285" actId="20577"/>
+          <ac:spMkLst>
+            <pc:docMk/>
+            <pc:sldMk cId="2434853908" sldId="264"/>
+            <ac:spMk id="5" creationId="{0AEB1780-148F-4F2B-932E-DC0023ADF291}"/>
+          </ac:spMkLst>
+        </pc:spChg>
+        <pc:spChg chg="del">
+          <ac:chgData name="Joseph Beach" userId="b37be78dd7a5175c" providerId="LiveId" clId="{D083B055-CFA3-499C-9750-E0DE7E2DB1D7}" dt="2021-10-31T22:35:52" v="1919" actId="478"/>
+          <ac:spMkLst>
+            <pc:docMk/>
+            <pc:sldMk cId="2434853908" sldId="264"/>
+            <ac:spMk id="12" creationId="{36096103-5263-4344-8244-548BE6EAB07C}"/>
+          </ac:spMkLst>
+        </pc:spChg>
+        <pc:spChg chg="mod">
+          <ac:chgData name="Joseph Beach" userId="b37be78dd7a5175c" providerId="LiveId" clId="{D083B055-CFA3-499C-9750-E0DE7E2DB1D7}" dt="2021-10-31T22:02:02.228" v="1281" actId="20577"/>
+          <ac:spMkLst>
+            <pc:docMk/>
+            <pc:sldMk cId="2434853908" sldId="264"/>
+            <ac:spMk id="23" creationId="{90BA5C66-E1B0-4B1F-A8EA-7B237757C04C}"/>
+          </ac:spMkLst>
+        </pc:spChg>
+        <pc:spChg chg="mod">
+          <ac:chgData name="Joseph Beach" userId="b37be78dd7a5175c" providerId="LiveId" clId="{D083B055-CFA3-499C-9750-E0DE7E2DB1D7}" dt="2021-10-31T23:23:09.085" v="2045" actId="1076"/>
+          <ac:spMkLst>
+            <pc:docMk/>
+            <pc:sldMk cId="2434853908" sldId="264"/>
+            <ac:spMk id="25" creationId="{16AF2CFE-873B-4EFE-854E-19E0D2F90B9C}"/>
+          </ac:spMkLst>
+        </pc:spChg>
+        <pc:spChg chg="add mod">
+          <ac:chgData name="Joseph Beach" userId="b37be78dd7a5175c" providerId="LiveId" clId="{D083B055-CFA3-499C-9750-E0DE7E2DB1D7}" dt="2021-10-31T23:22:35.574" v="2036" actId="14100"/>
+          <ac:spMkLst>
+            <pc:docMk/>
+            <pc:sldMk cId="2434853908" sldId="264"/>
+            <ac:spMk id="26" creationId="{DECFF666-7C9E-4075-BB7D-D6C351B26E00}"/>
+          </ac:spMkLst>
+        </pc:spChg>
+        <pc:spChg chg="mod">
+          <ac:chgData name="Joseph Beach" userId="b37be78dd7a5175c" providerId="LiveId" clId="{D083B055-CFA3-499C-9750-E0DE7E2DB1D7}" dt="2021-10-31T22:02:10.639" v="1289" actId="20577"/>
+          <ac:spMkLst>
+            <pc:docMk/>
+            <pc:sldMk cId="2434853908" sldId="264"/>
+            <ac:spMk id="27" creationId="{860238AE-8B77-414B-A98E-989B84F4D965}"/>
+          </ac:spMkLst>
+        </pc:spChg>
+        <pc:spChg chg="add mod">
+          <ac:chgData name="Joseph Beach" userId="b37be78dd7a5175c" providerId="LiveId" clId="{D083B055-CFA3-499C-9750-E0DE7E2DB1D7}" dt="2021-10-31T23:23:55.618" v="2058" actId="1076"/>
+          <ac:spMkLst>
+            <pc:docMk/>
+            <pc:sldMk cId="2434853908" sldId="264"/>
+            <ac:spMk id="28" creationId="{4C62931E-21F3-442F-894F-C326155BC960}"/>
+          </ac:spMkLst>
+        </pc:spChg>
+        <pc:spChg chg="mod">
+          <ac:chgData name="Joseph Beach" userId="b37be78dd7a5175c" providerId="LiveId" clId="{D083B055-CFA3-499C-9750-E0DE7E2DB1D7}" dt="2021-10-31T23:23:27.667" v="2049" actId="1076"/>
+          <ac:spMkLst>
+            <pc:docMk/>
+            <pc:sldMk cId="2434853908" sldId="264"/>
+            <ac:spMk id="29" creationId="{229293EA-FBC9-4E58-AE90-1828B1364569}"/>
+          </ac:spMkLst>
+        </pc:spChg>
+        <pc:spChg chg="mod">
+          <ac:chgData name="Joseph Beach" userId="b37be78dd7a5175c" providerId="LiveId" clId="{D083B055-CFA3-499C-9750-E0DE7E2DB1D7}" dt="2021-10-31T23:23:11.845" v="2046" actId="14100"/>
+          <ac:spMkLst>
+            <pc:docMk/>
+            <pc:sldMk cId="2434853908" sldId="264"/>
+            <ac:spMk id="30" creationId="{64DDE505-F940-4390-B520-A5CC64B983C0}"/>
+          </ac:spMkLst>
+        </pc:spChg>
+        <pc:spChg chg="mod">
+          <ac:chgData name="Joseph Beach" userId="b37be78dd7a5175c" providerId="LiveId" clId="{D083B055-CFA3-499C-9750-E0DE7E2DB1D7}" dt="2021-10-31T23:23:47.536" v="2054" actId="1076"/>
+          <ac:spMkLst>
+            <pc:docMk/>
+            <pc:sldMk cId="2434853908" sldId="264"/>
+            <ac:spMk id="32" creationId="{3F546175-30E6-4FA5-A44F-1706B494FC3F}"/>
+          </ac:spMkLst>
+        </pc:spChg>
+        <pc:spChg chg="add del mod">
+          <ac:chgData name="Joseph Beach" userId="b37be78dd7a5175c" providerId="LiveId" clId="{D083B055-CFA3-499C-9750-E0DE7E2DB1D7}" dt="2021-10-31T23:23:36.695" v="2051" actId="1076"/>
+          <ac:spMkLst>
+            <pc:docMk/>
+            <pc:sldMk cId="2434853908" sldId="264"/>
+            <ac:spMk id="36" creationId="{EC634503-33CB-49CD-AE76-89DBF9A0DE62}"/>
+          </ac:spMkLst>
+        </pc:spChg>
+        <pc:cxnChg chg="mod">
+          <ac:chgData name="Joseph Beach" userId="b37be78dd7a5175c" providerId="LiveId" clId="{D083B055-CFA3-499C-9750-E0DE7E2DB1D7}" dt="2021-10-31T23:22:39.235" v="2038" actId="14100"/>
+          <ac:cxnSpMkLst>
+            <pc:docMk/>
+            <pc:sldMk cId="2434853908" sldId="264"/>
+            <ac:cxnSpMk id="31" creationId="{A01869A9-0D33-4F2F-800B-760C38BE3EC6}"/>
+          </ac:cxnSpMkLst>
+        </pc:cxnChg>
+        <pc:cxnChg chg="mod">
+          <ac:chgData name="Joseph Beach" userId="b37be78dd7a5175c" providerId="LiveId" clId="{D083B055-CFA3-499C-9750-E0DE7E2DB1D7}" dt="2021-10-31T23:23:39.934" v="2052" actId="1076"/>
+          <ac:cxnSpMkLst>
+            <pc:docMk/>
+            <pc:sldMk cId="2434853908" sldId="264"/>
+            <ac:cxnSpMk id="35" creationId="{0A5C33AD-F20D-4D35-8199-2998EB5904C0}"/>
+          </ac:cxnSpMkLst>
+        </pc:cxnChg>
+        <pc:cxnChg chg="mod">
+          <ac:chgData name="Joseph Beach" userId="b37be78dd7a5175c" providerId="LiveId" clId="{D083B055-CFA3-499C-9750-E0DE7E2DB1D7}" dt="2021-10-31T23:23:51.448" v="2056" actId="14100"/>
+          <ac:cxnSpMkLst>
+            <pc:docMk/>
+            <pc:sldMk cId="2434853908" sldId="264"/>
+            <ac:cxnSpMk id="37" creationId="{32DD2BD0-3690-492B-82CE-784C2BDB33EC}"/>
+          </ac:cxnSpMkLst>
+        </pc:cxnChg>
+      </pc:sldChg>
+      <pc:sldChg chg="addSp delSp modSp add mod">
+        <pc:chgData name="Joseph Beach" userId="b37be78dd7a5175c" providerId="LiveId" clId="{D083B055-CFA3-499C-9750-E0DE7E2DB1D7}" dt="2021-10-31T23:32:51.721" v="2094" actId="1076"/>
+        <pc:sldMkLst>
+          <pc:docMk/>
+          <pc:sldMk cId="1261919261" sldId="265"/>
+        </pc:sldMkLst>
+        <pc:spChg chg="mod">
+          <ac:chgData name="Joseph Beach" userId="b37be78dd7a5175c" providerId="LiveId" clId="{D083B055-CFA3-499C-9750-E0DE7E2DB1D7}" dt="2021-10-31T22:04:41.373" v="1443" actId="1076"/>
+          <ac:spMkLst>
+            <pc:docMk/>
+            <pc:sldMk cId="1261919261" sldId="265"/>
+            <ac:spMk id="2" creationId="{11CBE909-EC47-42D2-AA0B-CB62C09309E8}"/>
+          </ac:spMkLst>
+        </pc:spChg>
+        <pc:spChg chg="del">
+          <ac:chgData name="Joseph Beach" userId="b37be78dd7a5175c" providerId="LiveId" clId="{D083B055-CFA3-499C-9750-E0DE7E2DB1D7}" dt="2021-10-31T22:35:17.366" v="1905" actId="478"/>
+          <ac:spMkLst>
+            <pc:docMk/>
+            <pc:sldMk cId="1261919261" sldId="265"/>
+            <ac:spMk id="4" creationId="{BE50FD31-2258-4225-A9C2-F345427AE01A}"/>
+          </ac:spMkLst>
+        </pc:spChg>
+        <pc:spChg chg="mod">
+          <ac:chgData name="Joseph Beach" userId="b37be78dd7a5175c" providerId="LiveId" clId="{D083B055-CFA3-499C-9750-E0DE7E2DB1D7}" dt="2021-10-31T22:03:15.893" v="1363" actId="20577"/>
+          <ac:spMkLst>
+            <pc:docMk/>
+            <pc:sldMk cId="1261919261" sldId="265"/>
+            <ac:spMk id="5" creationId="{0AEB1780-148F-4F2B-932E-DC0023ADF291}"/>
+          </ac:spMkLst>
+        </pc:spChg>
+        <pc:spChg chg="del mod">
+          <ac:chgData name="Joseph Beach" userId="b37be78dd7a5175c" providerId="LiveId" clId="{D083B055-CFA3-499C-9750-E0DE7E2DB1D7}" dt="2021-10-31T22:35:44.054" v="1917" actId="478"/>
+          <ac:spMkLst>
+            <pc:docMk/>
+            <pc:sldMk cId="1261919261" sldId="265"/>
+            <ac:spMk id="12" creationId="{36096103-5263-4344-8244-548BE6EAB07C}"/>
+          </ac:spMkLst>
+        </pc:spChg>
+        <pc:spChg chg="mod">
+          <ac:chgData name="Joseph Beach" userId="b37be78dd7a5175c" providerId="LiveId" clId="{D083B055-CFA3-499C-9750-E0DE7E2DB1D7}" dt="2021-10-31T22:03:09.498" v="1353" actId="20577"/>
+          <ac:spMkLst>
+            <pc:docMk/>
+            <pc:sldMk cId="1261919261" sldId="265"/>
+            <ac:spMk id="23" creationId="{90BA5C66-E1B0-4B1F-A8EA-7B237757C04C}"/>
+          </ac:spMkLst>
+        </pc:spChg>
+        <pc:spChg chg="mod">
+          <ac:chgData name="Joseph Beach" userId="b37be78dd7a5175c" providerId="LiveId" clId="{D083B055-CFA3-499C-9750-E0DE7E2DB1D7}" dt="2021-10-31T23:31:09.689" v="2067" actId="1076"/>
+          <ac:spMkLst>
+            <pc:docMk/>
+            <pc:sldMk cId="1261919261" sldId="265"/>
+            <ac:spMk id="25" creationId="{16AF2CFE-873B-4EFE-854E-19E0D2F90B9C}"/>
+          </ac:spMkLst>
+        </pc:spChg>
+        <pc:spChg chg="add mod">
+          <ac:chgData name="Joseph Beach" userId="b37be78dd7a5175c" providerId="LiveId" clId="{D083B055-CFA3-499C-9750-E0DE7E2DB1D7}" dt="2021-10-31T22:05:48.965" v="1470" actId="1076"/>
+          <ac:spMkLst>
+            <pc:docMk/>
+            <pc:sldMk cId="1261919261" sldId="265"/>
+            <ac:spMk id="26" creationId="{6525A404-9AED-4292-A686-7314D53ECE01}"/>
+          </ac:spMkLst>
+        </pc:spChg>
+        <pc:spChg chg="mod">
+          <ac:chgData name="Joseph Beach" userId="b37be78dd7a5175c" providerId="LiveId" clId="{D083B055-CFA3-499C-9750-E0DE7E2DB1D7}" dt="2021-10-31T22:03:19.707" v="1373" actId="20577"/>
+          <ac:spMkLst>
+            <pc:docMk/>
+            <pc:sldMk cId="1261919261" sldId="265"/>
+            <ac:spMk id="27" creationId="{860238AE-8B77-414B-A98E-989B84F4D965}"/>
+          </ac:spMkLst>
+        </pc:spChg>
+        <pc:spChg chg="add mod">
+          <ac:chgData name="Joseph Beach" userId="b37be78dd7a5175c" providerId="LiveId" clId="{D083B055-CFA3-499C-9750-E0DE7E2DB1D7}" dt="2021-10-31T23:31:55.016" v="2077" actId="1076"/>
+          <ac:spMkLst>
+            <pc:docMk/>
+            <pc:sldMk cId="1261919261" sldId="265"/>
+            <ac:spMk id="28" creationId="{6762CD25-73DE-4B04-837B-6A0C276C80CF}"/>
+          </ac:spMkLst>
+        </pc:spChg>
+        <pc:spChg chg="mod">
+          <ac:chgData name="Joseph Beach" userId="b37be78dd7a5175c" providerId="LiveId" clId="{D083B055-CFA3-499C-9750-E0DE7E2DB1D7}" dt="2021-10-31T23:31:30.678" v="2070" actId="1076"/>
+          <ac:spMkLst>
+            <pc:docMk/>
+            <pc:sldMk cId="1261919261" sldId="265"/>
+            <ac:spMk id="29" creationId="{229293EA-FBC9-4E58-AE90-1828B1364569}"/>
+          </ac:spMkLst>
+        </pc:spChg>
+        <pc:spChg chg="mod">
+          <ac:chgData name="Joseph Beach" userId="b37be78dd7a5175c" providerId="LiveId" clId="{D083B055-CFA3-499C-9750-E0DE7E2DB1D7}" dt="2021-10-31T23:30:53.186" v="2062" actId="14100"/>
+          <ac:spMkLst>
+            <pc:docMk/>
+            <pc:sldMk cId="1261919261" sldId="265"/>
+            <ac:spMk id="30" creationId="{64DDE505-F940-4390-B520-A5CC64B983C0}"/>
+          </ac:spMkLst>
+        </pc:spChg>
+        <pc:spChg chg="mod">
+          <ac:chgData name="Joseph Beach" userId="b37be78dd7a5175c" providerId="LiveId" clId="{D083B055-CFA3-499C-9750-E0DE7E2DB1D7}" dt="2021-10-31T23:32:50.015" v="2093" actId="1076"/>
+          <ac:spMkLst>
+            <pc:docMk/>
+            <pc:sldMk cId="1261919261" sldId="265"/>
+            <ac:spMk id="32" creationId="{3F546175-30E6-4FA5-A44F-1706B494FC3F}"/>
+          </ac:spMkLst>
+        </pc:spChg>
+        <pc:spChg chg="add mod">
+          <ac:chgData name="Joseph Beach" userId="b37be78dd7a5175c" providerId="LiveId" clId="{D083B055-CFA3-499C-9750-E0DE7E2DB1D7}" dt="2021-10-31T23:30:40.619" v="2059" actId="14100"/>
+          <ac:spMkLst>
+            <pc:docMk/>
+            <pc:sldMk cId="1261919261" sldId="265"/>
+            <ac:spMk id="34" creationId="{F6753D09-5B27-4E63-8AB9-1A16E1811463}"/>
+          </ac:spMkLst>
+        </pc:spChg>
+        <pc:spChg chg="add mod">
+          <ac:chgData name="Joseph Beach" userId="b37be78dd7a5175c" providerId="LiveId" clId="{D083B055-CFA3-499C-9750-E0DE7E2DB1D7}" dt="2021-10-31T23:32:21.194" v="2084" actId="1076"/>
+          <ac:spMkLst>
+            <pc:docMk/>
+            <pc:sldMk cId="1261919261" sldId="265"/>
+            <ac:spMk id="36" creationId="{A0372BB0-9B77-448A-910C-F2199B945966}"/>
+          </ac:spMkLst>
+        </pc:spChg>
+        <pc:spChg chg="del mod">
+          <ac:chgData name="Joseph Beach" userId="b37be78dd7a5175c" providerId="LiveId" clId="{D083B055-CFA3-499C-9750-E0DE7E2DB1D7}" dt="2021-10-31T22:06:03.855" v="1479" actId="478"/>
+          <ac:spMkLst>
+            <pc:docMk/>
+            <pc:sldMk cId="1261919261" sldId="265"/>
+            <ac:spMk id="36" creationId="{EC634503-33CB-49CD-AE76-89DBF9A0DE62}"/>
+          </ac:spMkLst>
+        </pc:spChg>
+        <pc:cxnChg chg="mod">
+          <ac:chgData name="Joseph Beach" userId="b37be78dd7a5175c" providerId="LiveId" clId="{D083B055-CFA3-499C-9750-E0DE7E2DB1D7}" dt="2021-10-31T23:30:56.689" v="2063" actId="1076"/>
+          <ac:cxnSpMkLst>
+            <pc:docMk/>
+            <pc:sldMk cId="1261919261" sldId="265"/>
+            <ac:cxnSpMk id="16" creationId="{DD9B2084-26BF-40BF-9CC9-FCF352CD9FEF}"/>
+          </ac:cxnSpMkLst>
+        </pc:cxnChg>
+        <pc:cxnChg chg="mod">
+          <ac:chgData name="Joseph Beach" userId="b37be78dd7a5175c" providerId="LiveId" clId="{D083B055-CFA3-499C-9750-E0DE7E2DB1D7}" dt="2021-10-31T22:05:04.144" v="1451" actId="1076"/>
+          <ac:cxnSpMkLst>
+            <pc:docMk/>
+            <pc:sldMk cId="1261919261" sldId="265"/>
+            <ac:cxnSpMk id="24" creationId="{BC401A7A-F17E-4FBB-A76B-57F57CE1BBEE}"/>
+          </ac:cxnSpMkLst>
+        </pc:cxnChg>
+        <pc:cxnChg chg="mod">
+          <ac:chgData name="Joseph Beach" userId="b37be78dd7a5175c" providerId="LiveId" clId="{D083B055-CFA3-499C-9750-E0DE7E2DB1D7}" dt="2021-10-31T23:30:43.448" v="2060" actId="14100"/>
+          <ac:cxnSpMkLst>
+            <pc:docMk/>
+            <pc:sldMk cId="1261919261" sldId="265"/>
+            <ac:cxnSpMk id="31" creationId="{A01869A9-0D33-4F2F-800B-760C38BE3EC6}"/>
+          </ac:cxnSpMkLst>
+        </pc:cxnChg>
+        <pc:cxnChg chg="add mod">
+          <ac:chgData name="Joseph Beach" userId="b37be78dd7a5175c" providerId="LiveId" clId="{D083B055-CFA3-499C-9750-E0DE7E2DB1D7}" dt="2021-10-31T23:32:47.872" v="2092" actId="1076"/>
+          <ac:cxnSpMkLst>
+            <pc:docMk/>
+            <pc:sldMk cId="1261919261" sldId="265"/>
+            <ac:cxnSpMk id="33" creationId="{6B718DAF-E7FD-47D6-B39A-BDCCB3559C6B}"/>
+          </ac:cxnSpMkLst>
+        </pc:cxnChg>
+        <pc:cxnChg chg="mod">
+          <ac:chgData name="Joseph Beach" userId="b37be78dd7a5175c" providerId="LiveId" clId="{D083B055-CFA3-499C-9750-E0DE7E2DB1D7}" dt="2021-10-31T23:31:59.687" v="2079" actId="1076"/>
+          <ac:cxnSpMkLst>
+            <pc:docMk/>
+            <pc:sldMk cId="1261919261" sldId="265"/>
+            <ac:cxnSpMk id="35" creationId="{0A5C33AD-F20D-4D35-8199-2998EB5904C0}"/>
+          </ac:cxnSpMkLst>
+        </pc:cxnChg>
+        <pc:cxnChg chg="mod">
+          <ac:chgData name="Joseph Beach" userId="b37be78dd7a5175c" providerId="LiveId" clId="{D083B055-CFA3-499C-9750-E0DE7E2DB1D7}" dt="2021-10-31T23:32:51.721" v="2094" actId="1076"/>
+          <ac:cxnSpMkLst>
+            <pc:docMk/>
+            <pc:sldMk cId="1261919261" sldId="265"/>
+            <ac:cxnSpMk id="37" creationId="{32DD2BD0-3690-492B-82CE-784C2BDB33EC}"/>
+          </ac:cxnSpMkLst>
+        </pc:cxnChg>
+        <pc:cxnChg chg="del">
+          <ac:chgData name="Joseph Beach" userId="b37be78dd7a5175c" providerId="LiveId" clId="{D083B055-CFA3-499C-9750-E0DE7E2DB1D7}" dt="2021-10-31T22:03:49.410" v="1400" actId="478"/>
+          <ac:cxnSpMkLst>
+            <pc:docMk/>
+            <pc:sldMk cId="1261919261" sldId="265"/>
+            <ac:cxnSpMk id="39" creationId="{992BA01A-41A1-4217-AEB2-97029B8A8B93}"/>
+          </ac:cxnSpMkLst>
+        </pc:cxnChg>
+        <pc:cxnChg chg="mod">
+          <ac:chgData name="Joseph Beach" userId="b37be78dd7a5175c" providerId="LiveId" clId="{D083B055-CFA3-499C-9750-E0DE7E2DB1D7}" dt="2021-10-31T22:05:09.609" v="1454" actId="1076"/>
+          <ac:cxnSpMkLst>
+            <pc:docMk/>
+            <pc:sldMk cId="1261919261" sldId="265"/>
+            <ac:cxnSpMk id="53" creationId="{15B3D8AA-6A47-4373-ACE7-07A6F0EB6A37}"/>
+          </ac:cxnSpMkLst>
+        </pc:cxnChg>
+      </pc:sldChg>
+      <pc:sldChg chg="addSp delSp modSp add mod">
+        <pc:chgData name="Joseph Beach" userId="b37be78dd7a5175c" providerId="LiveId" clId="{D083B055-CFA3-499C-9750-E0DE7E2DB1D7}" dt="2021-10-31T23:40:02.701" v="2145" actId="1076"/>
+        <pc:sldMkLst>
+          <pc:docMk/>
+          <pc:sldMk cId="1970703804" sldId="266"/>
+        </pc:sldMkLst>
+        <pc:spChg chg="mod">
+          <ac:chgData name="Joseph Beach" userId="b37be78dd7a5175c" providerId="LiveId" clId="{D083B055-CFA3-499C-9750-E0DE7E2DB1D7}" dt="2021-10-31T23:39:34.502" v="2132" actId="1076"/>
+          <ac:spMkLst>
+            <pc:docMk/>
+            <pc:sldMk cId="1970703804" sldId="266"/>
+            <ac:spMk id="2" creationId="{11CBE909-EC47-42D2-AA0B-CB62C09309E8}"/>
+          </ac:spMkLst>
+        </pc:spChg>
+        <pc:spChg chg="del">
+          <ac:chgData name="Joseph Beach" userId="b37be78dd7a5175c" providerId="LiveId" clId="{D083B055-CFA3-499C-9750-E0DE7E2DB1D7}" dt="2021-10-31T22:35:20.982" v="1907" actId="478"/>
+          <ac:spMkLst>
+            <pc:docMk/>
+            <pc:sldMk cId="1970703804" sldId="266"/>
+            <ac:spMk id="4" creationId="{BE50FD31-2258-4225-A9C2-F345427AE01A}"/>
+          </ac:spMkLst>
+        </pc:spChg>
+        <pc:spChg chg="mod">
+          <ac:chgData name="Joseph Beach" userId="b37be78dd7a5175c" providerId="LiveId" clId="{D083B055-CFA3-499C-9750-E0DE7E2DB1D7}" dt="2021-10-31T22:07:36.545" v="1605" actId="20577"/>
+          <ac:spMkLst>
+            <pc:docMk/>
+            <pc:sldMk cId="1970703804" sldId="266"/>
+            <ac:spMk id="5" creationId="{0AEB1780-148F-4F2B-932E-DC0023ADF291}"/>
+          </ac:spMkLst>
+        </pc:spChg>
+        <pc:spChg chg="del mod">
+          <ac:chgData name="Joseph Beach" userId="b37be78dd7a5175c" providerId="LiveId" clId="{D083B055-CFA3-499C-9750-E0DE7E2DB1D7}" dt="2021-10-31T22:35:31.635" v="1910" actId="478"/>
+          <ac:spMkLst>
+            <pc:docMk/>
+            <pc:sldMk cId="1970703804" sldId="266"/>
+            <ac:spMk id="12" creationId="{36096103-5263-4344-8244-548BE6EAB07C}"/>
+          </ac:spMkLst>
+        </pc:spChg>
+        <pc:spChg chg="add mod">
+          <ac:chgData name="Joseph Beach" userId="b37be78dd7a5175c" providerId="LiveId" clId="{D083B055-CFA3-499C-9750-E0DE7E2DB1D7}" dt="2021-10-31T22:35:24.262" v="1909" actId="1076"/>
+          <ac:spMkLst>
+            <pc:docMk/>
+            <pc:sldMk cId="1970703804" sldId="266"/>
+            <ac:spMk id="21" creationId="{35E559B2-2F5E-4ABE-AB10-244614593AB6}"/>
+          </ac:spMkLst>
+        </pc:spChg>
+        <pc:spChg chg="mod">
+          <ac:chgData name="Joseph Beach" userId="b37be78dd7a5175c" providerId="LiveId" clId="{D083B055-CFA3-499C-9750-E0DE7E2DB1D7}" dt="2021-10-31T22:07:15.206" v="1591" actId="20577"/>
+          <ac:spMkLst>
+            <pc:docMk/>
+            <pc:sldMk cId="1970703804" sldId="266"/>
+            <ac:spMk id="23" creationId="{90BA5C66-E1B0-4B1F-A8EA-7B237757C04C}"/>
+          </ac:spMkLst>
+        </pc:spChg>
+        <pc:spChg chg="del">
+          <ac:chgData name="Joseph Beach" userId="b37be78dd7a5175c" providerId="LiveId" clId="{D083B055-CFA3-499C-9750-E0DE7E2DB1D7}" dt="2021-10-31T22:07:44.324" v="1606" actId="478"/>
+          <ac:spMkLst>
+            <pc:docMk/>
+            <pc:sldMk cId="1970703804" sldId="266"/>
+            <ac:spMk id="25" creationId="{16AF2CFE-873B-4EFE-854E-19E0D2F90B9C}"/>
+          </ac:spMkLst>
+        </pc:spChg>
+        <pc:spChg chg="add mod">
+          <ac:chgData name="Joseph Beach" userId="b37be78dd7a5175c" providerId="LiveId" clId="{D083B055-CFA3-499C-9750-E0DE7E2DB1D7}" dt="2021-10-31T23:40:02.701" v="2145" actId="1076"/>
+          <ac:spMkLst>
+            <pc:docMk/>
+            <pc:sldMk cId="1970703804" sldId="266"/>
+            <ac:spMk id="25" creationId="{24E72674-54EA-4FD6-96FF-DE40631C5434}"/>
+          </ac:spMkLst>
+        </pc:spChg>
+        <pc:spChg chg="del">
+          <ac:chgData name="Joseph Beach" userId="b37be78dd7a5175c" providerId="LiveId" clId="{D083B055-CFA3-499C-9750-E0DE7E2DB1D7}" dt="2021-10-31T22:09:56.581" v="1738" actId="478"/>
+          <ac:spMkLst>
+            <pc:docMk/>
+            <pc:sldMk cId="1970703804" sldId="266"/>
+            <ac:spMk id="26" creationId="{6525A404-9AED-4292-A686-7314D53ECE01}"/>
+          </ac:spMkLst>
+        </pc:spChg>
+        <pc:spChg chg="mod">
+          <ac:chgData name="Joseph Beach" userId="b37be78dd7a5175c" providerId="LiveId" clId="{D083B055-CFA3-499C-9750-E0DE7E2DB1D7}" dt="2021-10-31T23:39:17.622" v="2127" actId="1076"/>
+          <ac:spMkLst>
+            <pc:docMk/>
+            <pc:sldMk cId="1970703804" sldId="266"/>
+            <ac:spMk id="27" creationId="{860238AE-8B77-414B-A98E-989B84F4D965}"/>
+          </ac:spMkLst>
+        </pc:spChg>
+        <pc:spChg chg="mod">
+          <ac:chgData name="Joseph Beach" userId="b37be78dd7a5175c" providerId="LiveId" clId="{D083B055-CFA3-499C-9750-E0DE7E2DB1D7}" dt="2021-10-31T23:39:42.674" v="2137" actId="1076"/>
+          <ac:spMkLst>
+            <pc:docMk/>
+            <pc:sldMk cId="1970703804" sldId="266"/>
+            <ac:spMk id="28" creationId="{6762CD25-73DE-4B04-837B-6A0C276C80CF}"/>
+          </ac:spMkLst>
+        </pc:spChg>
+        <pc:spChg chg="mod">
+          <ac:chgData name="Joseph Beach" userId="b37be78dd7a5175c" providerId="LiveId" clId="{D083B055-CFA3-499C-9750-E0DE7E2DB1D7}" dt="2021-10-31T23:39:48.488" v="2139" actId="1076"/>
+          <ac:spMkLst>
+            <pc:docMk/>
+            <pc:sldMk cId="1970703804" sldId="266"/>
+            <ac:spMk id="29" creationId="{229293EA-FBC9-4E58-AE90-1828B1364569}"/>
+          </ac:spMkLst>
+        </pc:spChg>
+        <pc:spChg chg="mod">
+          <ac:chgData name="Joseph Beach" userId="b37be78dd7a5175c" providerId="LiveId" clId="{D083B055-CFA3-499C-9750-E0DE7E2DB1D7}" dt="2021-10-31T23:37:41.463" v="2095" actId="11530"/>
+          <ac:spMkLst>
+            <pc:docMk/>
+            <pc:sldMk cId="1970703804" sldId="266"/>
+            <ac:spMk id="30" creationId="{64DDE505-F940-4390-B520-A5CC64B983C0}"/>
+          </ac:spMkLst>
+        </pc:spChg>
+        <pc:spChg chg="del mod">
+          <ac:chgData name="Joseph Beach" userId="b37be78dd7a5175c" providerId="LiveId" clId="{D083B055-CFA3-499C-9750-E0DE7E2DB1D7}" dt="2021-10-31T22:10:30.361" v="1776" actId="478"/>
+          <ac:spMkLst>
+            <pc:docMk/>
+            <pc:sldMk cId="1970703804" sldId="266"/>
+            <ac:spMk id="32" creationId="{3F546175-30E6-4FA5-A44F-1706B494FC3F}"/>
+          </ac:spMkLst>
+        </pc:spChg>
+        <pc:spChg chg="add mod">
+          <ac:chgData name="Joseph Beach" userId="b37be78dd7a5175c" providerId="LiveId" clId="{D083B055-CFA3-499C-9750-E0DE7E2DB1D7}" dt="2021-10-31T23:37:54.581" v="2096" actId="11530"/>
+          <ac:spMkLst>
+            <pc:docMk/>
+            <pc:sldMk cId="1970703804" sldId="266"/>
+            <ac:spMk id="34" creationId="{A2BF4A48-1EB8-41A6-8209-CCCB1A2A1219}"/>
+          </ac:spMkLst>
+        </pc:spChg>
+        <pc:cxnChg chg="mod">
+          <ac:chgData name="Joseph Beach" userId="b37be78dd7a5175c" providerId="LiveId" clId="{D083B055-CFA3-499C-9750-E0DE7E2DB1D7}" dt="2021-10-31T23:39:16.100" v="2126" actId="14100"/>
+          <ac:cxnSpMkLst>
+            <pc:docMk/>
+            <pc:sldMk cId="1970703804" sldId="266"/>
+            <ac:cxnSpMk id="20" creationId="{CC06D41A-8B41-431E-BFB0-DBD6A5D7E382}"/>
+          </ac:cxnSpMkLst>
+        </pc:cxnChg>
+        <pc:cxnChg chg="mod">
+          <ac:chgData name="Joseph Beach" userId="b37be78dd7a5175c" providerId="LiveId" clId="{D083B055-CFA3-499C-9750-E0DE7E2DB1D7}" dt="2021-10-31T23:39:20.026" v="2128" actId="1076"/>
+          <ac:cxnSpMkLst>
+            <pc:docMk/>
+            <pc:sldMk cId="1970703804" sldId="266"/>
+            <ac:cxnSpMk id="22" creationId="{5450194E-28FD-4E1C-B18F-A5749EDF6443}"/>
+          </ac:cxnSpMkLst>
+        </pc:cxnChg>
+        <pc:cxnChg chg="mod">
+          <ac:chgData name="Joseph Beach" userId="b37be78dd7a5175c" providerId="LiveId" clId="{D083B055-CFA3-499C-9750-E0DE7E2DB1D7}" dt="2021-10-31T23:39:45.854" v="2138" actId="14100"/>
+          <ac:cxnSpMkLst>
+            <pc:docMk/>
+            <pc:sldMk cId="1970703804" sldId="266"/>
+            <ac:cxnSpMk id="24" creationId="{BC401A7A-F17E-4FBB-A76B-57F57CE1BBEE}"/>
+          </ac:cxnSpMkLst>
+        </pc:cxnChg>
+        <pc:cxnChg chg="add mod">
+          <ac:chgData name="Joseph Beach" userId="b37be78dd7a5175c" providerId="LiveId" clId="{D083B055-CFA3-499C-9750-E0DE7E2DB1D7}" dt="2021-10-31T23:40:00.540" v="2144" actId="14100"/>
+          <ac:cxnSpMkLst>
+            <pc:docMk/>
+            <pc:sldMk cId="1970703804" sldId="266"/>
+            <ac:cxnSpMk id="26" creationId="{FF8C6003-C4F2-4795-B375-9E176DC879DB}"/>
+          </ac:cxnSpMkLst>
+        </pc:cxnChg>
+        <pc:cxnChg chg="add del mod">
+          <ac:chgData name="Joseph Beach" userId="b37be78dd7a5175c" providerId="LiveId" clId="{D083B055-CFA3-499C-9750-E0DE7E2DB1D7}" dt="2021-10-31T23:39:54.864" v="2142" actId="1076"/>
+          <ac:cxnSpMkLst>
+            <pc:docMk/>
+            <pc:sldMk cId="1970703804" sldId="266"/>
+            <ac:cxnSpMk id="33" creationId="{6B718DAF-E7FD-47D6-B39A-BDCCB3559C6B}"/>
+          </ac:cxnSpMkLst>
+        </pc:cxnChg>
+        <pc:cxnChg chg="del">
+          <ac:chgData name="Joseph Beach" userId="b37be78dd7a5175c" providerId="LiveId" clId="{D083B055-CFA3-499C-9750-E0DE7E2DB1D7}" dt="2021-10-31T22:09:59.362" v="1739" actId="478"/>
+          <ac:cxnSpMkLst>
+            <pc:docMk/>
+            <pc:sldMk cId="1970703804" sldId="266"/>
+            <ac:cxnSpMk id="35" creationId="{0A5C33AD-F20D-4D35-8199-2998EB5904C0}"/>
+          </ac:cxnSpMkLst>
+        </pc:cxnChg>
+        <pc:cxnChg chg="del">
+          <ac:chgData name="Joseph Beach" userId="b37be78dd7a5175c" providerId="LiveId" clId="{D083B055-CFA3-499C-9750-E0DE7E2DB1D7}" dt="2021-10-31T22:10:31.530" v="1777" actId="478"/>
+          <ac:cxnSpMkLst>
+            <pc:docMk/>
+            <pc:sldMk cId="1970703804" sldId="266"/>
+            <ac:cxnSpMk id="37" creationId="{32DD2BD0-3690-492B-82CE-784C2BDB33EC}"/>
+          </ac:cxnSpMkLst>
+        </pc:cxnChg>
+        <pc:cxnChg chg="mod">
+          <ac:chgData name="Joseph Beach" userId="b37be78dd7a5175c" providerId="LiveId" clId="{D083B055-CFA3-499C-9750-E0DE7E2DB1D7}" dt="2021-10-31T23:39:41.037" v="2136" actId="1076"/>
+          <ac:cxnSpMkLst>
+            <pc:docMk/>
+            <pc:sldMk cId="1970703804" sldId="266"/>
             <ac:cxnSpMk id="53" creationId="{15B3D8AA-6A47-4373-ACE7-07A6F0EB6A37}"/>
           </ac:cxnSpMkLst>
         </pc:cxnChg>
@@ -499,7 +1611,7 @@
           <a:p>
             <a:fld id="{F5C52314-C5FB-4371-8083-0DEC1FE5FEEF}" type="datetimeFigureOut">
               <a:rPr lang="en-US" smtClean="0"/>
-              <a:t>10/28/2021</a:t>
+              <a:t>10/31/2021</a:t>
             </a:fld>
             <a:endParaRPr lang="en-US"/>
           </a:p>
@@ -697,7 +1809,7 @@
           <a:p>
             <a:fld id="{F5C52314-C5FB-4371-8083-0DEC1FE5FEEF}" type="datetimeFigureOut">
               <a:rPr lang="en-US" smtClean="0"/>
-              <a:t>10/28/2021</a:t>
+              <a:t>10/31/2021</a:t>
             </a:fld>
             <a:endParaRPr lang="en-US"/>
           </a:p>
@@ -905,7 +2017,7 @@
           <a:p>
             <a:fld id="{F5C52314-C5FB-4371-8083-0DEC1FE5FEEF}" type="datetimeFigureOut">
               <a:rPr lang="en-US" smtClean="0"/>
-              <a:t>10/28/2021</a:t>
+              <a:t>10/31/2021</a:t>
             </a:fld>
             <a:endParaRPr lang="en-US"/>
           </a:p>
@@ -1103,7 +2215,7 @@
           <a:p>
             <a:fld id="{F5C52314-C5FB-4371-8083-0DEC1FE5FEEF}" type="datetimeFigureOut">
               <a:rPr lang="en-US" smtClean="0"/>
-              <a:t>10/28/2021</a:t>
+              <a:t>10/31/2021</a:t>
             </a:fld>
             <a:endParaRPr lang="en-US"/>
           </a:p>
@@ -1378,7 +2490,7 @@
           <a:p>
             <a:fld id="{F5C52314-C5FB-4371-8083-0DEC1FE5FEEF}" type="datetimeFigureOut">
               <a:rPr lang="en-US" smtClean="0"/>
-              <a:t>10/28/2021</a:t>
+              <a:t>10/31/2021</a:t>
             </a:fld>
             <a:endParaRPr lang="en-US"/>
           </a:p>
@@ -1643,7 +2755,7 @@
           <a:p>
             <a:fld id="{F5C52314-C5FB-4371-8083-0DEC1FE5FEEF}" type="datetimeFigureOut">
               <a:rPr lang="en-US" smtClean="0"/>
-              <a:t>10/28/2021</a:t>
+              <a:t>10/31/2021</a:t>
             </a:fld>
             <a:endParaRPr lang="en-US"/>
           </a:p>
@@ -2055,7 +3167,7 @@
           <a:p>
             <a:fld id="{F5C52314-C5FB-4371-8083-0DEC1FE5FEEF}" type="datetimeFigureOut">
               <a:rPr lang="en-US" smtClean="0"/>
-              <a:t>10/28/2021</a:t>
+              <a:t>10/31/2021</a:t>
             </a:fld>
             <a:endParaRPr lang="en-US"/>
           </a:p>
@@ -2196,7 +3308,7 @@
           <a:p>
             <a:fld id="{F5C52314-C5FB-4371-8083-0DEC1FE5FEEF}" type="datetimeFigureOut">
               <a:rPr lang="en-US" smtClean="0"/>
-              <a:t>10/28/2021</a:t>
+              <a:t>10/31/2021</a:t>
             </a:fld>
             <a:endParaRPr lang="en-US"/>
           </a:p>
@@ -2309,7 +3421,7 @@
           <a:p>
             <a:fld id="{F5C52314-C5FB-4371-8083-0DEC1FE5FEEF}" type="datetimeFigureOut">
               <a:rPr lang="en-US" smtClean="0"/>
-              <a:t>10/28/2021</a:t>
+              <a:t>10/31/2021</a:t>
             </a:fld>
             <a:endParaRPr lang="en-US"/>
           </a:p>
@@ -2620,7 +3732,7 @@
           <a:p>
             <a:fld id="{F5C52314-C5FB-4371-8083-0DEC1FE5FEEF}" type="datetimeFigureOut">
               <a:rPr lang="en-US" smtClean="0"/>
-              <a:t>10/28/2021</a:t>
+              <a:t>10/31/2021</a:t>
             </a:fld>
             <a:endParaRPr lang="en-US"/>
           </a:p>
@@ -2908,7 +4020,7 @@
           <a:p>
             <a:fld id="{F5C52314-C5FB-4371-8083-0DEC1FE5FEEF}" type="datetimeFigureOut">
               <a:rPr lang="en-US" smtClean="0"/>
-              <a:t>10/28/2021</a:t>
+              <a:t>10/31/2021</a:t>
             </a:fld>
             <a:endParaRPr lang="en-US"/>
           </a:p>
@@ -3149,7 +4261,7 @@
           <a:p>
             <a:fld id="{F5C52314-C5FB-4371-8083-0DEC1FE5FEEF}" type="datetimeFigureOut">
               <a:rPr lang="en-US" smtClean="0"/>
-              <a:t>10/28/2021</a:t>
+              <a:t>10/31/2021</a:t>
             </a:fld>
             <a:endParaRPr lang="en-US"/>
           </a:p>
@@ -3568,7 +4680,7 @@
       </p:grpSpPr>
       <p:sp>
         <p:nvSpPr>
-          <p:cNvPr id="4" name="Flowchart: Terminator 3">
+          <p:cNvPr id="4" name="Flowchart: Connector 3">
             <a:extLst>
               <a:ext uri="{FF2B5EF4-FFF2-40B4-BE49-F238E27FC236}">
                 <a16:creationId xmlns:a16="http://schemas.microsoft.com/office/drawing/2014/main" id="{BE50FD31-2258-4225-A9C2-F345427AE01A}"/>
@@ -3580,10 +4692,10 @@
         </p:nvSpPr>
         <p:spPr>
           <a:xfrm>
-            <a:off x="86216" y="542578"/>
-            <a:ext cx="2157494" cy="811554"/>
-          </a:xfrm>
-          <a:prstGeom prst="flowChartTerminator">
+            <a:off x="480969" y="1344777"/>
+            <a:ext cx="1188440" cy="1048439"/>
+          </a:xfrm>
+          <a:prstGeom prst="flowChartConnector">
             <a:avLst/>
           </a:prstGeom>
         </p:spPr>
@@ -3629,8 +4741,8 @@
         </p:nvSpPr>
         <p:spPr>
           <a:xfrm>
-            <a:off x="5832515" y="290188"/>
-            <a:ext cx="2461255" cy="1316335"/>
+            <a:off x="6195495" y="1387984"/>
+            <a:ext cx="1824199" cy="1005556"/>
           </a:xfrm>
           <a:prstGeom prst="flowChartProcess">
             <a:avLst/>
@@ -3672,12 +4784,215 @@
           </a:p>
         </p:txBody>
       </p:sp>
-      <p:sp>
-        <p:nvSpPr>
-          <p:cNvPr id="12" name="Flowchart: Terminator 11">
-            <a:extLst>
-              <a:ext uri="{FF2B5EF4-FFF2-40B4-BE49-F238E27FC236}">
-                <a16:creationId xmlns:a16="http://schemas.microsoft.com/office/drawing/2014/main" id="{36096103-5263-4344-8244-548BE6EAB07C}"/>
+      <p:cxnSp>
+        <p:nvCxnSpPr>
+          <p:cNvPr id="16" name="Straight Arrow Connector 15">
+            <a:extLst>
+              <a:ext uri="{FF2B5EF4-FFF2-40B4-BE49-F238E27FC236}">
+                <a16:creationId xmlns:a16="http://schemas.microsoft.com/office/drawing/2014/main" id="{DD9B2084-26BF-40BF-9CC9-FCF352CD9FEF}"/>
+              </a:ext>
+            </a:extLst>
+          </p:cNvPr>
+          <p:cNvCxnSpPr/>
+          <p:nvPr/>
+        </p:nvCxnSpPr>
+        <p:spPr>
+          <a:xfrm>
+            <a:off x="4957417" y="1904281"/>
+            <a:ext cx="914400" cy="0"/>
+          </a:xfrm>
+          <a:prstGeom prst="straightConnector1">
+            <a:avLst/>
+          </a:prstGeom>
+          <a:ln>
+            <a:tailEnd type="triangle"/>
+          </a:ln>
+        </p:spPr>
+        <p:style>
+          <a:lnRef idx="1">
+            <a:schemeClr val="accent1"/>
+          </a:lnRef>
+          <a:fillRef idx="0">
+            <a:schemeClr val="accent1"/>
+          </a:fillRef>
+          <a:effectRef idx="0">
+            <a:schemeClr val="accent1"/>
+          </a:effectRef>
+          <a:fontRef idx="minor">
+            <a:schemeClr val="tx1"/>
+          </a:fontRef>
+        </p:style>
+      </p:cxnSp>
+      <p:cxnSp>
+        <p:nvCxnSpPr>
+          <p:cNvPr id="18" name="Straight Arrow Connector 17">
+            <a:extLst>
+              <a:ext uri="{FF2B5EF4-FFF2-40B4-BE49-F238E27FC236}">
+                <a16:creationId xmlns:a16="http://schemas.microsoft.com/office/drawing/2014/main" id="{5B1036F7-4980-4764-9455-D4D1404F7E0A}"/>
+              </a:ext>
+            </a:extLst>
+          </p:cNvPr>
+          <p:cNvCxnSpPr>
+            <a:cxnSpLocks/>
+          </p:cNvCxnSpPr>
+          <p:nvPr/>
+        </p:nvCxnSpPr>
+        <p:spPr>
+          <a:xfrm>
+            <a:off x="8293770" y="1856634"/>
+            <a:ext cx="844197" cy="0"/>
+          </a:xfrm>
+          <a:prstGeom prst="straightConnector1">
+            <a:avLst/>
+          </a:prstGeom>
+          <a:ln>
+            <a:tailEnd type="triangle"/>
+          </a:ln>
+        </p:spPr>
+        <p:style>
+          <a:lnRef idx="1">
+            <a:schemeClr val="accent1"/>
+          </a:lnRef>
+          <a:fillRef idx="0">
+            <a:schemeClr val="accent1"/>
+          </a:fillRef>
+          <a:effectRef idx="0">
+            <a:schemeClr val="accent1"/>
+          </a:effectRef>
+          <a:fontRef idx="minor">
+            <a:schemeClr val="tx1"/>
+          </a:fontRef>
+        </p:style>
+      </p:cxnSp>
+      <p:cxnSp>
+        <p:nvCxnSpPr>
+          <p:cNvPr id="20" name="Straight Arrow Connector 19">
+            <a:extLst>
+              <a:ext uri="{FF2B5EF4-FFF2-40B4-BE49-F238E27FC236}">
+                <a16:creationId xmlns:a16="http://schemas.microsoft.com/office/drawing/2014/main" id="{CC06D41A-8B41-431E-BFB0-DBD6A5D7E382}"/>
+              </a:ext>
+            </a:extLst>
+          </p:cNvPr>
+          <p:cNvCxnSpPr>
+            <a:cxnSpLocks/>
+          </p:cNvCxnSpPr>
+          <p:nvPr/>
+        </p:nvCxnSpPr>
+        <p:spPr>
+          <a:xfrm>
+            <a:off x="10740186" y="2575420"/>
+            <a:ext cx="0" cy="535903"/>
+          </a:xfrm>
+          <a:prstGeom prst="straightConnector1">
+            <a:avLst/>
+          </a:prstGeom>
+          <a:ln>
+            <a:tailEnd type="triangle"/>
+          </a:ln>
+        </p:spPr>
+        <p:style>
+          <a:lnRef idx="1">
+            <a:schemeClr val="accent1"/>
+          </a:lnRef>
+          <a:fillRef idx="0">
+            <a:schemeClr val="accent1"/>
+          </a:fillRef>
+          <a:effectRef idx="0">
+            <a:schemeClr val="accent1"/>
+          </a:effectRef>
+          <a:fontRef idx="minor">
+            <a:schemeClr val="tx1"/>
+          </a:fontRef>
+        </p:style>
+      </p:cxnSp>
+      <p:cxnSp>
+        <p:nvCxnSpPr>
+          <p:cNvPr id="22" name="Straight Arrow Connector 21">
+            <a:extLst>
+              <a:ext uri="{FF2B5EF4-FFF2-40B4-BE49-F238E27FC236}">
+                <a16:creationId xmlns:a16="http://schemas.microsoft.com/office/drawing/2014/main" id="{5450194E-28FD-4E1C-B18F-A5749EDF6443}"/>
+              </a:ext>
+            </a:extLst>
+          </p:cNvPr>
+          <p:cNvCxnSpPr>
+            <a:cxnSpLocks/>
+          </p:cNvCxnSpPr>
+          <p:nvPr/>
+        </p:nvCxnSpPr>
+        <p:spPr>
+          <a:xfrm flipH="1">
+            <a:off x="8385147" y="3640511"/>
+            <a:ext cx="635000" cy="0"/>
+          </a:xfrm>
+          <a:prstGeom prst="straightConnector1">
+            <a:avLst/>
+          </a:prstGeom>
+          <a:ln>
+            <a:tailEnd type="triangle"/>
+          </a:ln>
+        </p:spPr>
+        <p:style>
+          <a:lnRef idx="1">
+            <a:schemeClr val="accent1"/>
+          </a:lnRef>
+          <a:fillRef idx="0">
+            <a:schemeClr val="accent1"/>
+          </a:fillRef>
+          <a:effectRef idx="0">
+            <a:schemeClr val="accent1"/>
+          </a:effectRef>
+          <a:fontRef idx="minor">
+            <a:schemeClr val="tx1"/>
+          </a:fontRef>
+        </p:style>
+      </p:cxnSp>
+      <p:cxnSp>
+        <p:nvCxnSpPr>
+          <p:cNvPr id="24" name="Straight Arrow Connector 23">
+            <a:extLst>
+              <a:ext uri="{FF2B5EF4-FFF2-40B4-BE49-F238E27FC236}">
+                <a16:creationId xmlns:a16="http://schemas.microsoft.com/office/drawing/2014/main" id="{BC401A7A-F17E-4FBB-A76B-57F57CE1BBEE}"/>
+              </a:ext>
+            </a:extLst>
+          </p:cNvPr>
+          <p:cNvCxnSpPr>
+            <a:cxnSpLocks/>
+          </p:cNvCxnSpPr>
+          <p:nvPr/>
+        </p:nvCxnSpPr>
+        <p:spPr>
+          <a:xfrm flipH="1">
+            <a:off x="4293768" y="3676994"/>
+            <a:ext cx="1327298" cy="0"/>
+          </a:xfrm>
+          <a:prstGeom prst="straightConnector1">
+            <a:avLst/>
+          </a:prstGeom>
+          <a:ln>
+            <a:tailEnd type="triangle"/>
+          </a:ln>
+        </p:spPr>
+        <p:style>
+          <a:lnRef idx="1">
+            <a:schemeClr val="accent1"/>
+          </a:lnRef>
+          <a:fillRef idx="0">
+            <a:schemeClr val="accent1"/>
+          </a:fillRef>
+          <a:effectRef idx="0">
+            <a:schemeClr val="accent1"/>
+          </a:effectRef>
+          <a:fontRef idx="minor">
+            <a:schemeClr val="tx1"/>
+          </a:fontRef>
+        </p:style>
+      </p:cxnSp>
+      <p:sp>
+        <p:nvSpPr>
+          <p:cNvPr id="29" name="Flowchart: Data 28">
+            <a:extLst>
+              <a:ext uri="{FF2B5EF4-FFF2-40B4-BE49-F238E27FC236}">
+                <a16:creationId xmlns:a16="http://schemas.microsoft.com/office/drawing/2014/main" id="{229293EA-FBC9-4E58-AE90-1828B1364569}"/>
               </a:ext>
             </a:extLst>
           </p:cNvPr>
@@ -3686,10 +5001,10 @@
         </p:nvSpPr>
         <p:spPr>
           <a:xfrm>
-            <a:off x="9472861" y="4886936"/>
-            <a:ext cx="2534653" cy="839471"/>
-          </a:xfrm>
-          <a:prstGeom prst="flowChartTerminator">
+            <a:off x="6191265" y="5080555"/>
+            <a:ext cx="1962834" cy="1082248"/>
+          </a:xfrm>
+          <a:prstGeom prst="flowChartInputOutput">
             <a:avLst/>
           </a:prstGeom>
         </p:spPr>
@@ -3716,7 +5031,710 @@
             <a:pPr algn="ctr"/>
             <a:r>
               <a:rPr lang="en-US" dirty="0"/>
+              <a:t>Print </a:t>
+            </a:r>
+            <a:r>
+              <a:rPr lang="en-US" dirty="0" err="1"/>
+              <a:t>dollarsPerMonth</a:t>
+            </a:r>
+            <a:r>
+              <a:rPr lang="en-US" dirty="0"/>
+              <a:t>.</a:t>
+            </a:r>
+          </a:p>
+        </p:txBody>
+      </p:sp>
+      <p:sp>
+        <p:nvSpPr>
+          <p:cNvPr id="30" name="Flowchart: Data 29">
+            <a:extLst>
+              <a:ext uri="{FF2B5EF4-FFF2-40B4-BE49-F238E27FC236}">
+                <a16:creationId xmlns:a16="http://schemas.microsoft.com/office/drawing/2014/main" id="{64DDE505-F940-4390-B520-A5CC64B983C0}"/>
+              </a:ext>
+            </a:extLst>
+          </p:cNvPr>
+          <p:cNvSpPr/>
+          <p:nvPr/>
+        </p:nvSpPr>
+        <p:spPr>
+          <a:xfrm>
+            <a:off x="2705765" y="1387984"/>
+            <a:ext cx="2308105" cy="1079807"/>
+          </a:xfrm>
+          <a:prstGeom prst="flowChartInputOutput">
+            <a:avLst/>
+          </a:prstGeom>
+        </p:spPr>
+        <p:style>
+          <a:lnRef idx="2">
+            <a:schemeClr val="accent1">
+              <a:shade val="50000"/>
+            </a:schemeClr>
+          </a:lnRef>
+          <a:fillRef idx="1">
+            <a:schemeClr val="accent1"/>
+          </a:fillRef>
+          <a:effectRef idx="0">
+            <a:schemeClr val="accent1"/>
+          </a:effectRef>
+          <a:fontRef idx="minor">
+            <a:schemeClr val="lt1"/>
+          </a:fontRef>
+        </p:style>
+        <p:txBody>
+          <a:bodyPr rtlCol="0" anchor="ctr"/>
+          <a:lstStyle/>
+          <a:p>
+            <a:pPr algn="ctr"/>
+            <a:r>
+              <a:rPr lang="en-US" dirty="0"/>
+              <a:t>How many hours per day do you work?</a:t>
+            </a:r>
+          </a:p>
+        </p:txBody>
+      </p:sp>
+      <p:cxnSp>
+        <p:nvCxnSpPr>
+          <p:cNvPr id="31" name="Straight Arrow Connector 30">
+            <a:extLst>
+              <a:ext uri="{FF2B5EF4-FFF2-40B4-BE49-F238E27FC236}">
+                <a16:creationId xmlns:a16="http://schemas.microsoft.com/office/drawing/2014/main" id="{A01869A9-0D33-4F2F-800B-760C38BE3EC6}"/>
+              </a:ext>
+            </a:extLst>
+          </p:cNvPr>
+          <p:cNvCxnSpPr>
+            <a:cxnSpLocks/>
+          </p:cNvCxnSpPr>
+          <p:nvPr/>
+        </p:nvCxnSpPr>
+        <p:spPr>
+          <a:xfrm>
+            <a:off x="1901247" y="1958194"/>
+            <a:ext cx="817251" cy="0"/>
+          </a:xfrm>
+          <a:prstGeom prst="straightConnector1">
+            <a:avLst/>
+          </a:prstGeom>
+          <a:ln>
+            <a:tailEnd type="triangle"/>
+          </a:ln>
+        </p:spPr>
+        <p:style>
+          <a:lnRef idx="1">
+            <a:schemeClr val="accent1"/>
+          </a:lnRef>
+          <a:fillRef idx="0">
+            <a:schemeClr val="accent1"/>
+          </a:fillRef>
+          <a:effectRef idx="0">
+            <a:schemeClr val="accent1"/>
+          </a:effectRef>
+          <a:fontRef idx="minor">
+            <a:schemeClr val="tx1"/>
+          </a:fontRef>
+        </p:style>
+      </p:cxnSp>
+      <p:cxnSp>
+        <p:nvCxnSpPr>
+          <p:cNvPr id="34" name="Straight Arrow Connector 33">
+            <a:extLst>
+              <a:ext uri="{FF2B5EF4-FFF2-40B4-BE49-F238E27FC236}">
+                <a16:creationId xmlns:a16="http://schemas.microsoft.com/office/drawing/2014/main" id="{64F66475-724F-4248-91A0-257C8895B157}"/>
+              </a:ext>
+            </a:extLst>
+          </p:cNvPr>
+          <p:cNvCxnSpPr>
+            <a:cxnSpLocks/>
+          </p:cNvCxnSpPr>
+          <p:nvPr/>
+        </p:nvCxnSpPr>
+        <p:spPr>
+          <a:xfrm>
+            <a:off x="8270884" y="5620895"/>
+            <a:ext cx="976136" cy="0"/>
+          </a:xfrm>
+          <a:prstGeom prst="straightConnector1">
+            <a:avLst/>
+          </a:prstGeom>
+          <a:ln>
+            <a:tailEnd type="triangle"/>
+          </a:ln>
+        </p:spPr>
+        <p:style>
+          <a:lnRef idx="1">
+            <a:schemeClr val="accent1"/>
+          </a:lnRef>
+          <a:fillRef idx="0">
+            <a:schemeClr val="accent1"/>
+          </a:fillRef>
+          <a:effectRef idx="0">
+            <a:schemeClr val="accent1"/>
+          </a:effectRef>
+          <a:fontRef idx="minor">
+            <a:schemeClr val="tx1"/>
+          </a:fontRef>
+        </p:style>
+      </p:cxnSp>
+      <p:sp>
+        <p:nvSpPr>
+          <p:cNvPr id="36" name="Flowchart: Process 35">
+            <a:extLst>
+              <a:ext uri="{FF2B5EF4-FFF2-40B4-BE49-F238E27FC236}">
+                <a16:creationId xmlns:a16="http://schemas.microsoft.com/office/drawing/2014/main" id="{EC634503-33CB-49CD-AE76-89DBF9A0DE62}"/>
+              </a:ext>
+            </a:extLst>
+          </p:cNvPr>
+          <p:cNvSpPr/>
+          <p:nvPr/>
+        </p:nvSpPr>
+        <p:spPr>
+          <a:xfrm>
+            <a:off x="979605" y="5080554"/>
+            <a:ext cx="3684926" cy="1178812"/>
+          </a:xfrm>
+          <a:prstGeom prst="flowChartProcess">
+            <a:avLst/>
+          </a:prstGeom>
+        </p:spPr>
+        <p:style>
+          <a:lnRef idx="2">
+            <a:schemeClr val="accent1">
+              <a:shade val="50000"/>
+            </a:schemeClr>
+          </a:lnRef>
+          <a:fillRef idx="1">
+            <a:schemeClr val="accent1"/>
+          </a:fillRef>
+          <a:effectRef idx="0">
+            <a:schemeClr val="accent1"/>
+          </a:effectRef>
+          <a:fontRef idx="minor">
+            <a:schemeClr val="lt1"/>
+          </a:fontRef>
+        </p:style>
+        <p:txBody>
+          <a:bodyPr rtlCol="0" anchor="ctr"/>
+          <a:lstStyle/>
+          <a:p>
+            <a:pPr algn="ctr"/>
+            <a:r>
+              <a:rPr lang="en-US" dirty="0"/>
+              <a:t>Multiply the 3 values together to get:</a:t>
+            </a:r>
+          </a:p>
+          <a:p>
+            <a:pPr algn="ctr"/>
+            <a:r>
+              <a:rPr lang="en-US" dirty="0" err="1"/>
+              <a:t>dollarsPerMonth</a:t>
+            </a:r>
+            <a:r>
+              <a:rPr lang="en-US" dirty="0"/>
+              <a:t> = </a:t>
+            </a:r>
+            <a:r>
+              <a:rPr lang="en-US" dirty="0" err="1"/>
+              <a:t>wagePerHour</a:t>
+            </a:r>
+            <a:r>
+              <a:rPr lang="en-US" dirty="0"/>
+              <a:t> * </a:t>
+            </a:r>
+            <a:r>
+              <a:rPr lang="en-US" dirty="0" err="1"/>
+              <a:t>hoursPerDay</a:t>
+            </a:r>
+            <a:r>
+              <a:rPr lang="en-US" dirty="0"/>
+              <a:t> * </a:t>
+            </a:r>
+            <a:r>
+              <a:rPr lang="en-US" dirty="0" err="1"/>
+              <a:t>workDaysPerMonth</a:t>
+            </a:r>
+            <a:endParaRPr lang="en-US" dirty="0"/>
+          </a:p>
+        </p:txBody>
+      </p:sp>
+      <p:sp>
+        <p:nvSpPr>
+          <p:cNvPr id="46" name="Flowchart: Data 45">
+            <a:extLst>
+              <a:ext uri="{FF2B5EF4-FFF2-40B4-BE49-F238E27FC236}">
+                <a16:creationId xmlns:a16="http://schemas.microsoft.com/office/drawing/2014/main" id="{AB2C9EE7-A956-4231-BEE2-18E8D7D6BCA8}"/>
+              </a:ext>
+            </a:extLst>
+          </p:cNvPr>
+          <p:cNvSpPr/>
+          <p:nvPr/>
+        </p:nvSpPr>
+        <p:spPr>
+          <a:xfrm>
+            <a:off x="9408334" y="1402607"/>
+            <a:ext cx="2276967" cy="1079807"/>
+          </a:xfrm>
+          <a:prstGeom prst="flowChartInputOutput">
+            <a:avLst/>
+          </a:prstGeom>
+        </p:spPr>
+        <p:style>
+          <a:lnRef idx="2">
+            <a:schemeClr val="accent1">
+              <a:shade val="50000"/>
+            </a:schemeClr>
+          </a:lnRef>
+          <a:fillRef idx="1">
+            <a:schemeClr val="accent1"/>
+          </a:fillRef>
+          <a:effectRef idx="0">
+            <a:schemeClr val="accent1"/>
+          </a:effectRef>
+          <a:fontRef idx="minor">
+            <a:schemeClr val="lt1"/>
+          </a:fontRef>
+        </p:style>
+        <p:txBody>
+          <a:bodyPr rtlCol="0" anchor="ctr"/>
+          <a:lstStyle/>
+          <a:p>
+            <a:pPr algn="ctr"/>
+            <a:r>
+              <a:rPr lang="en-US" dirty="0"/>
+              <a:t>How many days did you work this month?</a:t>
+            </a:r>
+          </a:p>
+        </p:txBody>
+      </p:sp>
+      <p:sp>
+        <p:nvSpPr>
+          <p:cNvPr id="47" name="Flowchart: Process 46">
+            <a:extLst>
+              <a:ext uri="{FF2B5EF4-FFF2-40B4-BE49-F238E27FC236}">
+                <a16:creationId xmlns:a16="http://schemas.microsoft.com/office/drawing/2014/main" id="{FD997343-71D0-42A9-9A51-B6A36315B2F1}"/>
+              </a:ext>
+            </a:extLst>
+          </p:cNvPr>
+          <p:cNvSpPr/>
+          <p:nvPr/>
+        </p:nvSpPr>
+        <p:spPr>
+          <a:xfrm>
+            <a:off x="9356160" y="3182659"/>
+            <a:ext cx="2276972" cy="1048440"/>
+          </a:xfrm>
+          <a:prstGeom prst="flowChartProcess">
+            <a:avLst/>
+          </a:prstGeom>
+        </p:spPr>
+        <p:style>
+          <a:lnRef idx="2">
+            <a:schemeClr val="accent1">
+              <a:shade val="50000"/>
+            </a:schemeClr>
+          </a:lnRef>
+          <a:fillRef idx="1">
+            <a:schemeClr val="accent1"/>
+          </a:fillRef>
+          <a:effectRef idx="0">
+            <a:schemeClr val="accent1"/>
+          </a:effectRef>
+          <a:fontRef idx="minor">
+            <a:schemeClr val="lt1"/>
+          </a:fontRef>
+        </p:style>
+        <p:txBody>
+          <a:bodyPr rtlCol="0" anchor="ctr"/>
+          <a:lstStyle/>
+          <a:p>
+            <a:pPr algn="ctr"/>
+            <a:r>
+              <a:rPr lang="en-US" dirty="0"/>
+              <a:t>Store that into: </a:t>
+            </a:r>
+          </a:p>
+          <a:p>
+            <a:pPr algn="ctr"/>
+            <a:r>
+              <a:rPr lang="en-US" dirty="0" err="1"/>
+              <a:t>workDaysPerMonth</a:t>
+            </a:r>
+            <a:endParaRPr lang="en-US" dirty="0"/>
+          </a:p>
+        </p:txBody>
+      </p:sp>
+      <p:sp>
+        <p:nvSpPr>
+          <p:cNvPr id="48" name="Flowchart: Data 47">
+            <a:extLst>
+              <a:ext uri="{FF2B5EF4-FFF2-40B4-BE49-F238E27FC236}">
+                <a16:creationId xmlns:a16="http://schemas.microsoft.com/office/drawing/2014/main" id="{167D45CF-CD64-457B-A6C2-68C6B822AA32}"/>
+              </a:ext>
+            </a:extLst>
+          </p:cNvPr>
+          <p:cNvSpPr/>
+          <p:nvPr/>
+        </p:nvSpPr>
+        <p:spPr>
+          <a:xfrm>
+            <a:off x="6108175" y="3225543"/>
+            <a:ext cx="2276972" cy="1005556"/>
+          </a:xfrm>
+          <a:prstGeom prst="flowChartInputOutput">
+            <a:avLst/>
+          </a:prstGeom>
+        </p:spPr>
+        <p:style>
+          <a:lnRef idx="2">
+            <a:schemeClr val="accent1">
+              <a:shade val="50000"/>
+            </a:schemeClr>
+          </a:lnRef>
+          <a:fillRef idx="1">
+            <a:schemeClr val="accent1"/>
+          </a:fillRef>
+          <a:effectRef idx="0">
+            <a:schemeClr val="accent1"/>
+          </a:effectRef>
+          <a:fontRef idx="minor">
+            <a:schemeClr val="lt1"/>
+          </a:fontRef>
+        </p:style>
+        <p:txBody>
+          <a:bodyPr rtlCol="0" anchor="ctr"/>
+          <a:lstStyle/>
+          <a:p>
+            <a:pPr algn="ctr"/>
+            <a:r>
+              <a:rPr lang="en-US" dirty="0"/>
+              <a:t>What is your hourly wage?</a:t>
+            </a:r>
+          </a:p>
+        </p:txBody>
+      </p:sp>
+      <p:sp>
+        <p:nvSpPr>
+          <p:cNvPr id="50" name="Flowchart: Process 49">
+            <a:extLst>
+              <a:ext uri="{FF2B5EF4-FFF2-40B4-BE49-F238E27FC236}">
+                <a16:creationId xmlns:a16="http://schemas.microsoft.com/office/drawing/2014/main" id="{70F82FD6-670A-4153-B6D7-718838433978}"/>
+              </a:ext>
+            </a:extLst>
+          </p:cNvPr>
+          <p:cNvSpPr/>
+          <p:nvPr/>
+        </p:nvSpPr>
+        <p:spPr>
+          <a:xfrm>
+            <a:off x="1785578" y="3111323"/>
+            <a:ext cx="2072981" cy="1005556"/>
+          </a:xfrm>
+          <a:prstGeom prst="flowChartProcess">
+            <a:avLst/>
+          </a:prstGeom>
+        </p:spPr>
+        <p:style>
+          <a:lnRef idx="2">
+            <a:schemeClr val="accent1">
+              <a:shade val="50000"/>
+            </a:schemeClr>
+          </a:lnRef>
+          <a:fillRef idx="1">
+            <a:schemeClr val="accent1"/>
+          </a:fillRef>
+          <a:effectRef idx="0">
+            <a:schemeClr val="accent1"/>
+          </a:effectRef>
+          <a:fontRef idx="minor">
+            <a:schemeClr val="lt1"/>
+          </a:fontRef>
+        </p:style>
+        <p:txBody>
+          <a:bodyPr rtlCol="0" anchor="ctr"/>
+          <a:lstStyle/>
+          <a:p>
+            <a:pPr algn="ctr"/>
+            <a:r>
+              <a:rPr lang="en-US" dirty="0"/>
+              <a:t>Store that into:</a:t>
+            </a:r>
+          </a:p>
+          <a:p>
+            <a:pPr algn="ctr"/>
+            <a:r>
+              <a:rPr lang="en-US" dirty="0" err="1"/>
+              <a:t>wagePerHour</a:t>
+            </a:r>
+            <a:endParaRPr lang="en-US" dirty="0"/>
+          </a:p>
+        </p:txBody>
+      </p:sp>
+      <p:cxnSp>
+        <p:nvCxnSpPr>
+          <p:cNvPr id="52" name="Straight Arrow Connector 51">
+            <a:extLst>
+              <a:ext uri="{FF2B5EF4-FFF2-40B4-BE49-F238E27FC236}">
+                <a16:creationId xmlns:a16="http://schemas.microsoft.com/office/drawing/2014/main" id="{8C80ECB8-E7A2-4C61-860A-0128326650EE}"/>
+              </a:ext>
+            </a:extLst>
+          </p:cNvPr>
+          <p:cNvCxnSpPr>
+            <a:cxnSpLocks/>
+          </p:cNvCxnSpPr>
+          <p:nvPr/>
+        </p:nvCxnSpPr>
+        <p:spPr>
+          <a:xfrm>
+            <a:off x="5024601" y="5641233"/>
+            <a:ext cx="976136" cy="0"/>
+          </a:xfrm>
+          <a:prstGeom prst="straightConnector1">
+            <a:avLst/>
+          </a:prstGeom>
+          <a:ln>
+            <a:tailEnd type="triangle"/>
+          </a:ln>
+        </p:spPr>
+        <p:style>
+          <a:lnRef idx="1">
+            <a:schemeClr val="accent1"/>
+          </a:lnRef>
+          <a:fillRef idx="0">
+            <a:schemeClr val="accent1"/>
+          </a:fillRef>
+          <a:effectRef idx="0">
+            <a:schemeClr val="accent1"/>
+          </a:effectRef>
+          <a:fontRef idx="minor">
+            <a:schemeClr val="tx1"/>
+          </a:fontRef>
+        </p:style>
+      </p:cxnSp>
+      <p:cxnSp>
+        <p:nvCxnSpPr>
+          <p:cNvPr id="53" name="Straight Arrow Connector 52">
+            <a:extLst>
+              <a:ext uri="{FF2B5EF4-FFF2-40B4-BE49-F238E27FC236}">
+                <a16:creationId xmlns:a16="http://schemas.microsoft.com/office/drawing/2014/main" id="{15B3D8AA-6A47-4373-ACE7-07A6F0EB6A37}"/>
+              </a:ext>
+            </a:extLst>
+          </p:cNvPr>
+          <p:cNvCxnSpPr>
+            <a:cxnSpLocks/>
+          </p:cNvCxnSpPr>
+          <p:nvPr/>
+        </p:nvCxnSpPr>
+        <p:spPr>
+          <a:xfrm>
+            <a:off x="2718498" y="4273983"/>
+            <a:ext cx="0" cy="742728"/>
+          </a:xfrm>
+          <a:prstGeom prst="straightConnector1">
+            <a:avLst/>
+          </a:prstGeom>
+          <a:ln>
+            <a:tailEnd type="triangle"/>
+          </a:ln>
+        </p:spPr>
+        <p:style>
+          <a:lnRef idx="1">
+            <a:schemeClr val="accent1"/>
+          </a:lnRef>
+          <a:fillRef idx="0">
+            <a:schemeClr val="accent1"/>
+          </a:fillRef>
+          <a:effectRef idx="0">
+            <a:schemeClr val="accent1"/>
+          </a:effectRef>
+          <a:fontRef idx="minor">
+            <a:schemeClr val="tx1"/>
+          </a:fontRef>
+        </p:style>
+      </p:cxnSp>
+      <p:sp>
+        <p:nvSpPr>
+          <p:cNvPr id="23" name="Title 1">
+            <a:extLst>
+              <a:ext uri="{FF2B5EF4-FFF2-40B4-BE49-F238E27FC236}">
+                <a16:creationId xmlns:a16="http://schemas.microsoft.com/office/drawing/2014/main" id="{90BA5C66-E1B0-4B1F-A8EA-7B237757C04C}"/>
+              </a:ext>
+            </a:extLst>
+          </p:cNvPr>
+          <p:cNvSpPr txBox="1">
+            <a:spLocks/>
+          </p:cNvSpPr>
+          <p:nvPr/>
+        </p:nvSpPr>
+        <p:spPr>
+          <a:xfrm>
+            <a:off x="2409293" y="257808"/>
+            <a:ext cx="6837727" cy="1036032"/>
+          </a:xfrm>
+          <a:prstGeom prst="rect">
+            <a:avLst/>
+          </a:prstGeom>
+        </p:spPr>
+        <p:txBody>
+          <a:bodyPr vert="horz" lIns="91440" tIns="45720" rIns="91440" bIns="45720" rtlCol="0" anchor="b">
+            <a:normAutofit/>
+          </a:bodyPr>
+          <a:lstStyle>
+            <a:lvl1pPr algn="ctr" defTabSz="914400" rtl="0" eaLnBrk="1" latinLnBrk="0" hangingPunct="1">
+              <a:lnSpc>
+                <a:spcPct val="90000"/>
+              </a:lnSpc>
+              <a:spcBef>
+                <a:spcPct val="0"/>
+              </a:spcBef>
+              <a:buNone/>
+              <a:defRPr sz="6000" kern="1200">
+                <a:solidFill>
+                  <a:schemeClr val="tx1"/>
+                </a:solidFill>
+                <a:latin typeface="+mj-lt"/>
+                <a:ea typeface="+mj-ea"/>
+                <a:cs typeface="+mj-cs"/>
+              </a:defRPr>
+            </a:lvl1pPr>
+          </a:lstStyle>
+          <a:p>
+            <a:r>
+              <a:rPr lang="en-US" dirty="0"/>
+              <a:t>Employee Income</a:t>
+            </a:r>
+          </a:p>
+        </p:txBody>
+      </p:sp>
+      <p:sp>
+        <p:nvSpPr>
+          <p:cNvPr id="25" name="Flowchart: Connector 24">
+            <a:extLst>
+              <a:ext uri="{FF2B5EF4-FFF2-40B4-BE49-F238E27FC236}">
+                <a16:creationId xmlns:a16="http://schemas.microsoft.com/office/drawing/2014/main" id="{7BC5C815-EA0D-407B-9DF2-DC6BF1FF7D56}"/>
+              </a:ext>
+            </a:extLst>
+          </p:cNvPr>
+          <p:cNvSpPr/>
+          <p:nvPr/>
+        </p:nvSpPr>
+        <p:spPr>
+          <a:xfrm>
+            <a:off x="9513116" y="5114364"/>
+            <a:ext cx="1227070" cy="1048440"/>
+          </a:xfrm>
+          <a:prstGeom prst="flowChartConnector">
+            <a:avLst/>
+          </a:prstGeom>
+        </p:spPr>
+        <p:style>
+          <a:lnRef idx="2">
+            <a:schemeClr val="accent1">
+              <a:shade val="50000"/>
+            </a:schemeClr>
+          </a:lnRef>
+          <a:fillRef idx="1">
+            <a:schemeClr val="accent1"/>
+          </a:fillRef>
+          <a:effectRef idx="0">
+            <a:schemeClr val="accent1"/>
+          </a:effectRef>
+          <a:fontRef idx="minor">
+            <a:schemeClr val="lt1"/>
+          </a:fontRef>
+        </p:style>
+        <p:txBody>
+          <a:bodyPr rtlCol="0" anchor="ctr"/>
+          <a:lstStyle/>
+          <a:p>
+            <a:pPr algn="ctr"/>
+            <a:r>
+              <a:rPr lang="en-US" dirty="0"/>
               <a:t>End</a:t>
+            </a:r>
+          </a:p>
+        </p:txBody>
+      </p:sp>
+    </p:spTree>
+    <p:extLst>
+      <p:ext uri="{BB962C8B-B14F-4D97-AF65-F5344CB8AC3E}">
+        <p14:creationId xmlns:p14="http://schemas.microsoft.com/office/powerpoint/2010/main" val="4231132744"/>
+      </p:ext>
+    </p:extLst>
+  </p:cSld>
+  <p:clrMapOvr>
+    <a:masterClrMapping/>
+  </p:clrMapOvr>
+</p:sld>
+</file>
+
+<file path=ppt/slides/slide2.xml><?xml version="1.0" encoding="utf-8"?>
+<p:sld xmlns:a="http://schemas.openxmlformats.org/drawingml/2006/main" xmlns:r="http://schemas.openxmlformats.org/officeDocument/2006/relationships" xmlns:p="http://schemas.openxmlformats.org/presentationml/2006/main">
+  <p:cSld>
+    <p:spTree>
+      <p:nvGrpSpPr>
+        <p:cNvPr id="1" name=""/>
+        <p:cNvGrpSpPr/>
+        <p:nvPr/>
+      </p:nvGrpSpPr>
+      <p:grpSpPr>
+        <a:xfrm>
+          <a:off x="0" y="0"/>
+          <a:ext cx="0" cy="0"/>
+          <a:chOff x="0" y="0"/>
+          <a:chExt cx="0" cy="0"/>
+        </a:xfrm>
+      </p:grpSpPr>
+      <p:sp>
+        <p:nvSpPr>
+          <p:cNvPr id="5" name="Flowchart: Process 4">
+            <a:extLst>
+              <a:ext uri="{FF2B5EF4-FFF2-40B4-BE49-F238E27FC236}">
+                <a16:creationId xmlns:a16="http://schemas.microsoft.com/office/drawing/2014/main" id="{0AEB1780-148F-4F2B-932E-DC0023ADF291}"/>
+              </a:ext>
+            </a:extLst>
+          </p:cNvPr>
+          <p:cNvSpPr/>
+          <p:nvPr/>
+        </p:nvSpPr>
+        <p:spPr>
+          <a:xfrm>
+            <a:off x="6152225" y="1370882"/>
+            <a:ext cx="1824199" cy="1005556"/>
+          </a:xfrm>
+          <a:prstGeom prst="flowChartProcess">
+            <a:avLst/>
+          </a:prstGeom>
+        </p:spPr>
+        <p:style>
+          <a:lnRef idx="2">
+            <a:schemeClr val="accent1">
+              <a:shade val="50000"/>
+            </a:schemeClr>
+          </a:lnRef>
+          <a:fillRef idx="1">
+            <a:schemeClr val="accent1"/>
+          </a:fillRef>
+          <a:effectRef idx="0">
+            <a:schemeClr val="accent1"/>
+          </a:effectRef>
+          <a:fontRef idx="minor">
+            <a:schemeClr val="lt1"/>
+          </a:fontRef>
+        </p:style>
+        <p:txBody>
+          <a:bodyPr rtlCol="0" anchor="ctr"/>
+          <a:lstStyle/>
+          <a:p>
+            <a:pPr algn="ctr"/>
+            <a:r>
+              <a:rPr lang="en-US" dirty="0"/>
+              <a:t>Store that into: </a:t>
+            </a:r>
+          </a:p>
+          <a:p>
+            <a:pPr algn="ctr"/>
+            <a:r>
+              <a:rPr lang="en-US" dirty="0"/>
+              <a:t>grade1</a:t>
             </a:r>
           </a:p>
         </p:txBody>
@@ -3735,7 +5753,7 @@
         </p:nvCxnSpPr>
         <p:spPr>
           <a:xfrm>
-            <a:off x="4918115" y="948355"/>
+            <a:off x="4918115" y="1868997"/>
             <a:ext cx="914400" cy="0"/>
           </a:xfrm>
           <a:prstGeom prst="straightConnector1">
@@ -3769,13 +5787,15 @@
               </a:ext>
             </a:extLst>
           </p:cNvPr>
-          <p:cNvCxnSpPr/>
+          <p:cNvCxnSpPr>
+            <a:cxnSpLocks/>
+          </p:cNvCxnSpPr>
           <p:nvPr/>
         </p:nvCxnSpPr>
         <p:spPr>
           <a:xfrm>
-            <a:off x="8400471" y="884696"/>
-            <a:ext cx="1072390" cy="0"/>
+            <a:off x="8180341" y="1799660"/>
+            <a:ext cx="844197" cy="0"/>
           </a:xfrm>
           <a:prstGeom prst="straightConnector1">
             <a:avLst/>
@@ -3808,13 +5828,15 @@
               </a:ext>
             </a:extLst>
           </p:cNvPr>
-          <p:cNvCxnSpPr/>
+          <p:cNvCxnSpPr>
+            <a:cxnSpLocks/>
+          </p:cNvCxnSpPr>
           <p:nvPr/>
         </p:nvCxnSpPr>
         <p:spPr>
           <a:xfrm>
-            <a:off x="11020926" y="1716505"/>
-            <a:ext cx="0" cy="449179"/>
+            <a:off x="10740186" y="2575420"/>
+            <a:ext cx="0" cy="535903"/>
           </a:xfrm>
           <a:prstGeom prst="straightConnector1">
             <a:avLst/>
@@ -3854,7 +5876,7 @@
         </p:nvCxnSpPr>
         <p:spPr>
           <a:xfrm flipH="1">
-            <a:off x="8634906" y="3011022"/>
+            <a:off x="8754704" y="3620371"/>
             <a:ext cx="635000" cy="0"/>
           </a:xfrm>
           <a:prstGeom prst="straightConnector1">
@@ -3895,7 +5917,7 @@
         </p:nvCxnSpPr>
         <p:spPr>
           <a:xfrm flipH="1">
-            <a:off x="4261906" y="3111323"/>
+            <a:off x="4918115" y="3638745"/>
             <a:ext cx="1327298" cy="0"/>
           </a:xfrm>
           <a:prstGeom prst="straightConnector1">
@@ -3922,7 +5944,7 @@
       </p:cxnSp>
       <p:sp>
         <p:nvSpPr>
-          <p:cNvPr id="29" name="Flowchart: Process 28">
+          <p:cNvPr id="29" name="Flowchart: Data 28">
             <a:extLst>
               <a:ext uri="{FF2B5EF4-FFF2-40B4-BE49-F238E27FC236}">
                 <a16:creationId xmlns:a16="http://schemas.microsoft.com/office/drawing/2014/main" id="{229293EA-FBC9-4E58-AE90-1828B1364569}"/>
@@ -3934,10 +5956,10 @@
         </p:nvSpPr>
         <p:spPr>
           <a:xfrm>
-            <a:off x="5937396" y="4886936"/>
-            <a:ext cx="2153419" cy="1267595"/>
-          </a:xfrm>
-          <a:prstGeom prst="flowChartProcess">
+            <a:off x="6395347" y="4461098"/>
+            <a:ext cx="2359357" cy="698701"/>
+          </a:xfrm>
+          <a:prstGeom prst="flowChartInputOutput">
             <a:avLst/>
           </a:prstGeom>
         </p:spPr>
@@ -3964,26 +5986,21 @@
             <a:pPr algn="ctr"/>
             <a:r>
               <a:rPr lang="en-US" dirty="0"/>
-              <a:t>Print </a:t>
-            </a:r>
-            <a:r>
-              <a:rPr lang="en-US" dirty="0" err="1"/>
-              <a:t>dollarsPerMonth</a:t>
-            </a:r>
+              <a:t>Print</a:t>
+            </a:r>
+          </a:p>
+          <a:p>
+            <a:pPr algn="ctr"/>
             <a:r>
               <a:rPr lang="en-US" dirty="0"/>
-              <a:t>.</a:t>
-            </a:r>
-          </a:p>
-          <a:p>
-            <a:pPr algn="ctr"/>
-            <a:endParaRPr lang="en-US" dirty="0"/>
-          </a:p>
-        </p:txBody>
-      </p:sp>
-      <p:sp>
-        <p:nvSpPr>
-          <p:cNvPr id="30" name="Flowchart: Process 29">
+              <a:t>“You passed”</a:t>
+            </a:r>
+          </a:p>
+        </p:txBody>
+      </p:sp>
+      <p:sp>
+        <p:nvSpPr>
+          <p:cNvPr id="30" name="Flowchart: Data 29">
             <a:extLst>
               <a:ext uri="{FF2B5EF4-FFF2-40B4-BE49-F238E27FC236}">
                 <a16:creationId xmlns:a16="http://schemas.microsoft.com/office/drawing/2014/main" id="{64DDE505-F940-4390-B520-A5CC64B983C0}"/>
@@ -3995,10 +6012,10 @@
         </p:nvSpPr>
         <p:spPr>
           <a:xfrm>
-            <a:off x="2781417" y="264630"/>
-            <a:ext cx="2461255" cy="1316335"/>
-          </a:xfrm>
-          <a:prstGeom prst="flowChartProcess">
+            <a:off x="2409293" y="1383241"/>
+            <a:ext cx="2596034" cy="1005555"/>
+          </a:xfrm>
+          <a:prstGeom prst="flowChartInputOutput">
             <a:avLst/>
           </a:prstGeom>
         </p:spPr>
@@ -4025,7 +6042,7 @@
             <a:pPr algn="ctr"/>
             <a:r>
               <a:rPr lang="en-US" dirty="0"/>
-              <a:t>How many hours per day do you work?</a:t>
+              <a:t>What was your grade on Assignment 1?</a:t>
             </a:r>
           </a:p>
         </p:txBody>
@@ -4046,8 +6063,8 @@
         </p:nvCxnSpPr>
         <p:spPr>
           <a:xfrm>
-            <a:off x="2347189" y="948355"/>
-            <a:ext cx="434228" cy="0"/>
+            <a:off x="1753456" y="1909819"/>
+            <a:ext cx="784354" cy="0"/>
           </a:xfrm>
           <a:prstGeom prst="straightConnector1">
             <a:avLst/>
@@ -4087,8 +6104,8 @@
         </p:nvCxnSpPr>
         <p:spPr>
           <a:xfrm>
-            <a:off x="8293770" y="5306671"/>
-            <a:ext cx="976136" cy="0"/>
+            <a:off x="8602440" y="4953095"/>
+            <a:ext cx="1289160" cy="338011"/>
           </a:xfrm>
           <a:prstGeom prst="straightConnector1">
             <a:avLst/>
@@ -4114,7 +6131,7 @@
       </p:cxnSp>
       <p:sp>
         <p:nvSpPr>
-          <p:cNvPr id="36" name="Parallelogram 35">
+          <p:cNvPr id="36" name="Flowchart: Process 35">
             <a:extLst>
               <a:ext uri="{FF2B5EF4-FFF2-40B4-BE49-F238E27FC236}">
                 <a16:creationId xmlns:a16="http://schemas.microsoft.com/office/drawing/2014/main" id="{EC634503-33CB-49CD-AE76-89DBF9A0DE62}"/>
@@ -4126,10 +6143,10 @@
         </p:nvSpPr>
         <p:spPr>
           <a:xfrm>
-            <a:off x="6999" y="4634204"/>
-            <a:ext cx="4911116" cy="1520297"/>
-          </a:xfrm>
-          <a:prstGeom prst="parallelogram">
+            <a:off x="38453" y="4080928"/>
+            <a:ext cx="2432133" cy="698713"/>
+          </a:xfrm>
+          <a:prstGeom prst="flowChartProcess">
             <a:avLst/>
           </a:prstGeom>
         </p:spPr>
@@ -4156,49 +6173,153 @@
             <a:pPr algn="ctr"/>
             <a:r>
               <a:rPr lang="en-US" dirty="0"/>
-              <a:t>Multiply the 3 values together to get:</a:t>
-            </a:r>
-          </a:p>
-          <a:p>
-            <a:pPr algn="ctr"/>
-            <a:r>
-              <a:rPr lang="en-US" dirty="0" err="1"/>
-              <a:t>dollarsPerMonth</a:t>
-            </a:r>
+              <a:t>Average the 3 Assignments</a:t>
+            </a:r>
+          </a:p>
+        </p:txBody>
+      </p:sp>
+      <p:cxnSp>
+        <p:nvCxnSpPr>
+          <p:cNvPr id="52" name="Straight Arrow Connector 51">
+            <a:extLst>
+              <a:ext uri="{FF2B5EF4-FFF2-40B4-BE49-F238E27FC236}">
+                <a16:creationId xmlns:a16="http://schemas.microsoft.com/office/drawing/2014/main" id="{8C80ECB8-E7A2-4C61-860A-0128326650EE}"/>
+              </a:ext>
+            </a:extLst>
+          </p:cNvPr>
+          <p:cNvCxnSpPr>
+            <a:cxnSpLocks/>
+          </p:cNvCxnSpPr>
+          <p:nvPr/>
+        </p:nvCxnSpPr>
+        <p:spPr>
+          <a:xfrm>
+            <a:off x="1254519" y="4895248"/>
+            <a:ext cx="0" cy="562183"/>
+          </a:xfrm>
+          <a:prstGeom prst="straightConnector1">
+            <a:avLst/>
+          </a:prstGeom>
+          <a:ln>
+            <a:tailEnd type="triangle"/>
+          </a:ln>
+        </p:spPr>
+        <p:style>
+          <a:lnRef idx="1">
+            <a:schemeClr val="accent1"/>
+          </a:lnRef>
+          <a:fillRef idx="0">
+            <a:schemeClr val="accent1"/>
+          </a:fillRef>
+          <a:effectRef idx="0">
+            <a:schemeClr val="accent1"/>
+          </a:effectRef>
+          <a:fontRef idx="minor">
+            <a:schemeClr val="tx1"/>
+          </a:fontRef>
+        </p:style>
+      </p:cxnSp>
+      <p:cxnSp>
+        <p:nvCxnSpPr>
+          <p:cNvPr id="53" name="Straight Arrow Connector 52">
+            <a:extLst>
+              <a:ext uri="{FF2B5EF4-FFF2-40B4-BE49-F238E27FC236}">
+                <a16:creationId xmlns:a16="http://schemas.microsoft.com/office/drawing/2014/main" id="{15B3D8AA-6A47-4373-ACE7-07A6F0EB6A37}"/>
+              </a:ext>
+            </a:extLst>
+          </p:cNvPr>
+          <p:cNvCxnSpPr>
+            <a:cxnSpLocks/>
+          </p:cNvCxnSpPr>
+          <p:nvPr/>
+        </p:nvCxnSpPr>
+        <p:spPr>
+          <a:xfrm flipH="1">
+            <a:off x="1815631" y="3657132"/>
+            <a:ext cx="836140" cy="293903"/>
+          </a:xfrm>
+          <a:prstGeom prst="straightConnector1">
+            <a:avLst/>
+          </a:prstGeom>
+          <a:ln>
+            <a:tailEnd type="triangle"/>
+          </a:ln>
+        </p:spPr>
+        <p:style>
+          <a:lnRef idx="1">
+            <a:schemeClr val="accent1"/>
+          </a:lnRef>
+          <a:fillRef idx="0">
+            <a:schemeClr val="accent1"/>
+          </a:fillRef>
+          <a:effectRef idx="0">
+            <a:schemeClr val="accent1"/>
+          </a:effectRef>
+          <a:fontRef idx="minor">
+            <a:schemeClr val="tx1"/>
+          </a:fontRef>
+        </p:style>
+      </p:cxnSp>
+      <p:sp>
+        <p:nvSpPr>
+          <p:cNvPr id="23" name="Title 1">
+            <a:extLst>
+              <a:ext uri="{FF2B5EF4-FFF2-40B4-BE49-F238E27FC236}">
+                <a16:creationId xmlns:a16="http://schemas.microsoft.com/office/drawing/2014/main" id="{90BA5C66-E1B0-4B1F-A8EA-7B237757C04C}"/>
+              </a:ext>
+            </a:extLst>
+          </p:cNvPr>
+          <p:cNvSpPr txBox="1">
+            <a:spLocks/>
+          </p:cNvSpPr>
+          <p:nvPr/>
+        </p:nvSpPr>
+        <p:spPr>
+          <a:xfrm>
+            <a:off x="2409293" y="257808"/>
+            <a:ext cx="6837727" cy="1036032"/>
+          </a:xfrm>
+          <a:prstGeom prst="rect">
+            <a:avLst/>
+          </a:prstGeom>
+        </p:spPr>
+        <p:txBody>
+          <a:bodyPr vert="horz" lIns="91440" tIns="45720" rIns="91440" bIns="45720" rtlCol="0" anchor="b">
+            <a:normAutofit/>
+          </a:bodyPr>
+          <a:lstStyle>
+            <a:lvl1pPr algn="ctr" defTabSz="914400" rtl="0" eaLnBrk="1" latinLnBrk="0" hangingPunct="1">
+              <a:lnSpc>
+                <a:spcPct val="90000"/>
+              </a:lnSpc>
+              <a:spcBef>
+                <a:spcPct val="0"/>
+              </a:spcBef>
+              <a:buNone/>
+              <a:defRPr sz="6000" kern="1200">
+                <a:solidFill>
+                  <a:schemeClr val="tx1"/>
+                </a:solidFill>
+                <a:latin typeface="+mj-lt"/>
+                <a:ea typeface="+mj-ea"/>
+                <a:cs typeface="+mj-cs"/>
+              </a:defRPr>
+            </a:lvl1pPr>
+          </a:lstStyle>
+          <a:p>
             <a:r>
               <a:rPr lang="en-US" dirty="0"/>
-              <a:t> = </a:t>
-            </a:r>
-            <a:r>
-              <a:rPr lang="en-US" dirty="0" err="1"/>
-              <a:t>wagePerHour</a:t>
-            </a:r>
-            <a:r>
-              <a:rPr lang="en-US" dirty="0"/>
-              <a:t> * </a:t>
-            </a:r>
-            <a:r>
-              <a:rPr lang="en-US" dirty="0" err="1"/>
-              <a:t>hoursPerDay</a:t>
-            </a:r>
-            <a:r>
-              <a:rPr lang="en-US" dirty="0"/>
-              <a:t> * </a:t>
-            </a:r>
-            <a:r>
-              <a:rPr lang="en-US" dirty="0" err="1"/>
-              <a:t>workDaysPerMonth</a:t>
-            </a:r>
-            <a:endParaRPr lang="en-US" dirty="0"/>
-          </a:p>
-        </p:txBody>
-      </p:sp>
-      <p:sp>
-        <p:nvSpPr>
-          <p:cNvPr id="46" name="Flowchart: Process 45">
-            <a:extLst>
-              <a:ext uri="{FF2B5EF4-FFF2-40B4-BE49-F238E27FC236}">
-                <a16:creationId xmlns:a16="http://schemas.microsoft.com/office/drawing/2014/main" id="{AB2C9EE7-A956-4231-BEE2-18E8D7D6BCA8}"/>
+              <a:t>Class Pass or Fail</a:t>
+            </a:r>
+          </a:p>
+        </p:txBody>
+      </p:sp>
+      <p:sp>
+        <p:nvSpPr>
+          <p:cNvPr id="25" name="Flowchart: Data 24">
+            <a:extLst>
+              <a:ext uri="{FF2B5EF4-FFF2-40B4-BE49-F238E27FC236}">
+                <a16:creationId xmlns:a16="http://schemas.microsoft.com/office/drawing/2014/main" id="{16AF2CFE-873B-4EFE-854E-19E0D2F90B9C}"/>
               </a:ext>
             </a:extLst>
           </p:cNvPr>
@@ -4207,10 +6328,10 @@
         </p:nvSpPr>
         <p:spPr>
           <a:xfrm>
-            <a:off x="9509559" y="290187"/>
-            <a:ext cx="2461255" cy="1316335"/>
-          </a:xfrm>
-          <a:prstGeom prst="flowChartProcess">
+            <a:off x="9269905" y="1370882"/>
+            <a:ext cx="2625683" cy="1005556"/>
+          </a:xfrm>
+          <a:prstGeom prst="flowChartInputOutput">
             <a:avLst/>
           </a:prstGeom>
         </p:spPr>
@@ -4237,17 +6358,17 @@
             <a:pPr algn="ctr"/>
             <a:r>
               <a:rPr lang="en-US" dirty="0"/>
-              <a:t>How many days did you work this month?</a:t>
-            </a:r>
-          </a:p>
-        </p:txBody>
-      </p:sp>
-      <p:sp>
-        <p:nvSpPr>
-          <p:cNvPr id="47" name="Flowchart: Process 46">
-            <a:extLst>
-              <a:ext uri="{FF2B5EF4-FFF2-40B4-BE49-F238E27FC236}">
-                <a16:creationId xmlns:a16="http://schemas.microsoft.com/office/drawing/2014/main" id="{FD997343-71D0-42A9-9A51-B6A36315B2F1}"/>
+              <a:t>What was your grade on Assignment 2?</a:t>
+            </a:r>
+          </a:p>
+        </p:txBody>
+      </p:sp>
+      <p:sp>
+        <p:nvSpPr>
+          <p:cNvPr id="26" name="Flowchart: Data 25">
+            <a:extLst>
+              <a:ext uri="{FF2B5EF4-FFF2-40B4-BE49-F238E27FC236}">
+                <a16:creationId xmlns:a16="http://schemas.microsoft.com/office/drawing/2014/main" id="{5D574E6A-07B6-4FF2-B0FC-58C7D41D9B25}"/>
               </a:ext>
             </a:extLst>
           </p:cNvPr>
@@ -4256,10 +6377,10 @@
         </p:nvSpPr>
         <p:spPr>
           <a:xfrm>
-            <a:off x="9546259" y="2462301"/>
-            <a:ext cx="2461255" cy="1316335"/>
-          </a:xfrm>
-          <a:prstGeom prst="flowChartProcess">
+            <a:off x="6107880" y="3148631"/>
+            <a:ext cx="2601231" cy="992489"/>
+          </a:xfrm>
+          <a:prstGeom prst="flowChartInputOutput">
             <a:avLst/>
           </a:prstGeom>
         </p:spPr>
@@ -4286,25 +6407,17 @@
             <a:pPr algn="ctr"/>
             <a:r>
               <a:rPr lang="en-US" dirty="0"/>
-              <a:t>Store that into: </a:t>
-            </a:r>
-          </a:p>
-          <a:p>
-            <a:pPr algn="ctr"/>
-            <a:r>
-              <a:rPr lang="en-US" dirty="0" err="1"/>
-              <a:t>workDaysPerMonth</a:t>
-            </a:r>
-            <a:endParaRPr lang="en-US" dirty="0"/>
-          </a:p>
-        </p:txBody>
-      </p:sp>
-      <p:sp>
-        <p:nvSpPr>
-          <p:cNvPr id="48" name="Flowchart: Process 47">
-            <a:extLst>
-              <a:ext uri="{FF2B5EF4-FFF2-40B4-BE49-F238E27FC236}">
-                <a16:creationId xmlns:a16="http://schemas.microsoft.com/office/drawing/2014/main" id="{167D45CF-CD64-457B-A6C2-68C6B822AA32}"/>
+              <a:t>What was your grade on Assignment 3?</a:t>
+            </a:r>
+          </a:p>
+        </p:txBody>
+      </p:sp>
+      <p:sp>
+        <p:nvSpPr>
+          <p:cNvPr id="27" name="Flowchart: Process 26">
+            <a:extLst>
+              <a:ext uri="{FF2B5EF4-FFF2-40B4-BE49-F238E27FC236}">
+                <a16:creationId xmlns:a16="http://schemas.microsoft.com/office/drawing/2014/main" id="{860238AE-8B77-414B-A98E-989B84F4D965}"/>
               </a:ext>
             </a:extLst>
           </p:cNvPr>
@@ -4313,8 +6426,8 @@
         </p:nvSpPr>
         <p:spPr>
           <a:xfrm>
-            <a:off x="5939216" y="2453155"/>
-            <a:ext cx="2461255" cy="1316335"/>
+            <a:off x="9828086" y="3200542"/>
+            <a:ext cx="1824199" cy="1005556"/>
           </a:xfrm>
           <a:prstGeom prst="flowChartProcess">
             <a:avLst/>
@@ -4343,17 +6456,24 @@
             <a:pPr algn="ctr"/>
             <a:r>
               <a:rPr lang="en-US" dirty="0"/>
-              <a:t>What is your hourly wage?</a:t>
-            </a:r>
-          </a:p>
-        </p:txBody>
-      </p:sp>
-      <p:sp>
-        <p:nvSpPr>
-          <p:cNvPr id="50" name="Flowchart: Process 49">
-            <a:extLst>
-              <a:ext uri="{FF2B5EF4-FFF2-40B4-BE49-F238E27FC236}">
-                <a16:creationId xmlns:a16="http://schemas.microsoft.com/office/drawing/2014/main" id="{70F82FD6-670A-4153-B6D7-718838433978}"/>
+              <a:t>Store that into: </a:t>
+            </a:r>
+          </a:p>
+          <a:p>
+            <a:pPr algn="ctr"/>
+            <a:r>
+              <a:rPr lang="en-US" dirty="0"/>
+              <a:t>grade2</a:t>
+            </a:r>
+          </a:p>
+        </p:txBody>
+      </p:sp>
+      <p:sp>
+        <p:nvSpPr>
+          <p:cNvPr id="28" name="Flowchart: Process 27">
+            <a:extLst>
+              <a:ext uri="{FF2B5EF4-FFF2-40B4-BE49-F238E27FC236}">
+                <a16:creationId xmlns:a16="http://schemas.microsoft.com/office/drawing/2014/main" id="{3575B441-F650-47A1-BF78-86BAD872B2FD}"/>
               </a:ext>
             </a:extLst>
           </p:cNvPr>
@@ -4362,8 +6482,8 @@
         </p:nvSpPr>
         <p:spPr>
           <a:xfrm>
-            <a:off x="1524298" y="2383914"/>
-            <a:ext cx="2461255" cy="1316335"/>
+            <a:off x="2887040" y="3160428"/>
+            <a:ext cx="1824199" cy="992497"/>
           </a:xfrm>
           <a:prstGeom prst="flowChartProcess">
             <a:avLst/>
@@ -4392,25 +6512,129 @@
             <a:pPr algn="ctr"/>
             <a:r>
               <a:rPr lang="en-US" dirty="0"/>
-              <a:t>Store that into:</a:t>
+              <a:t>Store that into: </a:t>
             </a:r>
           </a:p>
           <a:p>
             <a:pPr algn="ctr"/>
             <a:r>
-              <a:rPr lang="en-US" dirty="0" err="1"/>
-              <a:t>wagePerHour</a:t>
-            </a:r>
-            <a:endParaRPr lang="en-US" dirty="0"/>
+              <a:rPr lang="en-US" dirty="0"/>
+              <a:t>grade3</a:t>
+            </a:r>
+          </a:p>
+        </p:txBody>
+      </p:sp>
+      <p:sp>
+        <p:nvSpPr>
+          <p:cNvPr id="2" name="Flowchart: Decision 1">
+            <a:extLst>
+              <a:ext uri="{FF2B5EF4-FFF2-40B4-BE49-F238E27FC236}">
+                <a16:creationId xmlns:a16="http://schemas.microsoft.com/office/drawing/2014/main" id="{11CBE909-EC47-42D2-AA0B-CB62C09309E8}"/>
+              </a:ext>
+            </a:extLst>
+          </p:cNvPr>
+          <p:cNvSpPr/>
+          <p:nvPr/>
+        </p:nvSpPr>
+        <p:spPr>
+          <a:xfrm>
+            <a:off x="3589561" y="4558227"/>
+            <a:ext cx="2105235" cy="2041961"/>
+          </a:xfrm>
+          <a:prstGeom prst="flowChartDecision">
+            <a:avLst/>
+          </a:prstGeom>
+        </p:spPr>
+        <p:style>
+          <a:lnRef idx="2">
+            <a:schemeClr val="accent1">
+              <a:shade val="50000"/>
+            </a:schemeClr>
+          </a:lnRef>
+          <a:fillRef idx="1">
+            <a:schemeClr val="accent1"/>
+          </a:fillRef>
+          <a:effectRef idx="0">
+            <a:schemeClr val="accent1"/>
+          </a:effectRef>
+          <a:fontRef idx="minor">
+            <a:schemeClr val="lt1"/>
+          </a:fontRef>
+        </p:style>
+        <p:txBody>
+          <a:bodyPr rtlCol="0" anchor="ctr"/>
+          <a:lstStyle/>
+          <a:p>
+            <a:pPr algn="ctr"/>
+            <a:r>
+              <a:rPr lang="en-US" dirty="0"/>
+              <a:t>Grade Average &gt;= 70 or &lt; 70</a:t>
+            </a:r>
+          </a:p>
+        </p:txBody>
+      </p:sp>
+      <p:sp>
+        <p:nvSpPr>
+          <p:cNvPr id="32" name="Flowchart: Data 31">
+            <a:extLst>
+              <a:ext uri="{FF2B5EF4-FFF2-40B4-BE49-F238E27FC236}">
+                <a16:creationId xmlns:a16="http://schemas.microsoft.com/office/drawing/2014/main" id="{3F546175-30E6-4FA5-A44F-1706B494FC3F}"/>
+              </a:ext>
+            </a:extLst>
+          </p:cNvPr>
+          <p:cNvSpPr/>
+          <p:nvPr/>
+        </p:nvSpPr>
+        <p:spPr>
+          <a:xfrm>
+            <a:off x="6372315" y="5711218"/>
+            <a:ext cx="2259015" cy="839471"/>
+          </a:xfrm>
+          <a:prstGeom prst="flowChartInputOutput">
+            <a:avLst/>
+          </a:prstGeom>
+        </p:spPr>
+        <p:style>
+          <a:lnRef idx="2">
+            <a:schemeClr val="accent1">
+              <a:shade val="50000"/>
+            </a:schemeClr>
+          </a:lnRef>
+          <a:fillRef idx="1">
+            <a:schemeClr val="accent1"/>
+          </a:fillRef>
+          <a:effectRef idx="0">
+            <a:schemeClr val="accent1"/>
+          </a:effectRef>
+          <a:fontRef idx="minor">
+            <a:schemeClr val="lt1"/>
+          </a:fontRef>
+        </p:style>
+        <p:txBody>
+          <a:bodyPr rtlCol="0" anchor="ctr"/>
+          <a:lstStyle/>
+          <a:p>
+            <a:pPr algn="ctr"/>
+            <a:r>
+              <a:rPr lang="en-US" dirty="0"/>
+              <a:t>Print</a:t>
+            </a:r>
+          </a:p>
+          <a:p>
+            <a:pPr algn="ctr"/>
+            <a:r>
+              <a:rPr lang="en-US" dirty="0"/>
+              <a:t>“You failed.”</a:t>
+            </a:r>
           </a:p>
         </p:txBody>
       </p:sp>
       <p:cxnSp>
         <p:nvCxnSpPr>
-          <p:cNvPr id="52" name="Straight Arrow Connector 51">
-            <a:extLst>
-              <a:ext uri="{FF2B5EF4-FFF2-40B4-BE49-F238E27FC236}">
-                <a16:creationId xmlns:a16="http://schemas.microsoft.com/office/drawing/2014/main" id="{8C80ECB8-E7A2-4C61-860A-0128326650EE}"/>
+          <p:cNvPr id="33" name="Straight Arrow Connector 32">
+            <a:extLst>
+              <a:ext uri="{FF2B5EF4-FFF2-40B4-BE49-F238E27FC236}">
+                <a16:creationId xmlns:a16="http://schemas.microsoft.com/office/drawing/2014/main" id="{2A5B62A1-3164-4065-8246-88A7471A0BFD}"/>
               </a:ext>
             </a:extLst>
           </p:cNvPr>
@@ -4420,9 +6644,2721 @@
           <p:nvPr/>
         </p:nvCxnSpPr>
         <p:spPr>
-          <a:xfrm>
-            <a:off x="4856379" y="5306671"/>
-            <a:ext cx="976136" cy="0"/>
+          <a:xfrm flipV="1">
+            <a:off x="5694796" y="4826084"/>
+            <a:ext cx="803668" cy="305521"/>
+          </a:xfrm>
+          <a:prstGeom prst="straightConnector1">
+            <a:avLst/>
+          </a:prstGeom>
+          <a:ln>
+            <a:tailEnd type="triangle"/>
+          </a:ln>
+        </p:spPr>
+        <p:style>
+          <a:lnRef idx="1">
+            <a:schemeClr val="accent1"/>
+          </a:lnRef>
+          <a:fillRef idx="0">
+            <a:schemeClr val="accent1"/>
+          </a:fillRef>
+          <a:effectRef idx="0">
+            <a:schemeClr val="accent1"/>
+          </a:effectRef>
+          <a:fontRef idx="minor">
+            <a:schemeClr val="tx1"/>
+          </a:fontRef>
+        </p:style>
+      </p:cxnSp>
+      <p:cxnSp>
+        <p:nvCxnSpPr>
+          <p:cNvPr id="35" name="Straight Arrow Connector 34">
+            <a:extLst>
+              <a:ext uri="{FF2B5EF4-FFF2-40B4-BE49-F238E27FC236}">
+                <a16:creationId xmlns:a16="http://schemas.microsoft.com/office/drawing/2014/main" id="{0A5C33AD-F20D-4D35-8199-2998EB5904C0}"/>
+              </a:ext>
+            </a:extLst>
+          </p:cNvPr>
+          <p:cNvCxnSpPr>
+            <a:cxnSpLocks/>
+          </p:cNvCxnSpPr>
+          <p:nvPr/>
+        </p:nvCxnSpPr>
+        <p:spPr>
+          <a:xfrm>
+            <a:off x="5774003" y="5918033"/>
+            <a:ext cx="756444" cy="114884"/>
+          </a:xfrm>
+          <a:prstGeom prst="straightConnector1">
+            <a:avLst/>
+          </a:prstGeom>
+          <a:ln>
+            <a:tailEnd type="triangle"/>
+          </a:ln>
+        </p:spPr>
+        <p:style>
+          <a:lnRef idx="1">
+            <a:schemeClr val="accent1"/>
+          </a:lnRef>
+          <a:fillRef idx="0">
+            <a:schemeClr val="accent1"/>
+          </a:fillRef>
+          <a:effectRef idx="0">
+            <a:schemeClr val="accent1"/>
+          </a:effectRef>
+          <a:fontRef idx="minor">
+            <a:schemeClr val="tx1"/>
+          </a:fontRef>
+        </p:style>
+      </p:cxnSp>
+      <p:cxnSp>
+        <p:nvCxnSpPr>
+          <p:cNvPr id="37" name="Straight Arrow Connector 36">
+            <a:extLst>
+              <a:ext uri="{FF2B5EF4-FFF2-40B4-BE49-F238E27FC236}">
+                <a16:creationId xmlns:a16="http://schemas.microsoft.com/office/drawing/2014/main" id="{32DD2BD0-3690-492B-82CE-784C2BDB33EC}"/>
+              </a:ext>
+            </a:extLst>
+          </p:cNvPr>
+          <p:cNvCxnSpPr>
+            <a:cxnSpLocks/>
+          </p:cNvCxnSpPr>
+          <p:nvPr/>
+        </p:nvCxnSpPr>
+        <p:spPr>
+          <a:xfrm flipV="1">
+            <a:off x="8709111" y="5819996"/>
+            <a:ext cx="1121590" cy="310958"/>
+          </a:xfrm>
+          <a:prstGeom prst="straightConnector1">
+            <a:avLst/>
+          </a:prstGeom>
+          <a:ln>
+            <a:tailEnd type="triangle"/>
+          </a:ln>
+        </p:spPr>
+        <p:style>
+          <a:lnRef idx="1">
+            <a:schemeClr val="accent1"/>
+          </a:lnRef>
+          <a:fillRef idx="0">
+            <a:schemeClr val="accent1"/>
+          </a:fillRef>
+          <a:effectRef idx="0">
+            <a:schemeClr val="accent1"/>
+          </a:effectRef>
+          <a:fontRef idx="minor">
+            <a:schemeClr val="tx1"/>
+          </a:fontRef>
+        </p:style>
+      </p:cxnSp>
+      <p:sp>
+        <p:nvSpPr>
+          <p:cNvPr id="40" name="Flowchart: Process 39">
+            <a:extLst>
+              <a:ext uri="{FF2B5EF4-FFF2-40B4-BE49-F238E27FC236}">
+                <a16:creationId xmlns:a16="http://schemas.microsoft.com/office/drawing/2014/main" id="{1FAAAE0C-44F5-4CE6-A1AA-C65EF5E0D8F0}"/>
+              </a:ext>
+            </a:extLst>
+          </p:cNvPr>
+          <p:cNvSpPr/>
+          <p:nvPr/>
+        </p:nvSpPr>
+        <p:spPr>
+          <a:xfrm>
+            <a:off x="252071" y="5536668"/>
+            <a:ext cx="1824199" cy="992497"/>
+          </a:xfrm>
+          <a:prstGeom prst="flowChartProcess">
+            <a:avLst/>
+          </a:prstGeom>
+        </p:spPr>
+        <p:style>
+          <a:lnRef idx="2">
+            <a:schemeClr val="accent1">
+              <a:shade val="50000"/>
+            </a:schemeClr>
+          </a:lnRef>
+          <a:fillRef idx="1">
+            <a:schemeClr val="accent1"/>
+          </a:fillRef>
+          <a:effectRef idx="0">
+            <a:schemeClr val="accent1"/>
+          </a:effectRef>
+          <a:fontRef idx="minor">
+            <a:schemeClr val="lt1"/>
+          </a:fontRef>
+        </p:style>
+        <p:txBody>
+          <a:bodyPr rtlCol="0" anchor="ctr"/>
+          <a:lstStyle/>
+          <a:p>
+            <a:pPr algn="ctr"/>
+            <a:r>
+              <a:rPr lang="en-US" dirty="0"/>
+              <a:t>Store that into: </a:t>
+            </a:r>
+          </a:p>
+          <a:p>
+            <a:pPr algn="ctr"/>
+            <a:r>
+              <a:rPr lang="en-US" dirty="0" err="1"/>
+              <a:t>gradeAverage</a:t>
+            </a:r>
+            <a:endParaRPr lang="en-US" dirty="0"/>
+          </a:p>
+        </p:txBody>
+      </p:sp>
+      <p:cxnSp>
+        <p:nvCxnSpPr>
+          <p:cNvPr id="41" name="Straight Arrow Connector 40">
+            <a:extLst>
+              <a:ext uri="{FF2B5EF4-FFF2-40B4-BE49-F238E27FC236}">
+                <a16:creationId xmlns:a16="http://schemas.microsoft.com/office/drawing/2014/main" id="{16C515E6-AA2F-4D23-A4E4-C0494F5EA742}"/>
+              </a:ext>
+            </a:extLst>
+          </p:cNvPr>
+          <p:cNvCxnSpPr>
+            <a:cxnSpLocks/>
+          </p:cNvCxnSpPr>
+          <p:nvPr/>
+        </p:nvCxnSpPr>
+        <p:spPr>
+          <a:xfrm flipV="1">
+            <a:off x="2233701" y="5660188"/>
+            <a:ext cx="1113506" cy="201891"/>
+          </a:xfrm>
+          <a:prstGeom prst="straightConnector1">
+            <a:avLst/>
+          </a:prstGeom>
+          <a:ln>
+            <a:tailEnd type="triangle"/>
+          </a:ln>
+        </p:spPr>
+        <p:style>
+          <a:lnRef idx="1">
+            <a:schemeClr val="accent1"/>
+          </a:lnRef>
+          <a:fillRef idx="0">
+            <a:schemeClr val="accent1"/>
+          </a:fillRef>
+          <a:effectRef idx="0">
+            <a:schemeClr val="accent1"/>
+          </a:effectRef>
+          <a:fontRef idx="minor">
+            <a:schemeClr val="tx1"/>
+          </a:fontRef>
+        </p:style>
+      </p:cxnSp>
+      <p:sp>
+        <p:nvSpPr>
+          <p:cNvPr id="38" name="Flowchart: Connector 37">
+            <a:extLst>
+              <a:ext uri="{FF2B5EF4-FFF2-40B4-BE49-F238E27FC236}">
+                <a16:creationId xmlns:a16="http://schemas.microsoft.com/office/drawing/2014/main" id="{F8AA5A13-8DD9-4769-BA25-C8DC8D0879E5}"/>
+              </a:ext>
+            </a:extLst>
+          </p:cNvPr>
+          <p:cNvSpPr/>
+          <p:nvPr/>
+        </p:nvSpPr>
+        <p:spPr>
+          <a:xfrm>
+            <a:off x="560213" y="1440746"/>
+            <a:ext cx="1056608" cy="931029"/>
+          </a:xfrm>
+          <a:prstGeom prst="flowChartConnector">
+            <a:avLst/>
+          </a:prstGeom>
+        </p:spPr>
+        <p:style>
+          <a:lnRef idx="2">
+            <a:schemeClr val="accent1">
+              <a:shade val="50000"/>
+            </a:schemeClr>
+          </a:lnRef>
+          <a:fillRef idx="1">
+            <a:schemeClr val="accent1"/>
+          </a:fillRef>
+          <a:effectRef idx="0">
+            <a:schemeClr val="accent1"/>
+          </a:effectRef>
+          <a:fontRef idx="minor">
+            <a:schemeClr val="lt1"/>
+          </a:fontRef>
+        </p:style>
+        <p:txBody>
+          <a:bodyPr rtlCol="0" anchor="ctr"/>
+          <a:lstStyle/>
+          <a:p>
+            <a:pPr algn="ctr"/>
+            <a:r>
+              <a:rPr lang="en-US" dirty="0"/>
+              <a:t>Begin</a:t>
+            </a:r>
+          </a:p>
+        </p:txBody>
+      </p:sp>
+      <p:sp>
+        <p:nvSpPr>
+          <p:cNvPr id="39" name="Flowchart: Connector 38">
+            <a:extLst>
+              <a:ext uri="{FF2B5EF4-FFF2-40B4-BE49-F238E27FC236}">
+                <a16:creationId xmlns:a16="http://schemas.microsoft.com/office/drawing/2014/main" id="{099F7C89-903F-41C6-95CD-E57C894B7E04}"/>
+              </a:ext>
+            </a:extLst>
+          </p:cNvPr>
+          <p:cNvSpPr/>
+          <p:nvPr/>
+        </p:nvSpPr>
+        <p:spPr>
+          <a:xfrm>
+            <a:off x="10062774" y="5159799"/>
+            <a:ext cx="1044250" cy="968773"/>
+          </a:xfrm>
+          <a:prstGeom prst="flowChartConnector">
+            <a:avLst/>
+          </a:prstGeom>
+        </p:spPr>
+        <p:style>
+          <a:lnRef idx="2">
+            <a:schemeClr val="accent1">
+              <a:shade val="50000"/>
+            </a:schemeClr>
+          </a:lnRef>
+          <a:fillRef idx="1">
+            <a:schemeClr val="accent1"/>
+          </a:fillRef>
+          <a:effectRef idx="0">
+            <a:schemeClr val="accent1"/>
+          </a:effectRef>
+          <a:fontRef idx="minor">
+            <a:schemeClr val="lt1"/>
+          </a:fontRef>
+        </p:style>
+        <p:txBody>
+          <a:bodyPr rtlCol="0" anchor="ctr"/>
+          <a:lstStyle/>
+          <a:p>
+            <a:pPr algn="ctr"/>
+            <a:r>
+              <a:rPr lang="en-US" dirty="0"/>
+              <a:t>End</a:t>
+            </a:r>
+          </a:p>
+        </p:txBody>
+      </p:sp>
+    </p:spTree>
+    <p:extLst>
+      <p:ext uri="{BB962C8B-B14F-4D97-AF65-F5344CB8AC3E}">
+        <p14:creationId xmlns:p14="http://schemas.microsoft.com/office/powerpoint/2010/main" val="1117871553"/>
+      </p:ext>
+    </p:extLst>
+  </p:cSld>
+  <p:clrMapOvr>
+    <a:masterClrMapping/>
+  </p:clrMapOvr>
+</p:sld>
+</file>
+
+<file path=ppt/slides/slide3.xml><?xml version="1.0" encoding="utf-8"?>
+<p:sld xmlns:a="http://schemas.openxmlformats.org/drawingml/2006/main" xmlns:r="http://schemas.openxmlformats.org/officeDocument/2006/relationships" xmlns:p="http://schemas.openxmlformats.org/presentationml/2006/main">
+  <p:cSld>
+    <p:spTree>
+      <p:nvGrpSpPr>
+        <p:cNvPr id="1" name=""/>
+        <p:cNvGrpSpPr/>
+        <p:nvPr/>
+      </p:nvGrpSpPr>
+      <p:grpSpPr>
+        <a:xfrm>
+          <a:off x="0" y="0"/>
+          <a:ext cx="0" cy="0"/>
+          <a:chOff x="0" y="0"/>
+          <a:chExt cx="0" cy="0"/>
+        </a:xfrm>
+      </p:grpSpPr>
+      <p:sp>
+        <p:nvSpPr>
+          <p:cNvPr id="5" name="Flowchart: Process 4">
+            <a:extLst>
+              <a:ext uri="{FF2B5EF4-FFF2-40B4-BE49-F238E27FC236}">
+                <a16:creationId xmlns:a16="http://schemas.microsoft.com/office/drawing/2014/main" id="{0AEB1780-148F-4F2B-932E-DC0023ADF291}"/>
+              </a:ext>
+            </a:extLst>
+          </p:cNvPr>
+          <p:cNvSpPr/>
+          <p:nvPr/>
+        </p:nvSpPr>
+        <p:spPr>
+          <a:xfrm>
+            <a:off x="6020950" y="1396357"/>
+            <a:ext cx="1824199" cy="1005556"/>
+          </a:xfrm>
+          <a:prstGeom prst="flowChartProcess">
+            <a:avLst/>
+          </a:prstGeom>
+        </p:spPr>
+        <p:style>
+          <a:lnRef idx="2">
+            <a:schemeClr val="accent1">
+              <a:shade val="50000"/>
+            </a:schemeClr>
+          </a:lnRef>
+          <a:fillRef idx="1">
+            <a:schemeClr val="accent1"/>
+          </a:fillRef>
+          <a:effectRef idx="0">
+            <a:schemeClr val="accent1"/>
+          </a:effectRef>
+          <a:fontRef idx="minor">
+            <a:schemeClr val="lt1"/>
+          </a:fontRef>
+        </p:style>
+        <p:txBody>
+          <a:bodyPr rtlCol="0" anchor="ctr"/>
+          <a:lstStyle/>
+          <a:p>
+            <a:pPr algn="ctr"/>
+            <a:r>
+              <a:rPr lang="en-US" dirty="0"/>
+              <a:t>Store that into: </a:t>
+            </a:r>
+          </a:p>
+          <a:p>
+            <a:pPr algn="ctr"/>
+            <a:r>
+              <a:rPr lang="en-US" dirty="0"/>
+              <a:t>mult1</a:t>
+            </a:r>
+          </a:p>
+        </p:txBody>
+      </p:sp>
+      <p:cxnSp>
+        <p:nvCxnSpPr>
+          <p:cNvPr id="16" name="Straight Arrow Connector 15">
+            <a:extLst>
+              <a:ext uri="{FF2B5EF4-FFF2-40B4-BE49-F238E27FC236}">
+                <a16:creationId xmlns:a16="http://schemas.microsoft.com/office/drawing/2014/main" id="{DD9B2084-26BF-40BF-9CC9-FCF352CD9FEF}"/>
+              </a:ext>
+            </a:extLst>
+          </p:cNvPr>
+          <p:cNvCxnSpPr/>
+          <p:nvPr/>
+        </p:nvCxnSpPr>
+        <p:spPr>
+          <a:xfrm>
+            <a:off x="4855673" y="1868997"/>
+            <a:ext cx="914400" cy="0"/>
+          </a:xfrm>
+          <a:prstGeom prst="straightConnector1">
+            <a:avLst/>
+          </a:prstGeom>
+          <a:ln>
+            <a:tailEnd type="triangle"/>
+          </a:ln>
+        </p:spPr>
+        <p:style>
+          <a:lnRef idx="1">
+            <a:schemeClr val="accent1"/>
+          </a:lnRef>
+          <a:fillRef idx="0">
+            <a:schemeClr val="accent1"/>
+          </a:fillRef>
+          <a:effectRef idx="0">
+            <a:schemeClr val="accent1"/>
+          </a:effectRef>
+          <a:fontRef idx="minor">
+            <a:schemeClr val="tx1"/>
+          </a:fontRef>
+        </p:style>
+      </p:cxnSp>
+      <p:cxnSp>
+        <p:nvCxnSpPr>
+          <p:cNvPr id="18" name="Straight Arrow Connector 17">
+            <a:extLst>
+              <a:ext uri="{FF2B5EF4-FFF2-40B4-BE49-F238E27FC236}">
+                <a16:creationId xmlns:a16="http://schemas.microsoft.com/office/drawing/2014/main" id="{5B1036F7-4980-4764-9455-D4D1404F7E0A}"/>
+              </a:ext>
+            </a:extLst>
+          </p:cNvPr>
+          <p:cNvCxnSpPr>
+            <a:cxnSpLocks/>
+          </p:cNvCxnSpPr>
+          <p:nvPr/>
+        </p:nvCxnSpPr>
+        <p:spPr>
+          <a:xfrm>
+            <a:off x="8062246" y="1814690"/>
+            <a:ext cx="844197" cy="0"/>
+          </a:xfrm>
+          <a:prstGeom prst="straightConnector1">
+            <a:avLst/>
+          </a:prstGeom>
+          <a:ln>
+            <a:tailEnd type="triangle"/>
+          </a:ln>
+        </p:spPr>
+        <p:style>
+          <a:lnRef idx="1">
+            <a:schemeClr val="accent1"/>
+          </a:lnRef>
+          <a:fillRef idx="0">
+            <a:schemeClr val="accent1"/>
+          </a:fillRef>
+          <a:effectRef idx="0">
+            <a:schemeClr val="accent1"/>
+          </a:effectRef>
+          <a:fontRef idx="minor">
+            <a:schemeClr val="tx1"/>
+          </a:fontRef>
+        </p:style>
+      </p:cxnSp>
+      <p:cxnSp>
+        <p:nvCxnSpPr>
+          <p:cNvPr id="20" name="Straight Arrow Connector 19">
+            <a:extLst>
+              <a:ext uri="{FF2B5EF4-FFF2-40B4-BE49-F238E27FC236}">
+                <a16:creationId xmlns:a16="http://schemas.microsoft.com/office/drawing/2014/main" id="{CC06D41A-8B41-431E-BFB0-DBD6A5D7E382}"/>
+              </a:ext>
+            </a:extLst>
+          </p:cNvPr>
+          <p:cNvCxnSpPr>
+            <a:cxnSpLocks/>
+          </p:cNvCxnSpPr>
+          <p:nvPr/>
+        </p:nvCxnSpPr>
+        <p:spPr>
+          <a:xfrm>
+            <a:off x="10550108" y="2414659"/>
+            <a:ext cx="0" cy="535903"/>
+          </a:xfrm>
+          <a:prstGeom prst="straightConnector1">
+            <a:avLst/>
+          </a:prstGeom>
+          <a:ln>
+            <a:tailEnd type="triangle"/>
+          </a:ln>
+        </p:spPr>
+        <p:style>
+          <a:lnRef idx="1">
+            <a:schemeClr val="accent1"/>
+          </a:lnRef>
+          <a:fillRef idx="0">
+            <a:schemeClr val="accent1"/>
+          </a:fillRef>
+          <a:effectRef idx="0">
+            <a:schemeClr val="accent1"/>
+          </a:effectRef>
+          <a:fontRef idx="minor">
+            <a:schemeClr val="tx1"/>
+          </a:fontRef>
+        </p:style>
+      </p:cxnSp>
+      <p:cxnSp>
+        <p:nvCxnSpPr>
+          <p:cNvPr id="22" name="Straight Arrow Connector 21">
+            <a:extLst>
+              <a:ext uri="{FF2B5EF4-FFF2-40B4-BE49-F238E27FC236}">
+                <a16:creationId xmlns:a16="http://schemas.microsoft.com/office/drawing/2014/main" id="{5450194E-28FD-4E1C-B18F-A5749EDF6443}"/>
+              </a:ext>
+            </a:extLst>
+          </p:cNvPr>
+          <p:cNvCxnSpPr>
+            <a:cxnSpLocks/>
+          </p:cNvCxnSpPr>
+          <p:nvPr/>
+        </p:nvCxnSpPr>
+        <p:spPr>
+          <a:xfrm flipH="1">
+            <a:off x="8612020" y="3638745"/>
+            <a:ext cx="635000" cy="0"/>
+          </a:xfrm>
+          <a:prstGeom prst="straightConnector1">
+            <a:avLst/>
+          </a:prstGeom>
+          <a:ln>
+            <a:tailEnd type="triangle"/>
+          </a:ln>
+        </p:spPr>
+        <p:style>
+          <a:lnRef idx="1">
+            <a:schemeClr val="accent1"/>
+          </a:lnRef>
+          <a:fillRef idx="0">
+            <a:schemeClr val="accent1"/>
+          </a:fillRef>
+          <a:effectRef idx="0">
+            <a:schemeClr val="accent1"/>
+          </a:effectRef>
+          <a:fontRef idx="minor">
+            <a:schemeClr val="tx1"/>
+          </a:fontRef>
+        </p:style>
+      </p:cxnSp>
+      <p:cxnSp>
+        <p:nvCxnSpPr>
+          <p:cNvPr id="24" name="Straight Arrow Connector 23">
+            <a:extLst>
+              <a:ext uri="{FF2B5EF4-FFF2-40B4-BE49-F238E27FC236}">
+                <a16:creationId xmlns:a16="http://schemas.microsoft.com/office/drawing/2014/main" id="{BC401A7A-F17E-4FBB-A76B-57F57CE1BBEE}"/>
+              </a:ext>
+            </a:extLst>
+          </p:cNvPr>
+          <p:cNvCxnSpPr>
+            <a:cxnSpLocks/>
+          </p:cNvCxnSpPr>
+          <p:nvPr/>
+        </p:nvCxnSpPr>
+        <p:spPr>
+          <a:xfrm flipH="1" flipV="1">
+            <a:off x="4477166" y="3192111"/>
+            <a:ext cx="1671414" cy="137682"/>
+          </a:xfrm>
+          <a:prstGeom prst="straightConnector1">
+            <a:avLst/>
+          </a:prstGeom>
+          <a:ln>
+            <a:tailEnd type="triangle"/>
+          </a:ln>
+        </p:spPr>
+        <p:style>
+          <a:lnRef idx="1">
+            <a:schemeClr val="accent1"/>
+          </a:lnRef>
+          <a:fillRef idx="0">
+            <a:schemeClr val="accent1"/>
+          </a:fillRef>
+          <a:effectRef idx="0">
+            <a:schemeClr val="accent1"/>
+          </a:effectRef>
+          <a:fontRef idx="minor">
+            <a:schemeClr val="tx1"/>
+          </a:fontRef>
+        </p:style>
+      </p:cxnSp>
+      <p:sp>
+        <p:nvSpPr>
+          <p:cNvPr id="29" name="Flowchart: Data 28">
+            <a:extLst>
+              <a:ext uri="{FF2B5EF4-FFF2-40B4-BE49-F238E27FC236}">
+                <a16:creationId xmlns:a16="http://schemas.microsoft.com/office/drawing/2014/main" id="{229293EA-FBC9-4E58-AE90-1828B1364569}"/>
+              </a:ext>
+            </a:extLst>
+          </p:cNvPr>
+          <p:cNvSpPr/>
+          <p:nvPr/>
+        </p:nvSpPr>
+        <p:spPr>
+          <a:xfrm>
+            <a:off x="1469592" y="2775508"/>
+            <a:ext cx="3037415" cy="855386"/>
+          </a:xfrm>
+          <a:prstGeom prst="flowChartInputOutput">
+            <a:avLst/>
+          </a:prstGeom>
+        </p:spPr>
+        <p:style>
+          <a:lnRef idx="2">
+            <a:schemeClr val="accent1">
+              <a:shade val="50000"/>
+            </a:schemeClr>
+          </a:lnRef>
+          <a:fillRef idx="1">
+            <a:schemeClr val="accent1"/>
+          </a:fillRef>
+          <a:effectRef idx="0">
+            <a:schemeClr val="accent1"/>
+          </a:effectRef>
+          <a:fontRef idx="minor">
+            <a:schemeClr val="lt1"/>
+          </a:fontRef>
+        </p:style>
+        <p:txBody>
+          <a:bodyPr rtlCol="0" anchor="ctr"/>
+          <a:lstStyle/>
+          <a:p>
+            <a:pPr algn="ctr"/>
+            <a:r>
+              <a:rPr lang="en-US" dirty="0"/>
+              <a:t>If yes, display message that the answer was zero.</a:t>
+            </a:r>
+          </a:p>
+        </p:txBody>
+      </p:sp>
+      <p:sp>
+        <p:nvSpPr>
+          <p:cNvPr id="30" name="Flowchart: Data 29">
+            <a:extLst>
+              <a:ext uri="{FF2B5EF4-FFF2-40B4-BE49-F238E27FC236}">
+                <a16:creationId xmlns:a16="http://schemas.microsoft.com/office/drawing/2014/main" id="{64DDE505-F940-4390-B520-A5CC64B983C0}"/>
+              </a:ext>
+            </a:extLst>
+          </p:cNvPr>
+          <p:cNvSpPr/>
+          <p:nvPr/>
+        </p:nvSpPr>
+        <p:spPr>
+          <a:xfrm>
+            <a:off x="2510763" y="1421318"/>
+            <a:ext cx="2143866" cy="900891"/>
+          </a:xfrm>
+          <a:prstGeom prst="flowChartInputOutput">
+            <a:avLst/>
+          </a:prstGeom>
+        </p:spPr>
+        <p:style>
+          <a:lnRef idx="2">
+            <a:schemeClr val="accent1">
+              <a:shade val="50000"/>
+            </a:schemeClr>
+          </a:lnRef>
+          <a:fillRef idx="1">
+            <a:schemeClr val="accent1"/>
+          </a:fillRef>
+          <a:effectRef idx="0">
+            <a:schemeClr val="accent1"/>
+          </a:effectRef>
+          <a:fontRef idx="minor">
+            <a:schemeClr val="lt1"/>
+          </a:fontRef>
+        </p:style>
+        <p:txBody>
+          <a:bodyPr rtlCol="0" anchor="ctr"/>
+          <a:lstStyle/>
+          <a:p>
+            <a:pPr algn="ctr"/>
+            <a:r>
+              <a:rPr lang="en-US" dirty="0"/>
+              <a:t>Ask for any Number.</a:t>
+            </a:r>
+          </a:p>
+        </p:txBody>
+      </p:sp>
+      <p:cxnSp>
+        <p:nvCxnSpPr>
+          <p:cNvPr id="31" name="Straight Arrow Connector 30">
+            <a:extLst>
+              <a:ext uri="{FF2B5EF4-FFF2-40B4-BE49-F238E27FC236}">
+                <a16:creationId xmlns:a16="http://schemas.microsoft.com/office/drawing/2014/main" id="{A01869A9-0D33-4F2F-800B-760C38BE3EC6}"/>
+              </a:ext>
+            </a:extLst>
+          </p:cNvPr>
+          <p:cNvCxnSpPr>
+            <a:cxnSpLocks/>
+          </p:cNvCxnSpPr>
+          <p:nvPr/>
+        </p:nvCxnSpPr>
+        <p:spPr>
+          <a:xfrm>
+            <a:off x="1767023" y="1868997"/>
+            <a:ext cx="642270" cy="0"/>
+          </a:xfrm>
+          <a:prstGeom prst="straightConnector1">
+            <a:avLst/>
+          </a:prstGeom>
+          <a:ln>
+            <a:tailEnd type="triangle"/>
+          </a:ln>
+        </p:spPr>
+        <p:style>
+          <a:lnRef idx="1">
+            <a:schemeClr val="accent1"/>
+          </a:lnRef>
+          <a:fillRef idx="0">
+            <a:schemeClr val="accent1"/>
+          </a:fillRef>
+          <a:effectRef idx="0">
+            <a:schemeClr val="accent1"/>
+          </a:effectRef>
+          <a:fontRef idx="minor">
+            <a:schemeClr val="tx1"/>
+          </a:fontRef>
+        </p:style>
+      </p:cxnSp>
+      <p:sp>
+        <p:nvSpPr>
+          <p:cNvPr id="36" name="Flowchart: Process 35">
+            <a:extLst>
+              <a:ext uri="{FF2B5EF4-FFF2-40B4-BE49-F238E27FC236}">
+                <a16:creationId xmlns:a16="http://schemas.microsoft.com/office/drawing/2014/main" id="{EC634503-33CB-49CD-AE76-89DBF9A0DE62}"/>
+              </a:ext>
+            </a:extLst>
+          </p:cNvPr>
+          <p:cNvSpPr/>
+          <p:nvPr/>
+        </p:nvSpPr>
+        <p:spPr>
+          <a:xfrm>
+            <a:off x="1560351" y="4674355"/>
+            <a:ext cx="2432133" cy="876414"/>
+          </a:xfrm>
+          <a:prstGeom prst="flowChartProcess">
+            <a:avLst/>
+          </a:prstGeom>
+        </p:spPr>
+        <p:style>
+          <a:lnRef idx="2">
+            <a:schemeClr val="accent1">
+              <a:shade val="50000"/>
+            </a:schemeClr>
+          </a:lnRef>
+          <a:fillRef idx="1">
+            <a:schemeClr val="accent1"/>
+          </a:fillRef>
+          <a:effectRef idx="0">
+            <a:schemeClr val="accent1"/>
+          </a:effectRef>
+          <a:fontRef idx="minor">
+            <a:schemeClr val="lt1"/>
+          </a:fontRef>
+        </p:style>
+        <p:txBody>
+          <a:bodyPr rtlCol="0" anchor="ctr"/>
+          <a:lstStyle/>
+          <a:p>
+            <a:pPr algn="ctr"/>
+            <a:r>
+              <a:rPr lang="en-US" dirty="0"/>
+              <a:t>If no, multiply the 2 values.</a:t>
+            </a:r>
+          </a:p>
+          <a:p>
+            <a:pPr algn="ctr"/>
+            <a:r>
+              <a:rPr lang="en-US" dirty="0"/>
+              <a:t>Mult1 * mult2</a:t>
+            </a:r>
+          </a:p>
+        </p:txBody>
+      </p:sp>
+      <p:cxnSp>
+        <p:nvCxnSpPr>
+          <p:cNvPr id="53" name="Straight Arrow Connector 52">
+            <a:extLst>
+              <a:ext uri="{FF2B5EF4-FFF2-40B4-BE49-F238E27FC236}">
+                <a16:creationId xmlns:a16="http://schemas.microsoft.com/office/drawing/2014/main" id="{15B3D8AA-6A47-4373-ACE7-07A6F0EB6A37}"/>
+              </a:ext>
+            </a:extLst>
+          </p:cNvPr>
+          <p:cNvCxnSpPr>
+            <a:cxnSpLocks/>
+          </p:cNvCxnSpPr>
+          <p:nvPr/>
+        </p:nvCxnSpPr>
+        <p:spPr>
+          <a:xfrm flipH="1">
+            <a:off x="4262208" y="4036778"/>
+            <a:ext cx="2248506" cy="529847"/>
+          </a:xfrm>
+          <a:prstGeom prst="straightConnector1">
+            <a:avLst/>
+          </a:prstGeom>
+          <a:ln>
+            <a:tailEnd type="triangle"/>
+          </a:ln>
+        </p:spPr>
+        <p:style>
+          <a:lnRef idx="1">
+            <a:schemeClr val="accent1"/>
+          </a:lnRef>
+          <a:fillRef idx="0">
+            <a:schemeClr val="accent1"/>
+          </a:fillRef>
+          <a:effectRef idx="0">
+            <a:schemeClr val="accent1"/>
+          </a:effectRef>
+          <a:fontRef idx="minor">
+            <a:schemeClr val="tx1"/>
+          </a:fontRef>
+        </p:style>
+      </p:cxnSp>
+      <p:sp>
+        <p:nvSpPr>
+          <p:cNvPr id="23" name="Title 1">
+            <a:extLst>
+              <a:ext uri="{FF2B5EF4-FFF2-40B4-BE49-F238E27FC236}">
+                <a16:creationId xmlns:a16="http://schemas.microsoft.com/office/drawing/2014/main" id="{90BA5C66-E1B0-4B1F-A8EA-7B237757C04C}"/>
+              </a:ext>
+            </a:extLst>
+          </p:cNvPr>
+          <p:cNvSpPr txBox="1">
+            <a:spLocks/>
+          </p:cNvSpPr>
+          <p:nvPr/>
+        </p:nvSpPr>
+        <p:spPr>
+          <a:xfrm>
+            <a:off x="2409293" y="257808"/>
+            <a:ext cx="6837727" cy="1036032"/>
+          </a:xfrm>
+          <a:prstGeom prst="rect">
+            <a:avLst/>
+          </a:prstGeom>
+        </p:spPr>
+        <p:txBody>
+          <a:bodyPr vert="horz" lIns="91440" tIns="45720" rIns="91440" bIns="45720" rtlCol="0" anchor="b">
+            <a:normAutofit/>
+          </a:bodyPr>
+          <a:lstStyle>
+            <a:lvl1pPr algn="ctr" defTabSz="914400" rtl="0" eaLnBrk="1" latinLnBrk="0" hangingPunct="1">
+              <a:lnSpc>
+                <a:spcPct val="90000"/>
+              </a:lnSpc>
+              <a:spcBef>
+                <a:spcPct val="0"/>
+              </a:spcBef>
+              <a:buNone/>
+              <a:defRPr sz="6000" kern="1200">
+                <a:solidFill>
+                  <a:schemeClr val="tx1"/>
+                </a:solidFill>
+                <a:latin typeface="+mj-lt"/>
+                <a:ea typeface="+mj-ea"/>
+                <a:cs typeface="+mj-cs"/>
+              </a:defRPr>
+            </a:lvl1pPr>
+          </a:lstStyle>
+          <a:p>
+            <a:r>
+              <a:rPr lang="en-US" dirty="0"/>
+              <a:t>Multiply Two Values</a:t>
+            </a:r>
+          </a:p>
+        </p:txBody>
+      </p:sp>
+      <p:sp>
+        <p:nvSpPr>
+          <p:cNvPr id="25" name="Flowchart: Data 24">
+            <a:extLst>
+              <a:ext uri="{FF2B5EF4-FFF2-40B4-BE49-F238E27FC236}">
+                <a16:creationId xmlns:a16="http://schemas.microsoft.com/office/drawing/2014/main" id="{16AF2CFE-873B-4EFE-854E-19E0D2F90B9C}"/>
+              </a:ext>
+            </a:extLst>
+          </p:cNvPr>
+          <p:cNvSpPr/>
+          <p:nvPr/>
+        </p:nvSpPr>
+        <p:spPr>
+          <a:xfrm>
+            <a:off x="8925779" y="1386525"/>
+            <a:ext cx="2719667" cy="961816"/>
+          </a:xfrm>
+          <a:prstGeom prst="flowChartInputOutput">
+            <a:avLst/>
+          </a:prstGeom>
+        </p:spPr>
+        <p:style>
+          <a:lnRef idx="2">
+            <a:schemeClr val="accent1">
+              <a:shade val="50000"/>
+            </a:schemeClr>
+          </a:lnRef>
+          <a:fillRef idx="1">
+            <a:schemeClr val="accent1"/>
+          </a:fillRef>
+          <a:effectRef idx="0">
+            <a:schemeClr val="accent1"/>
+          </a:effectRef>
+          <a:fontRef idx="minor">
+            <a:schemeClr val="lt1"/>
+          </a:fontRef>
+        </p:style>
+        <p:txBody>
+          <a:bodyPr rtlCol="0" anchor="ctr"/>
+          <a:lstStyle/>
+          <a:p>
+            <a:pPr algn="ctr"/>
+            <a:r>
+              <a:rPr lang="en-US" dirty="0"/>
+              <a:t>Ask for another number.</a:t>
+            </a:r>
+          </a:p>
+        </p:txBody>
+      </p:sp>
+      <p:sp>
+        <p:nvSpPr>
+          <p:cNvPr id="27" name="Flowchart: Process 26">
+            <a:extLst>
+              <a:ext uri="{FF2B5EF4-FFF2-40B4-BE49-F238E27FC236}">
+                <a16:creationId xmlns:a16="http://schemas.microsoft.com/office/drawing/2014/main" id="{860238AE-8B77-414B-A98E-989B84F4D965}"/>
+              </a:ext>
+            </a:extLst>
+          </p:cNvPr>
+          <p:cNvSpPr/>
+          <p:nvPr/>
+        </p:nvSpPr>
+        <p:spPr>
+          <a:xfrm>
+            <a:off x="9718283" y="3091629"/>
+            <a:ext cx="1824199" cy="1005556"/>
+          </a:xfrm>
+          <a:prstGeom prst="flowChartProcess">
+            <a:avLst/>
+          </a:prstGeom>
+        </p:spPr>
+        <p:style>
+          <a:lnRef idx="2">
+            <a:schemeClr val="accent1">
+              <a:shade val="50000"/>
+            </a:schemeClr>
+          </a:lnRef>
+          <a:fillRef idx="1">
+            <a:schemeClr val="accent1"/>
+          </a:fillRef>
+          <a:effectRef idx="0">
+            <a:schemeClr val="accent1"/>
+          </a:effectRef>
+          <a:fontRef idx="minor">
+            <a:schemeClr val="lt1"/>
+          </a:fontRef>
+        </p:style>
+        <p:txBody>
+          <a:bodyPr rtlCol="0" anchor="ctr"/>
+          <a:lstStyle/>
+          <a:p>
+            <a:pPr algn="ctr"/>
+            <a:r>
+              <a:rPr lang="en-US" dirty="0"/>
+              <a:t>Store that into: </a:t>
+            </a:r>
+          </a:p>
+          <a:p>
+            <a:pPr algn="ctr"/>
+            <a:r>
+              <a:rPr lang="en-US" dirty="0"/>
+              <a:t>mult2</a:t>
+            </a:r>
+          </a:p>
+        </p:txBody>
+      </p:sp>
+      <p:sp>
+        <p:nvSpPr>
+          <p:cNvPr id="2" name="Flowchart: Decision 1">
+            <a:extLst>
+              <a:ext uri="{FF2B5EF4-FFF2-40B4-BE49-F238E27FC236}">
+                <a16:creationId xmlns:a16="http://schemas.microsoft.com/office/drawing/2014/main" id="{11CBE909-EC47-42D2-AA0B-CB62C09309E8}"/>
+              </a:ext>
+            </a:extLst>
+          </p:cNvPr>
+          <p:cNvSpPr/>
+          <p:nvPr/>
+        </p:nvSpPr>
+        <p:spPr>
+          <a:xfrm>
+            <a:off x="6446265" y="2723467"/>
+            <a:ext cx="1919786" cy="1691163"/>
+          </a:xfrm>
+          <a:prstGeom prst="flowChartDecision">
+            <a:avLst/>
+          </a:prstGeom>
+        </p:spPr>
+        <p:style>
+          <a:lnRef idx="2">
+            <a:schemeClr val="accent1">
+              <a:shade val="50000"/>
+            </a:schemeClr>
+          </a:lnRef>
+          <a:fillRef idx="1">
+            <a:schemeClr val="accent1"/>
+          </a:fillRef>
+          <a:effectRef idx="0">
+            <a:schemeClr val="accent1"/>
+          </a:effectRef>
+          <a:fontRef idx="minor">
+            <a:schemeClr val="lt1"/>
+          </a:fontRef>
+        </p:style>
+        <p:txBody>
+          <a:bodyPr rtlCol="0" anchor="ctr"/>
+          <a:lstStyle/>
+          <a:p>
+            <a:pPr algn="ctr"/>
+            <a:r>
+              <a:rPr lang="en-US" dirty="0"/>
+              <a:t>Was one number equal to zero?</a:t>
+            </a:r>
+          </a:p>
+        </p:txBody>
+      </p:sp>
+      <p:sp>
+        <p:nvSpPr>
+          <p:cNvPr id="32" name="Flowchart: Data 31">
+            <a:extLst>
+              <a:ext uri="{FF2B5EF4-FFF2-40B4-BE49-F238E27FC236}">
+                <a16:creationId xmlns:a16="http://schemas.microsoft.com/office/drawing/2014/main" id="{3F546175-30E6-4FA5-A44F-1706B494FC3F}"/>
+              </a:ext>
+            </a:extLst>
+          </p:cNvPr>
+          <p:cNvSpPr/>
+          <p:nvPr/>
+        </p:nvSpPr>
+        <p:spPr>
+          <a:xfrm>
+            <a:off x="5578287" y="5623618"/>
+            <a:ext cx="1864853" cy="839471"/>
+          </a:xfrm>
+          <a:prstGeom prst="flowChartInputOutput">
+            <a:avLst/>
+          </a:prstGeom>
+        </p:spPr>
+        <p:style>
+          <a:lnRef idx="2">
+            <a:schemeClr val="accent1">
+              <a:shade val="50000"/>
+            </a:schemeClr>
+          </a:lnRef>
+          <a:fillRef idx="1">
+            <a:schemeClr val="accent1"/>
+          </a:fillRef>
+          <a:effectRef idx="0">
+            <a:schemeClr val="accent1"/>
+          </a:effectRef>
+          <a:fontRef idx="minor">
+            <a:schemeClr val="lt1"/>
+          </a:fontRef>
+        </p:style>
+        <p:txBody>
+          <a:bodyPr rtlCol="0" anchor="ctr"/>
+          <a:lstStyle/>
+          <a:p>
+            <a:pPr algn="ctr"/>
+            <a:r>
+              <a:rPr lang="en-US" dirty="0"/>
+              <a:t>Print the result.</a:t>
+            </a:r>
+          </a:p>
+        </p:txBody>
+      </p:sp>
+      <p:cxnSp>
+        <p:nvCxnSpPr>
+          <p:cNvPr id="35" name="Straight Arrow Connector 34">
+            <a:extLst>
+              <a:ext uri="{FF2B5EF4-FFF2-40B4-BE49-F238E27FC236}">
+                <a16:creationId xmlns:a16="http://schemas.microsoft.com/office/drawing/2014/main" id="{0A5C33AD-F20D-4D35-8199-2998EB5904C0}"/>
+              </a:ext>
+            </a:extLst>
+          </p:cNvPr>
+          <p:cNvCxnSpPr>
+            <a:cxnSpLocks/>
+          </p:cNvCxnSpPr>
+          <p:nvPr/>
+        </p:nvCxnSpPr>
+        <p:spPr>
+          <a:xfrm>
+            <a:off x="4099958" y="5546498"/>
+            <a:ext cx="1352886" cy="295969"/>
+          </a:xfrm>
+          <a:prstGeom prst="straightConnector1">
+            <a:avLst/>
+          </a:prstGeom>
+          <a:ln>
+            <a:tailEnd type="triangle"/>
+          </a:ln>
+        </p:spPr>
+        <p:style>
+          <a:lnRef idx="1">
+            <a:schemeClr val="accent1"/>
+          </a:lnRef>
+          <a:fillRef idx="0">
+            <a:schemeClr val="accent1"/>
+          </a:fillRef>
+          <a:effectRef idx="0">
+            <a:schemeClr val="accent1"/>
+          </a:effectRef>
+          <a:fontRef idx="minor">
+            <a:schemeClr val="tx1"/>
+          </a:fontRef>
+        </p:style>
+      </p:cxnSp>
+      <p:cxnSp>
+        <p:nvCxnSpPr>
+          <p:cNvPr id="37" name="Straight Arrow Connector 36">
+            <a:extLst>
+              <a:ext uri="{FF2B5EF4-FFF2-40B4-BE49-F238E27FC236}">
+                <a16:creationId xmlns:a16="http://schemas.microsoft.com/office/drawing/2014/main" id="{32DD2BD0-3690-492B-82CE-784C2BDB33EC}"/>
+              </a:ext>
+            </a:extLst>
+          </p:cNvPr>
+          <p:cNvCxnSpPr>
+            <a:cxnSpLocks/>
+          </p:cNvCxnSpPr>
+          <p:nvPr/>
+        </p:nvCxnSpPr>
+        <p:spPr>
+          <a:xfrm>
+            <a:off x="7580046" y="5974647"/>
+            <a:ext cx="2050515" cy="0"/>
+          </a:xfrm>
+          <a:prstGeom prst="straightConnector1">
+            <a:avLst/>
+          </a:prstGeom>
+          <a:ln>
+            <a:tailEnd type="triangle"/>
+          </a:ln>
+        </p:spPr>
+        <p:style>
+          <a:lnRef idx="1">
+            <a:schemeClr val="accent1"/>
+          </a:lnRef>
+          <a:fillRef idx="0">
+            <a:schemeClr val="accent1"/>
+          </a:fillRef>
+          <a:effectRef idx="0">
+            <a:schemeClr val="accent1"/>
+          </a:effectRef>
+          <a:fontRef idx="minor">
+            <a:schemeClr val="tx1"/>
+          </a:fontRef>
+        </p:style>
+      </p:cxnSp>
+      <p:cxnSp>
+        <p:nvCxnSpPr>
+          <p:cNvPr id="39" name="Straight Arrow Connector 38">
+            <a:extLst>
+              <a:ext uri="{FF2B5EF4-FFF2-40B4-BE49-F238E27FC236}">
+                <a16:creationId xmlns:a16="http://schemas.microsoft.com/office/drawing/2014/main" id="{992BA01A-41A1-4217-AEB2-97029B8A8B93}"/>
+              </a:ext>
+            </a:extLst>
+          </p:cNvPr>
+          <p:cNvCxnSpPr>
+            <a:cxnSpLocks/>
+          </p:cNvCxnSpPr>
+          <p:nvPr/>
+        </p:nvCxnSpPr>
+        <p:spPr>
+          <a:xfrm>
+            <a:off x="4181933" y="3638745"/>
+            <a:ext cx="5555624" cy="1914672"/>
+          </a:xfrm>
+          <a:prstGeom prst="straightConnector1">
+            <a:avLst/>
+          </a:prstGeom>
+          <a:ln>
+            <a:tailEnd type="triangle"/>
+          </a:ln>
+        </p:spPr>
+        <p:style>
+          <a:lnRef idx="1">
+            <a:schemeClr val="accent1"/>
+          </a:lnRef>
+          <a:fillRef idx="0">
+            <a:schemeClr val="accent1"/>
+          </a:fillRef>
+          <a:effectRef idx="0">
+            <a:schemeClr val="accent1"/>
+          </a:effectRef>
+          <a:fontRef idx="minor">
+            <a:schemeClr val="tx1"/>
+          </a:fontRef>
+        </p:style>
+      </p:cxnSp>
+      <p:sp>
+        <p:nvSpPr>
+          <p:cNvPr id="26" name="Flowchart: Connector 25">
+            <a:extLst>
+              <a:ext uri="{FF2B5EF4-FFF2-40B4-BE49-F238E27FC236}">
+                <a16:creationId xmlns:a16="http://schemas.microsoft.com/office/drawing/2014/main" id="{168BEAC9-5C28-4087-8F60-13CBDC110E28}"/>
+              </a:ext>
+            </a:extLst>
+          </p:cNvPr>
+          <p:cNvSpPr/>
+          <p:nvPr/>
+        </p:nvSpPr>
+        <p:spPr>
+          <a:xfrm>
+            <a:off x="480968" y="1366219"/>
+            <a:ext cx="1079383" cy="931029"/>
+          </a:xfrm>
+          <a:prstGeom prst="flowChartConnector">
+            <a:avLst/>
+          </a:prstGeom>
+        </p:spPr>
+        <p:style>
+          <a:lnRef idx="2">
+            <a:schemeClr val="accent1">
+              <a:shade val="50000"/>
+            </a:schemeClr>
+          </a:lnRef>
+          <a:fillRef idx="1">
+            <a:schemeClr val="accent1"/>
+          </a:fillRef>
+          <a:effectRef idx="0">
+            <a:schemeClr val="accent1"/>
+          </a:effectRef>
+          <a:fontRef idx="minor">
+            <a:schemeClr val="lt1"/>
+          </a:fontRef>
+        </p:style>
+        <p:txBody>
+          <a:bodyPr rtlCol="0" anchor="ctr"/>
+          <a:lstStyle/>
+          <a:p>
+            <a:pPr algn="ctr"/>
+            <a:r>
+              <a:rPr lang="en-US" dirty="0"/>
+              <a:t>Begin</a:t>
+            </a:r>
+          </a:p>
+        </p:txBody>
+      </p:sp>
+      <p:sp>
+        <p:nvSpPr>
+          <p:cNvPr id="28" name="Flowchart: Connector 27">
+            <a:extLst>
+              <a:ext uri="{FF2B5EF4-FFF2-40B4-BE49-F238E27FC236}">
+                <a16:creationId xmlns:a16="http://schemas.microsoft.com/office/drawing/2014/main" id="{75693C81-A4E2-4743-BFEA-8055BD422499}"/>
+              </a:ext>
+            </a:extLst>
+          </p:cNvPr>
+          <p:cNvSpPr/>
+          <p:nvPr/>
+        </p:nvSpPr>
+        <p:spPr>
+          <a:xfrm>
+            <a:off x="10030136" y="5368955"/>
+            <a:ext cx="1194334" cy="1072696"/>
+          </a:xfrm>
+          <a:prstGeom prst="flowChartConnector">
+            <a:avLst/>
+          </a:prstGeom>
+        </p:spPr>
+        <p:style>
+          <a:lnRef idx="2">
+            <a:schemeClr val="accent1">
+              <a:shade val="50000"/>
+            </a:schemeClr>
+          </a:lnRef>
+          <a:fillRef idx="1">
+            <a:schemeClr val="accent1"/>
+          </a:fillRef>
+          <a:effectRef idx="0">
+            <a:schemeClr val="accent1"/>
+          </a:effectRef>
+          <a:fontRef idx="minor">
+            <a:schemeClr val="lt1"/>
+          </a:fontRef>
+        </p:style>
+        <p:txBody>
+          <a:bodyPr rtlCol="0" anchor="ctr"/>
+          <a:lstStyle/>
+          <a:p>
+            <a:pPr algn="ctr"/>
+            <a:r>
+              <a:rPr lang="en-US" dirty="0"/>
+              <a:t>End</a:t>
+            </a:r>
+          </a:p>
+        </p:txBody>
+      </p:sp>
+    </p:spTree>
+    <p:extLst>
+      <p:ext uri="{BB962C8B-B14F-4D97-AF65-F5344CB8AC3E}">
+        <p14:creationId xmlns:p14="http://schemas.microsoft.com/office/powerpoint/2010/main" val="1277218006"/>
+      </p:ext>
+    </p:extLst>
+  </p:cSld>
+  <p:clrMapOvr>
+    <a:masterClrMapping/>
+  </p:clrMapOvr>
+</p:sld>
+</file>
+
+<file path=ppt/slides/slide4.xml><?xml version="1.0" encoding="utf-8"?>
+<p:sld xmlns:a="http://schemas.openxmlformats.org/drawingml/2006/main" xmlns:r="http://schemas.openxmlformats.org/officeDocument/2006/relationships" xmlns:p="http://schemas.openxmlformats.org/presentationml/2006/main">
+  <p:cSld>
+    <p:spTree>
+      <p:nvGrpSpPr>
+        <p:cNvPr id="1" name=""/>
+        <p:cNvGrpSpPr/>
+        <p:nvPr/>
+      </p:nvGrpSpPr>
+      <p:grpSpPr>
+        <a:xfrm>
+          <a:off x="0" y="0"/>
+          <a:ext cx="0" cy="0"/>
+          <a:chOff x="0" y="0"/>
+          <a:chExt cx="0" cy="0"/>
+        </a:xfrm>
+      </p:grpSpPr>
+      <p:sp>
+        <p:nvSpPr>
+          <p:cNvPr id="5" name="Flowchart: Process 4">
+            <a:extLst>
+              <a:ext uri="{FF2B5EF4-FFF2-40B4-BE49-F238E27FC236}">
+                <a16:creationId xmlns:a16="http://schemas.microsoft.com/office/drawing/2014/main" id="{0AEB1780-148F-4F2B-932E-DC0023ADF291}"/>
+              </a:ext>
+            </a:extLst>
+          </p:cNvPr>
+          <p:cNvSpPr/>
+          <p:nvPr/>
+        </p:nvSpPr>
+        <p:spPr>
+          <a:xfrm>
+            <a:off x="6359487" y="1366219"/>
+            <a:ext cx="1824199" cy="1005556"/>
+          </a:xfrm>
+          <a:prstGeom prst="flowChartProcess">
+            <a:avLst/>
+          </a:prstGeom>
+        </p:spPr>
+        <p:style>
+          <a:lnRef idx="2">
+            <a:schemeClr val="accent1">
+              <a:shade val="50000"/>
+            </a:schemeClr>
+          </a:lnRef>
+          <a:fillRef idx="1">
+            <a:schemeClr val="accent1"/>
+          </a:fillRef>
+          <a:effectRef idx="0">
+            <a:schemeClr val="accent1"/>
+          </a:effectRef>
+          <a:fontRef idx="minor">
+            <a:schemeClr val="lt1"/>
+          </a:fontRef>
+        </p:style>
+        <p:txBody>
+          <a:bodyPr rtlCol="0" anchor="ctr"/>
+          <a:lstStyle/>
+          <a:p>
+            <a:pPr algn="ctr"/>
+            <a:r>
+              <a:rPr lang="en-US" dirty="0"/>
+              <a:t>Store that into: </a:t>
+            </a:r>
+          </a:p>
+          <a:p>
+            <a:pPr algn="ctr"/>
+            <a:r>
+              <a:rPr lang="en-US" dirty="0"/>
+              <a:t>div1</a:t>
+            </a:r>
+          </a:p>
+        </p:txBody>
+      </p:sp>
+      <p:cxnSp>
+        <p:nvCxnSpPr>
+          <p:cNvPr id="16" name="Straight Arrow Connector 15">
+            <a:extLst>
+              <a:ext uri="{FF2B5EF4-FFF2-40B4-BE49-F238E27FC236}">
+                <a16:creationId xmlns:a16="http://schemas.microsoft.com/office/drawing/2014/main" id="{DD9B2084-26BF-40BF-9CC9-FCF352CD9FEF}"/>
+              </a:ext>
+            </a:extLst>
+          </p:cNvPr>
+          <p:cNvCxnSpPr/>
+          <p:nvPr/>
+        </p:nvCxnSpPr>
+        <p:spPr>
+          <a:xfrm>
+            <a:off x="4918115" y="1868997"/>
+            <a:ext cx="914400" cy="0"/>
+          </a:xfrm>
+          <a:prstGeom prst="straightConnector1">
+            <a:avLst/>
+          </a:prstGeom>
+          <a:ln>
+            <a:tailEnd type="triangle"/>
+          </a:ln>
+        </p:spPr>
+        <p:style>
+          <a:lnRef idx="1">
+            <a:schemeClr val="accent1"/>
+          </a:lnRef>
+          <a:fillRef idx="0">
+            <a:schemeClr val="accent1"/>
+          </a:fillRef>
+          <a:effectRef idx="0">
+            <a:schemeClr val="accent1"/>
+          </a:effectRef>
+          <a:fontRef idx="minor">
+            <a:schemeClr val="tx1"/>
+          </a:fontRef>
+        </p:style>
+      </p:cxnSp>
+      <p:cxnSp>
+        <p:nvCxnSpPr>
+          <p:cNvPr id="18" name="Straight Arrow Connector 17">
+            <a:extLst>
+              <a:ext uri="{FF2B5EF4-FFF2-40B4-BE49-F238E27FC236}">
+                <a16:creationId xmlns:a16="http://schemas.microsoft.com/office/drawing/2014/main" id="{5B1036F7-4980-4764-9455-D4D1404F7E0A}"/>
+              </a:ext>
+            </a:extLst>
+          </p:cNvPr>
+          <p:cNvCxnSpPr>
+            <a:cxnSpLocks/>
+          </p:cNvCxnSpPr>
+          <p:nvPr/>
+        </p:nvCxnSpPr>
+        <p:spPr>
+          <a:xfrm>
+            <a:off x="8402823" y="1841605"/>
+            <a:ext cx="844197" cy="0"/>
+          </a:xfrm>
+          <a:prstGeom prst="straightConnector1">
+            <a:avLst/>
+          </a:prstGeom>
+          <a:ln>
+            <a:tailEnd type="triangle"/>
+          </a:ln>
+        </p:spPr>
+        <p:style>
+          <a:lnRef idx="1">
+            <a:schemeClr val="accent1"/>
+          </a:lnRef>
+          <a:fillRef idx="0">
+            <a:schemeClr val="accent1"/>
+          </a:fillRef>
+          <a:effectRef idx="0">
+            <a:schemeClr val="accent1"/>
+          </a:effectRef>
+          <a:fontRef idx="minor">
+            <a:schemeClr val="tx1"/>
+          </a:fontRef>
+        </p:style>
+      </p:cxnSp>
+      <p:cxnSp>
+        <p:nvCxnSpPr>
+          <p:cNvPr id="20" name="Straight Arrow Connector 19">
+            <a:extLst>
+              <a:ext uri="{FF2B5EF4-FFF2-40B4-BE49-F238E27FC236}">
+                <a16:creationId xmlns:a16="http://schemas.microsoft.com/office/drawing/2014/main" id="{CC06D41A-8B41-431E-BFB0-DBD6A5D7E382}"/>
+              </a:ext>
+            </a:extLst>
+          </p:cNvPr>
+          <p:cNvCxnSpPr>
+            <a:cxnSpLocks/>
+          </p:cNvCxnSpPr>
+          <p:nvPr/>
+        </p:nvCxnSpPr>
+        <p:spPr>
+          <a:xfrm>
+            <a:off x="10550108" y="2414659"/>
+            <a:ext cx="0" cy="535903"/>
+          </a:xfrm>
+          <a:prstGeom prst="straightConnector1">
+            <a:avLst/>
+          </a:prstGeom>
+          <a:ln>
+            <a:tailEnd type="triangle"/>
+          </a:ln>
+        </p:spPr>
+        <p:style>
+          <a:lnRef idx="1">
+            <a:schemeClr val="accent1"/>
+          </a:lnRef>
+          <a:fillRef idx="0">
+            <a:schemeClr val="accent1"/>
+          </a:fillRef>
+          <a:effectRef idx="0">
+            <a:schemeClr val="accent1"/>
+          </a:effectRef>
+          <a:fontRef idx="minor">
+            <a:schemeClr val="tx1"/>
+          </a:fontRef>
+        </p:style>
+      </p:cxnSp>
+      <p:cxnSp>
+        <p:nvCxnSpPr>
+          <p:cNvPr id="22" name="Straight Arrow Connector 21">
+            <a:extLst>
+              <a:ext uri="{FF2B5EF4-FFF2-40B4-BE49-F238E27FC236}">
+                <a16:creationId xmlns:a16="http://schemas.microsoft.com/office/drawing/2014/main" id="{5450194E-28FD-4E1C-B18F-A5749EDF6443}"/>
+              </a:ext>
+            </a:extLst>
+          </p:cNvPr>
+          <p:cNvCxnSpPr>
+            <a:cxnSpLocks/>
+          </p:cNvCxnSpPr>
+          <p:nvPr/>
+        </p:nvCxnSpPr>
+        <p:spPr>
+          <a:xfrm flipH="1">
+            <a:off x="8612020" y="3638745"/>
+            <a:ext cx="635000" cy="0"/>
+          </a:xfrm>
+          <a:prstGeom prst="straightConnector1">
+            <a:avLst/>
+          </a:prstGeom>
+          <a:ln>
+            <a:tailEnd type="triangle"/>
+          </a:ln>
+        </p:spPr>
+        <p:style>
+          <a:lnRef idx="1">
+            <a:schemeClr val="accent1"/>
+          </a:lnRef>
+          <a:fillRef idx="0">
+            <a:schemeClr val="accent1"/>
+          </a:fillRef>
+          <a:effectRef idx="0">
+            <a:schemeClr val="accent1"/>
+          </a:effectRef>
+          <a:fontRef idx="minor">
+            <a:schemeClr val="tx1"/>
+          </a:fontRef>
+        </p:style>
+      </p:cxnSp>
+      <p:cxnSp>
+        <p:nvCxnSpPr>
+          <p:cNvPr id="24" name="Straight Arrow Connector 23">
+            <a:extLst>
+              <a:ext uri="{FF2B5EF4-FFF2-40B4-BE49-F238E27FC236}">
+                <a16:creationId xmlns:a16="http://schemas.microsoft.com/office/drawing/2014/main" id="{BC401A7A-F17E-4FBB-A76B-57F57CE1BBEE}"/>
+              </a:ext>
+            </a:extLst>
+          </p:cNvPr>
+          <p:cNvCxnSpPr>
+            <a:cxnSpLocks/>
+          </p:cNvCxnSpPr>
+          <p:nvPr/>
+        </p:nvCxnSpPr>
+        <p:spPr>
+          <a:xfrm flipH="1" flipV="1">
+            <a:off x="4477166" y="3192111"/>
+            <a:ext cx="1671414" cy="137682"/>
+          </a:xfrm>
+          <a:prstGeom prst="straightConnector1">
+            <a:avLst/>
+          </a:prstGeom>
+          <a:ln>
+            <a:tailEnd type="triangle"/>
+          </a:ln>
+        </p:spPr>
+        <p:style>
+          <a:lnRef idx="1">
+            <a:schemeClr val="accent1"/>
+          </a:lnRef>
+          <a:fillRef idx="0">
+            <a:schemeClr val="accent1"/>
+          </a:fillRef>
+          <a:effectRef idx="0">
+            <a:schemeClr val="accent1"/>
+          </a:effectRef>
+          <a:fontRef idx="minor">
+            <a:schemeClr val="tx1"/>
+          </a:fontRef>
+        </p:style>
+      </p:cxnSp>
+      <p:sp>
+        <p:nvSpPr>
+          <p:cNvPr id="29" name="Flowchart: Data 28">
+            <a:extLst>
+              <a:ext uri="{FF2B5EF4-FFF2-40B4-BE49-F238E27FC236}">
+                <a16:creationId xmlns:a16="http://schemas.microsoft.com/office/drawing/2014/main" id="{229293EA-FBC9-4E58-AE90-1828B1364569}"/>
+              </a:ext>
+            </a:extLst>
+          </p:cNvPr>
+          <p:cNvSpPr/>
+          <p:nvPr/>
+        </p:nvSpPr>
+        <p:spPr>
+          <a:xfrm>
+            <a:off x="745026" y="2643253"/>
+            <a:ext cx="3624645" cy="1036032"/>
+          </a:xfrm>
+          <a:prstGeom prst="flowChartInputOutput">
+            <a:avLst/>
+          </a:prstGeom>
+        </p:spPr>
+        <p:style>
+          <a:lnRef idx="2">
+            <a:schemeClr val="accent1">
+              <a:shade val="50000"/>
+            </a:schemeClr>
+          </a:lnRef>
+          <a:fillRef idx="1">
+            <a:schemeClr val="accent1"/>
+          </a:fillRef>
+          <a:effectRef idx="0">
+            <a:schemeClr val="accent1"/>
+          </a:effectRef>
+          <a:fontRef idx="minor">
+            <a:schemeClr val="lt1"/>
+          </a:fontRef>
+        </p:style>
+        <p:txBody>
+          <a:bodyPr rtlCol="0" anchor="ctr"/>
+          <a:lstStyle/>
+          <a:p>
+            <a:pPr algn="ctr"/>
+            <a:r>
+              <a:rPr lang="en-US" dirty="0"/>
+              <a:t>If yes, display message that we can’t divide by zero.</a:t>
+            </a:r>
+          </a:p>
+        </p:txBody>
+      </p:sp>
+      <p:sp>
+        <p:nvSpPr>
+          <p:cNvPr id="30" name="Flowchart: Data 29">
+            <a:extLst>
+              <a:ext uri="{FF2B5EF4-FFF2-40B4-BE49-F238E27FC236}">
+                <a16:creationId xmlns:a16="http://schemas.microsoft.com/office/drawing/2014/main" id="{64DDE505-F940-4390-B520-A5CC64B983C0}"/>
+              </a:ext>
+            </a:extLst>
+          </p:cNvPr>
+          <p:cNvSpPr/>
+          <p:nvPr/>
+        </p:nvSpPr>
+        <p:spPr>
+          <a:xfrm>
+            <a:off x="2741532" y="1409103"/>
+            <a:ext cx="2176583" cy="800014"/>
+          </a:xfrm>
+          <a:prstGeom prst="flowChartInputOutput">
+            <a:avLst/>
+          </a:prstGeom>
+        </p:spPr>
+        <p:style>
+          <a:lnRef idx="2">
+            <a:schemeClr val="accent1">
+              <a:shade val="50000"/>
+            </a:schemeClr>
+          </a:lnRef>
+          <a:fillRef idx="1">
+            <a:schemeClr val="accent1"/>
+          </a:fillRef>
+          <a:effectRef idx="0">
+            <a:schemeClr val="accent1"/>
+          </a:effectRef>
+          <a:fontRef idx="minor">
+            <a:schemeClr val="lt1"/>
+          </a:fontRef>
+        </p:style>
+        <p:txBody>
+          <a:bodyPr rtlCol="0" anchor="ctr"/>
+          <a:lstStyle/>
+          <a:p>
+            <a:pPr algn="ctr"/>
+            <a:r>
+              <a:rPr lang="en-US" dirty="0"/>
+              <a:t>Ask for any Number.</a:t>
+            </a:r>
+          </a:p>
+        </p:txBody>
+      </p:sp>
+      <p:cxnSp>
+        <p:nvCxnSpPr>
+          <p:cNvPr id="31" name="Straight Arrow Connector 30">
+            <a:extLst>
+              <a:ext uri="{FF2B5EF4-FFF2-40B4-BE49-F238E27FC236}">
+                <a16:creationId xmlns:a16="http://schemas.microsoft.com/office/drawing/2014/main" id="{A01869A9-0D33-4F2F-800B-760C38BE3EC6}"/>
+              </a:ext>
+            </a:extLst>
+          </p:cNvPr>
+          <p:cNvCxnSpPr>
+            <a:cxnSpLocks/>
+          </p:cNvCxnSpPr>
+          <p:nvPr/>
+        </p:nvCxnSpPr>
+        <p:spPr>
+          <a:xfrm>
+            <a:off x="1741856" y="1887109"/>
+            <a:ext cx="925843" cy="0"/>
+          </a:xfrm>
+          <a:prstGeom prst="straightConnector1">
+            <a:avLst/>
+          </a:prstGeom>
+          <a:ln>
+            <a:tailEnd type="triangle"/>
+          </a:ln>
+        </p:spPr>
+        <p:style>
+          <a:lnRef idx="1">
+            <a:schemeClr val="accent1"/>
+          </a:lnRef>
+          <a:fillRef idx="0">
+            <a:schemeClr val="accent1"/>
+          </a:fillRef>
+          <a:effectRef idx="0">
+            <a:schemeClr val="accent1"/>
+          </a:effectRef>
+          <a:fontRef idx="minor">
+            <a:schemeClr val="tx1"/>
+          </a:fontRef>
+        </p:style>
+      </p:cxnSp>
+      <p:sp>
+        <p:nvSpPr>
+          <p:cNvPr id="36" name="Flowchart: Process 35">
+            <a:extLst>
+              <a:ext uri="{FF2B5EF4-FFF2-40B4-BE49-F238E27FC236}">
+                <a16:creationId xmlns:a16="http://schemas.microsoft.com/office/drawing/2014/main" id="{EC634503-33CB-49CD-AE76-89DBF9A0DE62}"/>
+              </a:ext>
+            </a:extLst>
+          </p:cNvPr>
+          <p:cNvSpPr/>
+          <p:nvPr/>
+        </p:nvSpPr>
+        <p:spPr>
+          <a:xfrm>
+            <a:off x="2204777" y="4772692"/>
+            <a:ext cx="2432133" cy="876414"/>
+          </a:xfrm>
+          <a:prstGeom prst="flowChartProcess">
+            <a:avLst/>
+          </a:prstGeom>
+        </p:spPr>
+        <p:style>
+          <a:lnRef idx="2">
+            <a:schemeClr val="accent1">
+              <a:shade val="50000"/>
+            </a:schemeClr>
+          </a:lnRef>
+          <a:fillRef idx="1">
+            <a:schemeClr val="accent1"/>
+          </a:fillRef>
+          <a:effectRef idx="0">
+            <a:schemeClr val="accent1"/>
+          </a:effectRef>
+          <a:fontRef idx="minor">
+            <a:schemeClr val="lt1"/>
+          </a:fontRef>
+        </p:style>
+        <p:txBody>
+          <a:bodyPr rtlCol="0" anchor="ctr"/>
+          <a:lstStyle/>
+          <a:p>
+            <a:pPr algn="ctr"/>
+            <a:r>
+              <a:rPr lang="en-US" dirty="0"/>
+              <a:t>If no, divide the 2 values.</a:t>
+            </a:r>
+          </a:p>
+          <a:p>
+            <a:pPr algn="ctr"/>
+            <a:r>
+              <a:rPr lang="en-US" dirty="0"/>
+              <a:t>div1 / div2</a:t>
+            </a:r>
+          </a:p>
+        </p:txBody>
+      </p:sp>
+      <p:cxnSp>
+        <p:nvCxnSpPr>
+          <p:cNvPr id="53" name="Straight Arrow Connector 52">
+            <a:extLst>
+              <a:ext uri="{FF2B5EF4-FFF2-40B4-BE49-F238E27FC236}">
+                <a16:creationId xmlns:a16="http://schemas.microsoft.com/office/drawing/2014/main" id="{15B3D8AA-6A47-4373-ACE7-07A6F0EB6A37}"/>
+              </a:ext>
+            </a:extLst>
+          </p:cNvPr>
+          <p:cNvCxnSpPr>
+            <a:cxnSpLocks/>
+          </p:cNvCxnSpPr>
+          <p:nvPr/>
+        </p:nvCxnSpPr>
+        <p:spPr>
+          <a:xfrm flipH="1">
+            <a:off x="4980758" y="4036778"/>
+            <a:ext cx="1529955" cy="589701"/>
+          </a:xfrm>
+          <a:prstGeom prst="straightConnector1">
+            <a:avLst/>
+          </a:prstGeom>
+          <a:ln>
+            <a:tailEnd type="triangle"/>
+          </a:ln>
+        </p:spPr>
+        <p:style>
+          <a:lnRef idx="1">
+            <a:schemeClr val="accent1"/>
+          </a:lnRef>
+          <a:fillRef idx="0">
+            <a:schemeClr val="accent1"/>
+          </a:fillRef>
+          <a:effectRef idx="0">
+            <a:schemeClr val="accent1"/>
+          </a:effectRef>
+          <a:fontRef idx="minor">
+            <a:schemeClr val="tx1"/>
+          </a:fontRef>
+        </p:style>
+      </p:cxnSp>
+      <p:sp>
+        <p:nvSpPr>
+          <p:cNvPr id="23" name="Title 1">
+            <a:extLst>
+              <a:ext uri="{FF2B5EF4-FFF2-40B4-BE49-F238E27FC236}">
+                <a16:creationId xmlns:a16="http://schemas.microsoft.com/office/drawing/2014/main" id="{90BA5C66-E1B0-4B1F-A8EA-7B237757C04C}"/>
+              </a:ext>
+            </a:extLst>
+          </p:cNvPr>
+          <p:cNvSpPr txBox="1">
+            <a:spLocks/>
+          </p:cNvSpPr>
+          <p:nvPr/>
+        </p:nvSpPr>
+        <p:spPr>
+          <a:xfrm>
+            <a:off x="2409293" y="257808"/>
+            <a:ext cx="6837727" cy="1036032"/>
+          </a:xfrm>
+          <a:prstGeom prst="rect">
+            <a:avLst/>
+          </a:prstGeom>
+        </p:spPr>
+        <p:txBody>
+          <a:bodyPr vert="horz" lIns="91440" tIns="45720" rIns="91440" bIns="45720" rtlCol="0" anchor="b">
+            <a:normAutofit/>
+          </a:bodyPr>
+          <a:lstStyle>
+            <a:lvl1pPr algn="ctr" defTabSz="914400" rtl="0" eaLnBrk="1" latinLnBrk="0" hangingPunct="1">
+              <a:lnSpc>
+                <a:spcPct val="90000"/>
+              </a:lnSpc>
+              <a:spcBef>
+                <a:spcPct val="0"/>
+              </a:spcBef>
+              <a:buNone/>
+              <a:defRPr sz="6000" kern="1200">
+                <a:solidFill>
+                  <a:schemeClr val="tx1"/>
+                </a:solidFill>
+                <a:latin typeface="+mj-lt"/>
+                <a:ea typeface="+mj-ea"/>
+                <a:cs typeface="+mj-cs"/>
+              </a:defRPr>
+            </a:lvl1pPr>
+          </a:lstStyle>
+          <a:p>
+            <a:r>
+              <a:rPr lang="en-US" dirty="0"/>
+              <a:t>Divide Two Values</a:t>
+            </a:r>
+          </a:p>
+        </p:txBody>
+      </p:sp>
+      <p:sp>
+        <p:nvSpPr>
+          <p:cNvPr id="25" name="Flowchart: Data 24">
+            <a:extLst>
+              <a:ext uri="{FF2B5EF4-FFF2-40B4-BE49-F238E27FC236}">
+                <a16:creationId xmlns:a16="http://schemas.microsoft.com/office/drawing/2014/main" id="{16AF2CFE-873B-4EFE-854E-19E0D2F90B9C}"/>
+              </a:ext>
+            </a:extLst>
+          </p:cNvPr>
+          <p:cNvSpPr/>
+          <p:nvPr/>
+        </p:nvSpPr>
+        <p:spPr>
+          <a:xfrm>
+            <a:off x="9132376" y="1304583"/>
+            <a:ext cx="2835463" cy="1004700"/>
+          </a:xfrm>
+          <a:prstGeom prst="flowChartInputOutput">
+            <a:avLst/>
+          </a:prstGeom>
+        </p:spPr>
+        <p:style>
+          <a:lnRef idx="2">
+            <a:schemeClr val="accent1">
+              <a:shade val="50000"/>
+            </a:schemeClr>
+          </a:lnRef>
+          <a:fillRef idx="1">
+            <a:schemeClr val="accent1"/>
+          </a:fillRef>
+          <a:effectRef idx="0">
+            <a:schemeClr val="accent1"/>
+          </a:effectRef>
+          <a:fontRef idx="minor">
+            <a:schemeClr val="lt1"/>
+          </a:fontRef>
+        </p:style>
+        <p:txBody>
+          <a:bodyPr rtlCol="0" anchor="ctr"/>
+          <a:lstStyle/>
+          <a:p>
+            <a:pPr algn="ctr"/>
+            <a:r>
+              <a:rPr lang="en-US" dirty="0"/>
+              <a:t>Ask for another number.</a:t>
+            </a:r>
+          </a:p>
+        </p:txBody>
+      </p:sp>
+      <p:sp>
+        <p:nvSpPr>
+          <p:cNvPr id="27" name="Flowchart: Process 26">
+            <a:extLst>
+              <a:ext uri="{FF2B5EF4-FFF2-40B4-BE49-F238E27FC236}">
+                <a16:creationId xmlns:a16="http://schemas.microsoft.com/office/drawing/2014/main" id="{860238AE-8B77-414B-A98E-989B84F4D965}"/>
+              </a:ext>
+            </a:extLst>
+          </p:cNvPr>
+          <p:cNvSpPr/>
+          <p:nvPr/>
+        </p:nvSpPr>
+        <p:spPr>
+          <a:xfrm>
+            <a:off x="9416716" y="3063904"/>
+            <a:ext cx="1824199" cy="1005556"/>
+          </a:xfrm>
+          <a:prstGeom prst="flowChartProcess">
+            <a:avLst/>
+          </a:prstGeom>
+        </p:spPr>
+        <p:style>
+          <a:lnRef idx="2">
+            <a:schemeClr val="accent1">
+              <a:shade val="50000"/>
+            </a:schemeClr>
+          </a:lnRef>
+          <a:fillRef idx="1">
+            <a:schemeClr val="accent1"/>
+          </a:fillRef>
+          <a:effectRef idx="0">
+            <a:schemeClr val="accent1"/>
+          </a:effectRef>
+          <a:fontRef idx="minor">
+            <a:schemeClr val="lt1"/>
+          </a:fontRef>
+        </p:style>
+        <p:txBody>
+          <a:bodyPr rtlCol="0" anchor="ctr"/>
+          <a:lstStyle/>
+          <a:p>
+            <a:pPr algn="ctr"/>
+            <a:r>
+              <a:rPr lang="en-US" dirty="0"/>
+              <a:t>Store that into: </a:t>
+            </a:r>
+          </a:p>
+          <a:p>
+            <a:pPr algn="ctr"/>
+            <a:r>
+              <a:rPr lang="en-US" dirty="0"/>
+              <a:t>div2</a:t>
+            </a:r>
+          </a:p>
+        </p:txBody>
+      </p:sp>
+      <p:sp>
+        <p:nvSpPr>
+          <p:cNvPr id="2" name="Flowchart: Decision 1">
+            <a:extLst>
+              <a:ext uri="{FF2B5EF4-FFF2-40B4-BE49-F238E27FC236}">
+                <a16:creationId xmlns:a16="http://schemas.microsoft.com/office/drawing/2014/main" id="{11CBE909-EC47-42D2-AA0B-CB62C09309E8}"/>
+              </a:ext>
+            </a:extLst>
+          </p:cNvPr>
+          <p:cNvSpPr/>
+          <p:nvPr/>
+        </p:nvSpPr>
+        <p:spPr>
+          <a:xfrm>
+            <a:off x="6446265" y="2723467"/>
+            <a:ext cx="1919786" cy="1691163"/>
+          </a:xfrm>
+          <a:prstGeom prst="flowChartDecision">
+            <a:avLst/>
+          </a:prstGeom>
+        </p:spPr>
+        <p:style>
+          <a:lnRef idx="2">
+            <a:schemeClr val="accent1">
+              <a:shade val="50000"/>
+            </a:schemeClr>
+          </a:lnRef>
+          <a:fillRef idx="1">
+            <a:schemeClr val="accent1"/>
+          </a:fillRef>
+          <a:effectRef idx="0">
+            <a:schemeClr val="accent1"/>
+          </a:effectRef>
+          <a:fontRef idx="minor">
+            <a:schemeClr val="lt1"/>
+          </a:fontRef>
+        </p:style>
+        <p:txBody>
+          <a:bodyPr rtlCol="0" anchor="ctr"/>
+          <a:lstStyle/>
+          <a:p>
+            <a:pPr algn="ctr"/>
+            <a:r>
+              <a:rPr lang="en-US" dirty="0"/>
+              <a:t>Was div2 equal to zero?</a:t>
+            </a:r>
+          </a:p>
+        </p:txBody>
+      </p:sp>
+      <p:sp>
+        <p:nvSpPr>
+          <p:cNvPr id="32" name="Flowchart: Data 31">
+            <a:extLst>
+              <a:ext uri="{FF2B5EF4-FFF2-40B4-BE49-F238E27FC236}">
+                <a16:creationId xmlns:a16="http://schemas.microsoft.com/office/drawing/2014/main" id="{3F546175-30E6-4FA5-A44F-1706B494FC3F}"/>
+              </a:ext>
+            </a:extLst>
+          </p:cNvPr>
+          <p:cNvSpPr/>
+          <p:nvPr/>
+        </p:nvSpPr>
+        <p:spPr>
+          <a:xfrm>
+            <a:off x="5917898" y="5708522"/>
+            <a:ext cx="1864853" cy="839471"/>
+          </a:xfrm>
+          <a:prstGeom prst="flowChartInputOutput">
+            <a:avLst/>
+          </a:prstGeom>
+        </p:spPr>
+        <p:style>
+          <a:lnRef idx="2">
+            <a:schemeClr val="accent1">
+              <a:shade val="50000"/>
+            </a:schemeClr>
+          </a:lnRef>
+          <a:fillRef idx="1">
+            <a:schemeClr val="accent1"/>
+          </a:fillRef>
+          <a:effectRef idx="0">
+            <a:schemeClr val="accent1"/>
+          </a:effectRef>
+          <a:fontRef idx="minor">
+            <a:schemeClr val="lt1"/>
+          </a:fontRef>
+        </p:style>
+        <p:txBody>
+          <a:bodyPr rtlCol="0" anchor="ctr"/>
+          <a:lstStyle/>
+          <a:p>
+            <a:pPr algn="ctr"/>
+            <a:r>
+              <a:rPr lang="en-US" dirty="0"/>
+              <a:t>Print the result.</a:t>
+            </a:r>
+          </a:p>
+        </p:txBody>
+      </p:sp>
+      <p:cxnSp>
+        <p:nvCxnSpPr>
+          <p:cNvPr id="35" name="Straight Arrow Connector 34">
+            <a:extLst>
+              <a:ext uri="{FF2B5EF4-FFF2-40B4-BE49-F238E27FC236}">
+                <a16:creationId xmlns:a16="http://schemas.microsoft.com/office/drawing/2014/main" id="{0A5C33AD-F20D-4D35-8199-2998EB5904C0}"/>
+              </a:ext>
+            </a:extLst>
+          </p:cNvPr>
+          <p:cNvCxnSpPr>
+            <a:cxnSpLocks/>
+          </p:cNvCxnSpPr>
+          <p:nvPr/>
+        </p:nvCxnSpPr>
+        <p:spPr>
+          <a:xfrm>
+            <a:off x="4934651" y="5687353"/>
+            <a:ext cx="756444" cy="114884"/>
+          </a:xfrm>
+          <a:prstGeom prst="straightConnector1">
+            <a:avLst/>
+          </a:prstGeom>
+          <a:ln>
+            <a:tailEnd type="triangle"/>
+          </a:ln>
+        </p:spPr>
+        <p:style>
+          <a:lnRef idx="1">
+            <a:schemeClr val="accent1"/>
+          </a:lnRef>
+          <a:fillRef idx="0">
+            <a:schemeClr val="accent1"/>
+          </a:fillRef>
+          <a:effectRef idx="0">
+            <a:schemeClr val="accent1"/>
+          </a:effectRef>
+          <a:fontRef idx="minor">
+            <a:schemeClr val="tx1"/>
+          </a:fontRef>
+        </p:style>
+      </p:cxnSp>
+      <p:cxnSp>
+        <p:nvCxnSpPr>
+          <p:cNvPr id="37" name="Straight Arrow Connector 36">
+            <a:extLst>
+              <a:ext uri="{FF2B5EF4-FFF2-40B4-BE49-F238E27FC236}">
+                <a16:creationId xmlns:a16="http://schemas.microsoft.com/office/drawing/2014/main" id="{32DD2BD0-3690-492B-82CE-784C2BDB33EC}"/>
+              </a:ext>
+            </a:extLst>
+          </p:cNvPr>
+          <p:cNvCxnSpPr>
+            <a:cxnSpLocks/>
+          </p:cNvCxnSpPr>
+          <p:nvPr/>
+        </p:nvCxnSpPr>
+        <p:spPr>
+          <a:xfrm>
+            <a:off x="7782751" y="6002826"/>
+            <a:ext cx="1954806" cy="0"/>
+          </a:xfrm>
+          <a:prstGeom prst="straightConnector1">
+            <a:avLst/>
+          </a:prstGeom>
+          <a:ln>
+            <a:tailEnd type="triangle"/>
+          </a:ln>
+        </p:spPr>
+        <p:style>
+          <a:lnRef idx="1">
+            <a:schemeClr val="accent1"/>
+          </a:lnRef>
+          <a:fillRef idx="0">
+            <a:schemeClr val="accent1"/>
+          </a:fillRef>
+          <a:effectRef idx="0">
+            <a:schemeClr val="accent1"/>
+          </a:effectRef>
+          <a:fontRef idx="minor">
+            <a:schemeClr val="tx1"/>
+          </a:fontRef>
+        </p:style>
+      </p:cxnSp>
+      <p:cxnSp>
+        <p:nvCxnSpPr>
+          <p:cNvPr id="39" name="Straight Arrow Connector 38">
+            <a:extLst>
+              <a:ext uri="{FF2B5EF4-FFF2-40B4-BE49-F238E27FC236}">
+                <a16:creationId xmlns:a16="http://schemas.microsoft.com/office/drawing/2014/main" id="{992BA01A-41A1-4217-AEB2-97029B8A8B93}"/>
+              </a:ext>
+            </a:extLst>
+          </p:cNvPr>
+          <p:cNvCxnSpPr>
+            <a:cxnSpLocks/>
+          </p:cNvCxnSpPr>
+          <p:nvPr/>
+        </p:nvCxnSpPr>
+        <p:spPr>
+          <a:xfrm>
+            <a:off x="4181933" y="3638745"/>
+            <a:ext cx="5555624" cy="1914672"/>
+          </a:xfrm>
+          <a:prstGeom prst="straightConnector1">
+            <a:avLst/>
+          </a:prstGeom>
+          <a:ln>
+            <a:tailEnd type="triangle"/>
+          </a:ln>
+        </p:spPr>
+        <p:style>
+          <a:lnRef idx="1">
+            <a:schemeClr val="accent1"/>
+          </a:lnRef>
+          <a:fillRef idx="0">
+            <a:schemeClr val="accent1"/>
+          </a:fillRef>
+          <a:effectRef idx="0">
+            <a:schemeClr val="accent1"/>
+          </a:effectRef>
+          <a:fontRef idx="minor">
+            <a:schemeClr val="tx1"/>
+          </a:fontRef>
+        </p:style>
+      </p:cxnSp>
+      <p:sp>
+        <p:nvSpPr>
+          <p:cNvPr id="26" name="Flowchart: Connector 25">
+            <a:extLst>
+              <a:ext uri="{FF2B5EF4-FFF2-40B4-BE49-F238E27FC236}">
+                <a16:creationId xmlns:a16="http://schemas.microsoft.com/office/drawing/2014/main" id="{DECFF666-7C9E-4075-BB7D-D6C351B26E00}"/>
+              </a:ext>
+            </a:extLst>
+          </p:cNvPr>
+          <p:cNvSpPr/>
+          <p:nvPr/>
+        </p:nvSpPr>
+        <p:spPr>
+          <a:xfrm>
+            <a:off x="480968" y="1366219"/>
+            <a:ext cx="1056609" cy="931029"/>
+          </a:xfrm>
+          <a:prstGeom prst="flowChartConnector">
+            <a:avLst/>
+          </a:prstGeom>
+        </p:spPr>
+        <p:style>
+          <a:lnRef idx="2">
+            <a:schemeClr val="accent1">
+              <a:shade val="50000"/>
+            </a:schemeClr>
+          </a:lnRef>
+          <a:fillRef idx="1">
+            <a:schemeClr val="accent1"/>
+          </a:fillRef>
+          <a:effectRef idx="0">
+            <a:schemeClr val="accent1"/>
+          </a:effectRef>
+          <a:fontRef idx="minor">
+            <a:schemeClr val="lt1"/>
+          </a:fontRef>
+        </p:style>
+        <p:txBody>
+          <a:bodyPr rtlCol="0" anchor="ctr"/>
+          <a:lstStyle/>
+          <a:p>
+            <a:pPr algn="ctr"/>
+            <a:r>
+              <a:rPr lang="en-US" dirty="0"/>
+              <a:t>Begin</a:t>
+            </a:r>
+          </a:p>
+        </p:txBody>
+      </p:sp>
+      <p:sp>
+        <p:nvSpPr>
+          <p:cNvPr id="28" name="Flowchart: Connector 27">
+            <a:extLst>
+              <a:ext uri="{FF2B5EF4-FFF2-40B4-BE49-F238E27FC236}">
+                <a16:creationId xmlns:a16="http://schemas.microsoft.com/office/drawing/2014/main" id="{4C62931E-21F3-442F-894F-C326155BC960}"/>
+              </a:ext>
+            </a:extLst>
+          </p:cNvPr>
+          <p:cNvSpPr/>
+          <p:nvPr/>
+        </p:nvSpPr>
+        <p:spPr>
+          <a:xfrm>
+            <a:off x="10030136" y="5404363"/>
+            <a:ext cx="1210779" cy="1116465"/>
+          </a:xfrm>
+          <a:prstGeom prst="flowChartConnector">
+            <a:avLst/>
+          </a:prstGeom>
+        </p:spPr>
+        <p:style>
+          <a:lnRef idx="2">
+            <a:schemeClr val="accent1">
+              <a:shade val="50000"/>
+            </a:schemeClr>
+          </a:lnRef>
+          <a:fillRef idx="1">
+            <a:schemeClr val="accent1"/>
+          </a:fillRef>
+          <a:effectRef idx="0">
+            <a:schemeClr val="accent1"/>
+          </a:effectRef>
+          <a:fontRef idx="minor">
+            <a:schemeClr val="lt1"/>
+          </a:fontRef>
+        </p:style>
+        <p:txBody>
+          <a:bodyPr rtlCol="0" anchor="ctr"/>
+          <a:lstStyle/>
+          <a:p>
+            <a:pPr algn="ctr"/>
+            <a:r>
+              <a:rPr lang="en-US" dirty="0"/>
+              <a:t>End</a:t>
+            </a:r>
+          </a:p>
+        </p:txBody>
+      </p:sp>
+    </p:spTree>
+    <p:extLst>
+      <p:ext uri="{BB962C8B-B14F-4D97-AF65-F5344CB8AC3E}">
+        <p14:creationId xmlns:p14="http://schemas.microsoft.com/office/powerpoint/2010/main" val="2434853908"/>
+      </p:ext>
+    </p:extLst>
+  </p:cSld>
+  <p:clrMapOvr>
+    <a:masterClrMapping/>
+  </p:clrMapOvr>
+</p:sld>
+</file>
+
+<file path=ppt/slides/slide5.xml><?xml version="1.0" encoding="utf-8"?>
+<p:sld xmlns:a="http://schemas.openxmlformats.org/drawingml/2006/main" xmlns:r="http://schemas.openxmlformats.org/officeDocument/2006/relationships" xmlns:p="http://schemas.openxmlformats.org/presentationml/2006/main">
+  <p:cSld>
+    <p:spTree>
+      <p:nvGrpSpPr>
+        <p:cNvPr id="1" name=""/>
+        <p:cNvGrpSpPr/>
+        <p:nvPr/>
+      </p:nvGrpSpPr>
+      <p:grpSpPr>
+        <a:xfrm>
+          <a:off x="0" y="0"/>
+          <a:ext cx="0" cy="0"/>
+          <a:chOff x="0" y="0"/>
+          <a:chExt cx="0" cy="0"/>
+        </a:xfrm>
+      </p:grpSpPr>
+      <p:sp>
+        <p:nvSpPr>
+          <p:cNvPr id="5" name="Flowchart: Process 4">
+            <a:extLst>
+              <a:ext uri="{FF2B5EF4-FFF2-40B4-BE49-F238E27FC236}">
+                <a16:creationId xmlns:a16="http://schemas.microsoft.com/office/drawing/2014/main" id="{0AEB1780-148F-4F2B-932E-DC0023ADF291}"/>
+              </a:ext>
+            </a:extLst>
+          </p:cNvPr>
+          <p:cNvSpPr/>
+          <p:nvPr/>
+        </p:nvSpPr>
+        <p:spPr>
+          <a:xfrm>
+            <a:off x="6359487" y="1366219"/>
+            <a:ext cx="1824199" cy="1005556"/>
+          </a:xfrm>
+          <a:prstGeom prst="flowChartProcess">
+            <a:avLst/>
+          </a:prstGeom>
+        </p:spPr>
+        <p:style>
+          <a:lnRef idx="2">
+            <a:schemeClr val="accent1">
+              <a:shade val="50000"/>
+            </a:schemeClr>
+          </a:lnRef>
+          <a:fillRef idx="1">
+            <a:schemeClr val="accent1"/>
+          </a:fillRef>
+          <a:effectRef idx="0">
+            <a:schemeClr val="accent1"/>
+          </a:effectRef>
+          <a:fontRef idx="minor">
+            <a:schemeClr val="lt1"/>
+          </a:fontRef>
+        </p:style>
+        <p:txBody>
+          <a:bodyPr rtlCol="0" anchor="ctr"/>
+          <a:lstStyle/>
+          <a:p>
+            <a:pPr algn="ctr"/>
+            <a:r>
+              <a:rPr lang="en-US" dirty="0"/>
+              <a:t>Store that into: </a:t>
+            </a:r>
+          </a:p>
+          <a:p>
+            <a:pPr algn="ctr"/>
+            <a:r>
+              <a:rPr lang="en-US" dirty="0"/>
+              <a:t>compare1</a:t>
+            </a:r>
+          </a:p>
+        </p:txBody>
+      </p:sp>
+      <p:cxnSp>
+        <p:nvCxnSpPr>
+          <p:cNvPr id="16" name="Straight Arrow Connector 15">
+            <a:extLst>
+              <a:ext uri="{FF2B5EF4-FFF2-40B4-BE49-F238E27FC236}">
+                <a16:creationId xmlns:a16="http://schemas.microsoft.com/office/drawing/2014/main" id="{DD9B2084-26BF-40BF-9CC9-FCF352CD9FEF}"/>
+              </a:ext>
+            </a:extLst>
+          </p:cNvPr>
+          <p:cNvCxnSpPr/>
+          <p:nvPr/>
+        </p:nvCxnSpPr>
+        <p:spPr>
+          <a:xfrm>
+            <a:off x="5181600" y="1881802"/>
+            <a:ext cx="914400" cy="0"/>
+          </a:xfrm>
+          <a:prstGeom prst="straightConnector1">
+            <a:avLst/>
+          </a:prstGeom>
+          <a:ln>
+            <a:tailEnd type="triangle"/>
+          </a:ln>
+        </p:spPr>
+        <p:style>
+          <a:lnRef idx="1">
+            <a:schemeClr val="accent1"/>
+          </a:lnRef>
+          <a:fillRef idx="0">
+            <a:schemeClr val="accent1"/>
+          </a:fillRef>
+          <a:effectRef idx="0">
+            <a:schemeClr val="accent1"/>
+          </a:effectRef>
+          <a:fontRef idx="minor">
+            <a:schemeClr val="tx1"/>
+          </a:fontRef>
+        </p:style>
+      </p:cxnSp>
+      <p:cxnSp>
+        <p:nvCxnSpPr>
+          <p:cNvPr id="18" name="Straight Arrow Connector 17">
+            <a:extLst>
+              <a:ext uri="{FF2B5EF4-FFF2-40B4-BE49-F238E27FC236}">
+                <a16:creationId xmlns:a16="http://schemas.microsoft.com/office/drawing/2014/main" id="{5B1036F7-4980-4764-9455-D4D1404F7E0A}"/>
+              </a:ext>
+            </a:extLst>
+          </p:cNvPr>
+          <p:cNvCxnSpPr>
+            <a:cxnSpLocks/>
+          </p:cNvCxnSpPr>
+          <p:nvPr/>
+        </p:nvCxnSpPr>
+        <p:spPr>
+          <a:xfrm>
+            <a:off x="8402823" y="1841605"/>
+            <a:ext cx="844197" cy="0"/>
+          </a:xfrm>
+          <a:prstGeom prst="straightConnector1">
+            <a:avLst/>
+          </a:prstGeom>
+          <a:ln>
+            <a:tailEnd type="triangle"/>
+          </a:ln>
+        </p:spPr>
+        <p:style>
+          <a:lnRef idx="1">
+            <a:schemeClr val="accent1"/>
+          </a:lnRef>
+          <a:fillRef idx="0">
+            <a:schemeClr val="accent1"/>
+          </a:fillRef>
+          <a:effectRef idx="0">
+            <a:schemeClr val="accent1"/>
+          </a:effectRef>
+          <a:fontRef idx="minor">
+            <a:schemeClr val="tx1"/>
+          </a:fontRef>
+        </p:style>
+      </p:cxnSp>
+      <p:cxnSp>
+        <p:nvCxnSpPr>
+          <p:cNvPr id="20" name="Straight Arrow Connector 19">
+            <a:extLst>
+              <a:ext uri="{FF2B5EF4-FFF2-40B4-BE49-F238E27FC236}">
+                <a16:creationId xmlns:a16="http://schemas.microsoft.com/office/drawing/2014/main" id="{CC06D41A-8B41-431E-BFB0-DBD6A5D7E382}"/>
+              </a:ext>
+            </a:extLst>
+          </p:cNvPr>
+          <p:cNvCxnSpPr>
+            <a:cxnSpLocks/>
+          </p:cNvCxnSpPr>
+          <p:nvPr/>
+        </p:nvCxnSpPr>
+        <p:spPr>
+          <a:xfrm>
+            <a:off x="10550108" y="2414659"/>
+            <a:ext cx="0" cy="535903"/>
+          </a:xfrm>
+          <a:prstGeom prst="straightConnector1">
+            <a:avLst/>
+          </a:prstGeom>
+          <a:ln>
+            <a:tailEnd type="triangle"/>
+          </a:ln>
+        </p:spPr>
+        <p:style>
+          <a:lnRef idx="1">
+            <a:schemeClr val="accent1"/>
+          </a:lnRef>
+          <a:fillRef idx="0">
+            <a:schemeClr val="accent1"/>
+          </a:fillRef>
+          <a:effectRef idx="0">
+            <a:schemeClr val="accent1"/>
+          </a:effectRef>
+          <a:fontRef idx="minor">
+            <a:schemeClr val="tx1"/>
+          </a:fontRef>
+        </p:style>
+      </p:cxnSp>
+      <p:cxnSp>
+        <p:nvCxnSpPr>
+          <p:cNvPr id="22" name="Straight Arrow Connector 21">
+            <a:extLst>
+              <a:ext uri="{FF2B5EF4-FFF2-40B4-BE49-F238E27FC236}">
+                <a16:creationId xmlns:a16="http://schemas.microsoft.com/office/drawing/2014/main" id="{5450194E-28FD-4E1C-B18F-A5749EDF6443}"/>
+              </a:ext>
+            </a:extLst>
+          </p:cNvPr>
+          <p:cNvCxnSpPr>
+            <a:cxnSpLocks/>
+          </p:cNvCxnSpPr>
+          <p:nvPr/>
+        </p:nvCxnSpPr>
+        <p:spPr>
+          <a:xfrm flipH="1">
+            <a:off x="8612020" y="3638745"/>
+            <a:ext cx="635000" cy="0"/>
+          </a:xfrm>
+          <a:prstGeom prst="straightConnector1">
+            <a:avLst/>
+          </a:prstGeom>
+          <a:ln>
+            <a:tailEnd type="triangle"/>
+          </a:ln>
+        </p:spPr>
+        <p:style>
+          <a:lnRef idx="1">
+            <a:schemeClr val="accent1"/>
+          </a:lnRef>
+          <a:fillRef idx="0">
+            <a:schemeClr val="accent1"/>
+          </a:fillRef>
+          <a:effectRef idx="0">
+            <a:schemeClr val="accent1"/>
+          </a:effectRef>
+          <a:fontRef idx="minor">
+            <a:schemeClr val="tx1"/>
+          </a:fontRef>
+        </p:style>
+      </p:cxnSp>
+      <p:cxnSp>
+        <p:nvCxnSpPr>
+          <p:cNvPr id="24" name="Straight Arrow Connector 23">
+            <a:extLst>
+              <a:ext uri="{FF2B5EF4-FFF2-40B4-BE49-F238E27FC236}">
+                <a16:creationId xmlns:a16="http://schemas.microsoft.com/office/drawing/2014/main" id="{BC401A7A-F17E-4FBB-A76B-57F57CE1BBEE}"/>
+              </a:ext>
+            </a:extLst>
+          </p:cNvPr>
+          <p:cNvCxnSpPr>
+            <a:cxnSpLocks/>
+          </p:cNvCxnSpPr>
+          <p:nvPr/>
+        </p:nvCxnSpPr>
+        <p:spPr>
+          <a:xfrm flipH="1" flipV="1">
+            <a:off x="5249375" y="3034709"/>
+            <a:ext cx="1216714" cy="288157"/>
+          </a:xfrm>
+          <a:prstGeom prst="straightConnector1">
+            <a:avLst/>
+          </a:prstGeom>
+          <a:ln>
+            <a:tailEnd type="triangle"/>
+          </a:ln>
+        </p:spPr>
+        <p:style>
+          <a:lnRef idx="1">
+            <a:schemeClr val="accent1"/>
+          </a:lnRef>
+          <a:fillRef idx="0">
+            <a:schemeClr val="accent1"/>
+          </a:fillRef>
+          <a:effectRef idx="0">
+            <a:schemeClr val="accent1"/>
+          </a:effectRef>
+          <a:fontRef idx="minor">
+            <a:schemeClr val="tx1"/>
+          </a:fontRef>
+        </p:style>
+      </p:cxnSp>
+      <p:sp>
+        <p:nvSpPr>
+          <p:cNvPr id="29" name="Flowchart: Data 28">
+            <a:extLst>
+              <a:ext uri="{FF2B5EF4-FFF2-40B4-BE49-F238E27FC236}">
+                <a16:creationId xmlns:a16="http://schemas.microsoft.com/office/drawing/2014/main" id="{229293EA-FBC9-4E58-AE90-1828B1364569}"/>
+              </a:ext>
+            </a:extLst>
+          </p:cNvPr>
+          <p:cNvSpPr/>
+          <p:nvPr/>
+        </p:nvSpPr>
+        <p:spPr>
+          <a:xfrm>
+            <a:off x="1239770" y="2637598"/>
+            <a:ext cx="4009605" cy="822133"/>
+          </a:xfrm>
+          <a:prstGeom prst="flowChartInputOutput">
+            <a:avLst/>
+          </a:prstGeom>
+        </p:spPr>
+        <p:style>
+          <a:lnRef idx="2">
+            <a:schemeClr val="accent1">
+              <a:shade val="50000"/>
+            </a:schemeClr>
+          </a:lnRef>
+          <a:fillRef idx="1">
+            <a:schemeClr val="accent1"/>
+          </a:fillRef>
+          <a:effectRef idx="0">
+            <a:schemeClr val="accent1"/>
+          </a:effectRef>
+          <a:fontRef idx="minor">
+            <a:schemeClr val="lt1"/>
+          </a:fontRef>
+        </p:style>
+        <p:txBody>
+          <a:bodyPr rtlCol="0" anchor="ctr"/>
+          <a:lstStyle/>
+          <a:p>
+            <a:pPr algn="ctr"/>
+            <a:r>
+              <a:rPr lang="en-US" dirty="0"/>
+              <a:t>If yes, display message that Compare2 is greater than compare1.</a:t>
+            </a:r>
+          </a:p>
+        </p:txBody>
+      </p:sp>
+      <p:sp>
+        <p:nvSpPr>
+          <p:cNvPr id="30" name="Flowchart: Data 29">
+            <a:extLst>
+              <a:ext uri="{FF2B5EF4-FFF2-40B4-BE49-F238E27FC236}">
+                <a16:creationId xmlns:a16="http://schemas.microsoft.com/office/drawing/2014/main" id="{64DDE505-F940-4390-B520-A5CC64B983C0}"/>
+              </a:ext>
+            </a:extLst>
+          </p:cNvPr>
+          <p:cNvSpPr/>
+          <p:nvPr/>
+        </p:nvSpPr>
+        <p:spPr>
+          <a:xfrm>
+            <a:off x="2965866" y="1409103"/>
+            <a:ext cx="2101083" cy="1005556"/>
+          </a:xfrm>
+          <a:prstGeom prst="flowChartInputOutput">
+            <a:avLst/>
+          </a:prstGeom>
+        </p:spPr>
+        <p:style>
+          <a:lnRef idx="2">
+            <a:schemeClr val="accent1">
+              <a:shade val="50000"/>
+            </a:schemeClr>
+          </a:lnRef>
+          <a:fillRef idx="1">
+            <a:schemeClr val="accent1"/>
+          </a:fillRef>
+          <a:effectRef idx="0">
+            <a:schemeClr val="accent1"/>
+          </a:effectRef>
+          <a:fontRef idx="minor">
+            <a:schemeClr val="lt1"/>
+          </a:fontRef>
+        </p:style>
+        <p:txBody>
+          <a:bodyPr rtlCol="0" anchor="ctr"/>
+          <a:lstStyle/>
+          <a:p>
+            <a:pPr algn="ctr"/>
+            <a:r>
+              <a:rPr lang="en-US" dirty="0"/>
+              <a:t>Ask for any Number.</a:t>
+            </a:r>
+          </a:p>
+        </p:txBody>
+      </p:sp>
+      <p:cxnSp>
+        <p:nvCxnSpPr>
+          <p:cNvPr id="31" name="Straight Arrow Connector 30">
+            <a:extLst>
+              <a:ext uri="{FF2B5EF4-FFF2-40B4-BE49-F238E27FC236}">
+                <a16:creationId xmlns:a16="http://schemas.microsoft.com/office/drawing/2014/main" id="{A01869A9-0D33-4F2F-800B-760C38BE3EC6}"/>
+              </a:ext>
+            </a:extLst>
+          </p:cNvPr>
+          <p:cNvCxnSpPr>
+            <a:cxnSpLocks/>
+          </p:cNvCxnSpPr>
+          <p:nvPr/>
+        </p:nvCxnSpPr>
+        <p:spPr>
+          <a:xfrm>
+            <a:off x="1904301" y="1916249"/>
+            <a:ext cx="850623" cy="0"/>
           </a:xfrm>
           <a:prstGeom prst="straightConnector1">
             <a:avLst/>
@@ -4461,9 +9397,1507 @@
           <p:nvPr/>
         </p:nvCxnSpPr>
         <p:spPr>
-          <a:xfrm>
-            <a:off x="2622884" y="3778636"/>
-            <a:ext cx="0" cy="742728"/>
+          <a:xfrm flipH="1">
+            <a:off x="5771349" y="4019314"/>
+            <a:ext cx="694740" cy="543226"/>
+          </a:xfrm>
+          <a:prstGeom prst="straightConnector1">
+            <a:avLst/>
+          </a:prstGeom>
+          <a:ln>
+            <a:tailEnd type="triangle"/>
+          </a:ln>
+        </p:spPr>
+        <p:style>
+          <a:lnRef idx="1">
+            <a:schemeClr val="accent1"/>
+          </a:lnRef>
+          <a:fillRef idx="0">
+            <a:schemeClr val="accent1"/>
+          </a:fillRef>
+          <a:effectRef idx="0">
+            <a:schemeClr val="accent1"/>
+          </a:effectRef>
+          <a:fontRef idx="minor">
+            <a:schemeClr val="tx1"/>
+          </a:fontRef>
+        </p:style>
+      </p:cxnSp>
+      <p:sp>
+        <p:nvSpPr>
+          <p:cNvPr id="23" name="Title 1">
+            <a:extLst>
+              <a:ext uri="{FF2B5EF4-FFF2-40B4-BE49-F238E27FC236}">
+                <a16:creationId xmlns:a16="http://schemas.microsoft.com/office/drawing/2014/main" id="{90BA5C66-E1B0-4B1F-A8EA-7B237757C04C}"/>
+              </a:ext>
+            </a:extLst>
+          </p:cNvPr>
+          <p:cNvSpPr txBox="1">
+            <a:spLocks/>
+          </p:cNvSpPr>
+          <p:nvPr/>
+        </p:nvSpPr>
+        <p:spPr>
+          <a:xfrm>
+            <a:off x="2409293" y="257808"/>
+            <a:ext cx="6837727" cy="1036032"/>
+          </a:xfrm>
+          <a:prstGeom prst="rect">
+            <a:avLst/>
+          </a:prstGeom>
+        </p:spPr>
+        <p:txBody>
+          <a:bodyPr vert="horz" lIns="91440" tIns="45720" rIns="91440" bIns="45720" rtlCol="0" anchor="b">
+            <a:normAutofit/>
+          </a:bodyPr>
+          <a:lstStyle>
+            <a:lvl1pPr algn="ctr" defTabSz="914400" rtl="0" eaLnBrk="1" latinLnBrk="0" hangingPunct="1">
+              <a:lnSpc>
+                <a:spcPct val="90000"/>
+              </a:lnSpc>
+              <a:spcBef>
+                <a:spcPct val="0"/>
+              </a:spcBef>
+              <a:buNone/>
+              <a:defRPr sz="6000" kern="1200">
+                <a:solidFill>
+                  <a:schemeClr val="tx1"/>
+                </a:solidFill>
+                <a:latin typeface="+mj-lt"/>
+                <a:ea typeface="+mj-ea"/>
+                <a:cs typeface="+mj-cs"/>
+              </a:defRPr>
+            </a:lvl1pPr>
+          </a:lstStyle>
+          <a:p>
+            <a:r>
+              <a:rPr lang="en-US" dirty="0"/>
+              <a:t>Compare Two Values</a:t>
+            </a:r>
+          </a:p>
+        </p:txBody>
+      </p:sp>
+      <p:sp>
+        <p:nvSpPr>
+          <p:cNvPr id="25" name="Flowchart: Data 24">
+            <a:extLst>
+              <a:ext uri="{FF2B5EF4-FFF2-40B4-BE49-F238E27FC236}">
+                <a16:creationId xmlns:a16="http://schemas.microsoft.com/office/drawing/2014/main" id="{16AF2CFE-873B-4EFE-854E-19E0D2F90B9C}"/>
+              </a:ext>
+            </a:extLst>
+          </p:cNvPr>
+          <p:cNvSpPr/>
+          <p:nvPr/>
+        </p:nvSpPr>
+        <p:spPr>
+          <a:xfrm>
+            <a:off x="9510507" y="1330129"/>
+            <a:ext cx="2099055" cy="1005556"/>
+          </a:xfrm>
+          <a:prstGeom prst="flowChartInputOutput">
+            <a:avLst/>
+          </a:prstGeom>
+        </p:spPr>
+        <p:style>
+          <a:lnRef idx="2">
+            <a:schemeClr val="accent1">
+              <a:shade val="50000"/>
+            </a:schemeClr>
+          </a:lnRef>
+          <a:fillRef idx="1">
+            <a:schemeClr val="accent1"/>
+          </a:fillRef>
+          <a:effectRef idx="0">
+            <a:schemeClr val="accent1"/>
+          </a:effectRef>
+          <a:fontRef idx="minor">
+            <a:schemeClr val="lt1"/>
+          </a:fontRef>
+        </p:style>
+        <p:txBody>
+          <a:bodyPr rtlCol="0" anchor="ctr"/>
+          <a:lstStyle/>
+          <a:p>
+            <a:pPr algn="ctr"/>
+            <a:r>
+              <a:rPr lang="en-US" dirty="0"/>
+              <a:t>Ask for another number.</a:t>
+            </a:r>
+          </a:p>
+        </p:txBody>
+      </p:sp>
+      <p:sp>
+        <p:nvSpPr>
+          <p:cNvPr id="27" name="Flowchart: Process 26">
+            <a:extLst>
+              <a:ext uri="{FF2B5EF4-FFF2-40B4-BE49-F238E27FC236}">
+                <a16:creationId xmlns:a16="http://schemas.microsoft.com/office/drawing/2014/main" id="{860238AE-8B77-414B-A98E-989B84F4D965}"/>
+              </a:ext>
+            </a:extLst>
+          </p:cNvPr>
+          <p:cNvSpPr/>
+          <p:nvPr/>
+        </p:nvSpPr>
+        <p:spPr>
+          <a:xfrm>
+            <a:off x="9416716" y="3063904"/>
+            <a:ext cx="1824199" cy="1005556"/>
+          </a:xfrm>
+          <a:prstGeom prst="flowChartProcess">
+            <a:avLst/>
+          </a:prstGeom>
+        </p:spPr>
+        <p:style>
+          <a:lnRef idx="2">
+            <a:schemeClr val="accent1">
+              <a:shade val="50000"/>
+            </a:schemeClr>
+          </a:lnRef>
+          <a:fillRef idx="1">
+            <a:schemeClr val="accent1"/>
+          </a:fillRef>
+          <a:effectRef idx="0">
+            <a:schemeClr val="accent1"/>
+          </a:effectRef>
+          <a:fontRef idx="minor">
+            <a:schemeClr val="lt1"/>
+          </a:fontRef>
+        </p:style>
+        <p:txBody>
+          <a:bodyPr rtlCol="0" anchor="ctr"/>
+          <a:lstStyle/>
+          <a:p>
+            <a:pPr algn="ctr"/>
+            <a:r>
+              <a:rPr lang="en-US" dirty="0"/>
+              <a:t>Store that into: </a:t>
+            </a:r>
+          </a:p>
+          <a:p>
+            <a:pPr algn="ctr"/>
+            <a:r>
+              <a:rPr lang="en-US" dirty="0"/>
+              <a:t>compare2</a:t>
+            </a:r>
+          </a:p>
+        </p:txBody>
+      </p:sp>
+      <p:sp>
+        <p:nvSpPr>
+          <p:cNvPr id="2" name="Flowchart: Decision 1">
+            <a:extLst>
+              <a:ext uri="{FF2B5EF4-FFF2-40B4-BE49-F238E27FC236}">
+                <a16:creationId xmlns:a16="http://schemas.microsoft.com/office/drawing/2014/main" id="{11CBE909-EC47-42D2-AA0B-CB62C09309E8}"/>
+              </a:ext>
+            </a:extLst>
+          </p:cNvPr>
+          <p:cNvSpPr/>
+          <p:nvPr/>
+        </p:nvSpPr>
+        <p:spPr>
+          <a:xfrm>
+            <a:off x="6274639" y="2581249"/>
+            <a:ext cx="2252533" cy="2075075"/>
+          </a:xfrm>
+          <a:prstGeom prst="flowChartDecision">
+            <a:avLst/>
+          </a:prstGeom>
+        </p:spPr>
+        <p:style>
+          <a:lnRef idx="2">
+            <a:schemeClr val="accent1">
+              <a:shade val="50000"/>
+            </a:schemeClr>
+          </a:lnRef>
+          <a:fillRef idx="1">
+            <a:schemeClr val="accent1"/>
+          </a:fillRef>
+          <a:effectRef idx="0">
+            <a:schemeClr val="accent1"/>
+          </a:effectRef>
+          <a:fontRef idx="minor">
+            <a:schemeClr val="lt1"/>
+          </a:fontRef>
+        </p:style>
+        <p:txBody>
+          <a:bodyPr rtlCol="0" anchor="ctr"/>
+          <a:lstStyle/>
+          <a:p>
+            <a:pPr algn="ctr"/>
+            <a:r>
+              <a:rPr lang="en-US" dirty="0"/>
+              <a:t>Was compare2 &gt; compare 1?</a:t>
+            </a:r>
+          </a:p>
+        </p:txBody>
+      </p:sp>
+      <p:sp>
+        <p:nvSpPr>
+          <p:cNvPr id="32" name="Flowchart: Data 31">
+            <a:extLst>
+              <a:ext uri="{FF2B5EF4-FFF2-40B4-BE49-F238E27FC236}">
+                <a16:creationId xmlns:a16="http://schemas.microsoft.com/office/drawing/2014/main" id="{3F546175-30E6-4FA5-A44F-1706B494FC3F}"/>
+              </a:ext>
+            </a:extLst>
+          </p:cNvPr>
+          <p:cNvSpPr/>
+          <p:nvPr/>
+        </p:nvSpPr>
+        <p:spPr>
+          <a:xfrm>
+            <a:off x="6224957" y="5444654"/>
+            <a:ext cx="3786341" cy="932753"/>
+          </a:xfrm>
+          <a:prstGeom prst="flowChartInputOutput">
+            <a:avLst/>
+          </a:prstGeom>
+        </p:spPr>
+        <p:style>
+          <a:lnRef idx="2">
+            <a:schemeClr val="accent1">
+              <a:shade val="50000"/>
+            </a:schemeClr>
+          </a:lnRef>
+          <a:fillRef idx="1">
+            <a:schemeClr val="accent1"/>
+          </a:fillRef>
+          <a:effectRef idx="0">
+            <a:schemeClr val="accent1"/>
+          </a:effectRef>
+          <a:fontRef idx="minor">
+            <a:schemeClr val="lt1"/>
+          </a:fontRef>
+        </p:style>
+        <p:txBody>
+          <a:bodyPr rtlCol="0" anchor="ctr"/>
+          <a:lstStyle/>
+          <a:p>
+            <a:pPr algn="ctr"/>
+            <a:r>
+              <a:rPr lang="en-US" dirty="0"/>
+              <a:t>If no, display message that compare2 is less than compare1.</a:t>
+            </a:r>
+          </a:p>
+        </p:txBody>
+      </p:sp>
+      <p:cxnSp>
+        <p:nvCxnSpPr>
+          <p:cNvPr id="35" name="Straight Arrow Connector 34">
+            <a:extLst>
+              <a:ext uri="{FF2B5EF4-FFF2-40B4-BE49-F238E27FC236}">
+                <a16:creationId xmlns:a16="http://schemas.microsoft.com/office/drawing/2014/main" id="{0A5C33AD-F20D-4D35-8199-2998EB5904C0}"/>
+              </a:ext>
+            </a:extLst>
+          </p:cNvPr>
+          <p:cNvCxnSpPr>
+            <a:cxnSpLocks/>
+          </p:cNvCxnSpPr>
+          <p:nvPr/>
+        </p:nvCxnSpPr>
+        <p:spPr>
+          <a:xfrm flipH="1">
+            <a:off x="3531766" y="5075446"/>
+            <a:ext cx="207804" cy="0"/>
+          </a:xfrm>
+          <a:prstGeom prst="straightConnector1">
+            <a:avLst/>
+          </a:prstGeom>
+          <a:ln>
+            <a:tailEnd type="triangle"/>
+          </a:ln>
+        </p:spPr>
+        <p:style>
+          <a:lnRef idx="1">
+            <a:schemeClr val="accent1"/>
+          </a:lnRef>
+          <a:fillRef idx="0">
+            <a:schemeClr val="accent1"/>
+          </a:fillRef>
+          <a:effectRef idx="0">
+            <a:schemeClr val="accent1"/>
+          </a:effectRef>
+          <a:fontRef idx="minor">
+            <a:schemeClr val="tx1"/>
+          </a:fontRef>
+        </p:style>
+      </p:cxnSp>
+      <p:cxnSp>
+        <p:nvCxnSpPr>
+          <p:cNvPr id="37" name="Straight Arrow Connector 36">
+            <a:extLst>
+              <a:ext uri="{FF2B5EF4-FFF2-40B4-BE49-F238E27FC236}">
+                <a16:creationId xmlns:a16="http://schemas.microsoft.com/office/drawing/2014/main" id="{32DD2BD0-3690-492B-82CE-784C2BDB33EC}"/>
+              </a:ext>
+            </a:extLst>
+          </p:cNvPr>
+          <p:cNvCxnSpPr>
+            <a:cxnSpLocks/>
+          </p:cNvCxnSpPr>
+          <p:nvPr/>
+        </p:nvCxnSpPr>
+        <p:spPr>
+          <a:xfrm>
+            <a:off x="9817583" y="5962354"/>
+            <a:ext cx="643489" cy="0"/>
+          </a:xfrm>
+          <a:prstGeom prst="straightConnector1">
+            <a:avLst/>
+          </a:prstGeom>
+          <a:ln>
+            <a:tailEnd type="triangle"/>
+          </a:ln>
+        </p:spPr>
+        <p:style>
+          <a:lnRef idx="1">
+            <a:schemeClr val="accent1"/>
+          </a:lnRef>
+          <a:fillRef idx="0">
+            <a:schemeClr val="accent1"/>
+          </a:fillRef>
+          <a:effectRef idx="0">
+            <a:schemeClr val="accent1"/>
+          </a:effectRef>
+          <a:fontRef idx="minor">
+            <a:schemeClr val="tx1"/>
+          </a:fontRef>
+        </p:style>
+      </p:cxnSp>
+      <p:sp>
+        <p:nvSpPr>
+          <p:cNvPr id="26" name="Flowchart: Decision 25">
+            <a:extLst>
+              <a:ext uri="{FF2B5EF4-FFF2-40B4-BE49-F238E27FC236}">
+                <a16:creationId xmlns:a16="http://schemas.microsoft.com/office/drawing/2014/main" id="{6525A404-9AED-4292-A686-7314D53ECE01}"/>
+              </a:ext>
+            </a:extLst>
+          </p:cNvPr>
+          <p:cNvSpPr/>
+          <p:nvPr/>
+        </p:nvSpPr>
+        <p:spPr>
+          <a:xfrm>
+            <a:off x="3972424" y="4242253"/>
+            <a:ext cx="2252533" cy="1666386"/>
+          </a:xfrm>
+          <a:prstGeom prst="flowChartDecision">
+            <a:avLst/>
+          </a:prstGeom>
+        </p:spPr>
+        <p:style>
+          <a:lnRef idx="2">
+            <a:schemeClr val="accent1">
+              <a:shade val="50000"/>
+            </a:schemeClr>
+          </a:lnRef>
+          <a:fillRef idx="1">
+            <a:schemeClr val="accent1"/>
+          </a:fillRef>
+          <a:effectRef idx="0">
+            <a:schemeClr val="accent1"/>
+          </a:effectRef>
+          <a:fontRef idx="minor">
+            <a:schemeClr val="lt1"/>
+          </a:fontRef>
+        </p:style>
+        <p:txBody>
+          <a:bodyPr rtlCol="0" anchor="ctr"/>
+          <a:lstStyle/>
+          <a:p>
+            <a:pPr algn="ctr"/>
+            <a:r>
+              <a:rPr lang="en-US" dirty="0"/>
+              <a:t>Was compare2 equal to compare 1?</a:t>
+            </a:r>
+          </a:p>
+        </p:txBody>
+      </p:sp>
+      <p:sp>
+        <p:nvSpPr>
+          <p:cNvPr id="28" name="Flowchart: Data 27">
+            <a:extLst>
+              <a:ext uri="{FF2B5EF4-FFF2-40B4-BE49-F238E27FC236}">
+                <a16:creationId xmlns:a16="http://schemas.microsoft.com/office/drawing/2014/main" id="{6762CD25-73DE-4B04-837B-6A0C276C80CF}"/>
+              </a:ext>
+            </a:extLst>
+          </p:cNvPr>
+          <p:cNvSpPr/>
+          <p:nvPr/>
+        </p:nvSpPr>
+        <p:spPr>
+          <a:xfrm>
+            <a:off x="50486" y="4324966"/>
+            <a:ext cx="3798003" cy="1228987"/>
+          </a:xfrm>
+          <a:prstGeom prst="flowChartInputOutput">
+            <a:avLst/>
+          </a:prstGeom>
+        </p:spPr>
+        <p:style>
+          <a:lnRef idx="2">
+            <a:schemeClr val="accent1">
+              <a:shade val="50000"/>
+            </a:schemeClr>
+          </a:lnRef>
+          <a:fillRef idx="1">
+            <a:schemeClr val="accent1"/>
+          </a:fillRef>
+          <a:effectRef idx="0">
+            <a:schemeClr val="accent1"/>
+          </a:effectRef>
+          <a:fontRef idx="minor">
+            <a:schemeClr val="lt1"/>
+          </a:fontRef>
+        </p:style>
+        <p:txBody>
+          <a:bodyPr rtlCol="0" anchor="ctr"/>
+          <a:lstStyle/>
+          <a:p>
+            <a:pPr algn="ctr"/>
+            <a:r>
+              <a:rPr lang="en-US" dirty="0"/>
+              <a:t>If yes, display message that Compare2 is equal to compare1.</a:t>
+            </a:r>
+          </a:p>
+        </p:txBody>
+      </p:sp>
+      <p:cxnSp>
+        <p:nvCxnSpPr>
+          <p:cNvPr id="33" name="Straight Arrow Connector 32">
+            <a:extLst>
+              <a:ext uri="{FF2B5EF4-FFF2-40B4-BE49-F238E27FC236}">
+                <a16:creationId xmlns:a16="http://schemas.microsoft.com/office/drawing/2014/main" id="{6B718DAF-E7FD-47D6-B39A-BDCCB3559C6B}"/>
+              </a:ext>
+            </a:extLst>
+          </p:cNvPr>
+          <p:cNvCxnSpPr>
+            <a:cxnSpLocks/>
+          </p:cNvCxnSpPr>
+          <p:nvPr/>
+        </p:nvCxnSpPr>
+        <p:spPr>
+          <a:xfrm>
+            <a:off x="5704732" y="5491794"/>
+            <a:ext cx="782536" cy="212518"/>
+          </a:xfrm>
+          <a:prstGeom prst="straightConnector1">
+            <a:avLst/>
+          </a:prstGeom>
+          <a:ln>
+            <a:tailEnd type="triangle"/>
+          </a:ln>
+        </p:spPr>
+        <p:style>
+          <a:lnRef idx="1">
+            <a:schemeClr val="accent1"/>
+          </a:lnRef>
+          <a:fillRef idx="0">
+            <a:schemeClr val="accent1"/>
+          </a:fillRef>
+          <a:effectRef idx="0">
+            <a:schemeClr val="accent1"/>
+          </a:effectRef>
+          <a:fontRef idx="minor">
+            <a:schemeClr val="tx1"/>
+          </a:fontRef>
+        </p:style>
+      </p:cxnSp>
+      <p:sp>
+        <p:nvSpPr>
+          <p:cNvPr id="34" name="Flowchart: Connector 33">
+            <a:extLst>
+              <a:ext uri="{FF2B5EF4-FFF2-40B4-BE49-F238E27FC236}">
+                <a16:creationId xmlns:a16="http://schemas.microsoft.com/office/drawing/2014/main" id="{F6753D09-5B27-4E63-8AB9-1A16E1811463}"/>
+              </a:ext>
+            </a:extLst>
+          </p:cNvPr>
+          <p:cNvSpPr/>
+          <p:nvPr/>
+        </p:nvSpPr>
+        <p:spPr>
+          <a:xfrm>
+            <a:off x="480969" y="1440745"/>
+            <a:ext cx="1054216" cy="931029"/>
+          </a:xfrm>
+          <a:prstGeom prst="flowChartConnector">
+            <a:avLst/>
+          </a:prstGeom>
+        </p:spPr>
+        <p:style>
+          <a:lnRef idx="2">
+            <a:schemeClr val="accent1">
+              <a:shade val="50000"/>
+            </a:schemeClr>
+          </a:lnRef>
+          <a:fillRef idx="1">
+            <a:schemeClr val="accent1"/>
+          </a:fillRef>
+          <a:effectRef idx="0">
+            <a:schemeClr val="accent1"/>
+          </a:effectRef>
+          <a:fontRef idx="minor">
+            <a:schemeClr val="lt1"/>
+          </a:fontRef>
+        </p:style>
+        <p:txBody>
+          <a:bodyPr rtlCol="0" anchor="ctr"/>
+          <a:lstStyle/>
+          <a:p>
+            <a:pPr algn="ctr"/>
+            <a:r>
+              <a:rPr lang="en-US" dirty="0"/>
+              <a:t>Begin</a:t>
+            </a:r>
+          </a:p>
+        </p:txBody>
+      </p:sp>
+      <p:sp>
+        <p:nvSpPr>
+          <p:cNvPr id="36" name="Flowchart: Connector 35">
+            <a:extLst>
+              <a:ext uri="{FF2B5EF4-FFF2-40B4-BE49-F238E27FC236}">
+                <a16:creationId xmlns:a16="http://schemas.microsoft.com/office/drawing/2014/main" id="{A0372BB0-9B77-448A-910C-F2199B945966}"/>
+              </a:ext>
+            </a:extLst>
+          </p:cNvPr>
+          <p:cNvSpPr/>
+          <p:nvPr/>
+        </p:nvSpPr>
+        <p:spPr>
+          <a:xfrm>
+            <a:off x="10550108" y="5424894"/>
+            <a:ext cx="1214158" cy="1074921"/>
+          </a:xfrm>
+          <a:prstGeom prst="flowChartConnector">
+            <a:avLst/>
+          </a:prstGeom>
+        </p:spPr>
+        <p:style>
+          <a:lnRef idx="2">
+            <a:schemeClr val="accent1">
+              <a:shade val="50000"/>
+            </a:schemeClr>
+          </a:lnRef>
+          <a:fillRef idx="1">
+            <a:schemeClr val="accent1"/>
+          </a:fillRef>
+          <a:effectRef idx="0">
+            <a:schemeClr val="accent1"/>
+          </a:effectRef>
+          <a:fontRef idx="minor">
+            <a:schemeClr val="lt1"/>
+          </a:fontRef>
+        </p:style>
+        <p:txBody>
+          <a:bodyPr rtlCol="0" anchor="ctr"/>
+          <a:lstStyle/>
+          <a:p>
+            <a:pPr algn="ctr"/>
+            <a:r>
+              <a:rPr lang="en-US" dirty="0"/>
+              <a:t>End</a:t>
+            </a:r>
+          </a:p>
+        </p:txBody>
+      </p:sp>
+    </p:spTree>
+    <p:extLst>
+      <p:ext uri="{BB962C8B-B14F-4D97-AF65-F5344CB8AC3E}">
+        <p14:creationId xmlns:p14="http://schemas.microsoft.com/office/powerpoint/2010/main" val="1261919261"/>
+      </p:ext>
+    </p:extLst>
+  </p:cSld>
+  <p:clrMapOvr>
+    <a:masterClrMapping/>
+  </p:clrMapOvr>
+</p:sld>
+</file>
+
+<file path=ppt/slides/slide6.xml><?xml version="1.0" encoding="utf-8"?>
+<p:sld xmlns:a="http://schemas.openxmlformats.org/drawingml/2006/main" xmlns:r="http://schemas.openxmlformats.org/officeDocument/2006/relationships" xmlns:p="http://schemas.openxmlformats.org/presentationml/2006/main">
+  <p:cSld>
+    <p:spTree>
+      <p:nvGrpSpPr>
+        <p:cNvPr id="1" name=""/>
+        <p:cNvGrpSpPr/>
+        <p:nvPr/>
+      </p:nvGrpSpPr>
+      <p:grpSpPr>
+        <a:xfrm>
+          <a:off x="0" y="0"/>
+          <a:ext cx="0" cy="0"/>
+          <a:chOff x="0" y="0"/>
+          <a:chExt cx="0" cy="0"/>
+        </a:xfrm>
+      </p:grpSpPr>
+      <p:sp>
+        <p:nvSpPr>
+          <p:cNvPr id="5" name="Flowchart: Process 4">
+            <a:extLst>
+              <a:ext uri="{FF2B5EF4-FFF2-40B4-BE49-F238E27FC236}">
+                <a16:creationId xmlns:a16="http://schemas.microsoft.com/office/drawing/2014/main" id="{0AEB1780-148F-4F2B-932E-DC0023ADF291}"/>
+              </a:ext>
+            </a:extLst>
+          </p:cNvPr>
+          <p:cNvSpPr/>
+          <p:nvPr/>
+        </p:nvSpPr>
+        <p:spPr>
+          <a:xfrm>
+            <a:off x="6359487" y="1366219"/>
+            <a:ext cx="1824199" cy="1005556"/>
+          </a:xfrm>
+          <a:prstGeom prst="flowChartProcess">
+            <a:avLst/>
+          </a:prstGeom>
+        </p:spPr>
+        <p:style>
+          <a:lnRef idx="2">
+            <a:schemeClr val="accent1">
+              <a:shade val="50000"/>
+            </a:schemeClr>
+          </a:lnRef>
+          <a:fillRef idx="1">
+            <a:schemeClr val="accent1"/>
+          </a:fillRef>
+          <a:effectRef idx="0">
+            <a:schemeClr val="accent1"/>
+          </a:effectRef>
+          <a:fontRef idx="minor">
+            <a:schemeClr val="lt1"/>
+          </a:fontRef>
+        </p:style>
+        <p:txBody>
+          <a:bodyPr rtlCol="0" anchor="ctr"/>
+          <a:lstStyle/>
+          <a:p>
+            <a:pPr algn="ctr"/>
+            <a:r>
+              <a:rPr lang="en-US" dirty="0"/>
+              <a:t>Store that into: </a:t>
+            </a:r>
+          </a:p>
+          <a:p>
+            <a:pPr algn="ctr"/>
+            <a:r>
+              <a:rPr lang="en-US" dirty="0"/>
+              <a:t>number1</a:t>
+            </a:r>
+          </a:p>
+        </p:txBody>
+      </p:sp>
+      <p:cxnSp>
+        <p:nvCxnSpPr>
+          <p:cNvPr id="16" name="Straight Arrow Connector 15">
+            <a:extLst>
+              <a:ext uri="{FF2B5EF4-FFF2-40B4-BE49-F238E27FC236}">
+                <a16:creationId xmlns:a16="http://schemas.microsoft.com/office/drawing/2014/main" id="{DD9B2084-26BF-40BF-9CC9-FCF352CD9FEF}"/>
+              </a:ext>
+            </a:extLst>
+          </p:cNvPr>
+          <p:cNvCxnSpPr/>
+          <p:nvPr/>
+        </p:nvCxnSpPr>
+        <p:spPr>
+          <a:xfrm>
+            <a:off x="4918115" y="1868997"/>
+            <a:ext cx="914400" cy="0"/>
+          </a:xfrm>
+          <a:prstGeom prst="straightConnector1">
+            <a:avLst/>
+          </a:prstGeom>
+          <a:ln>
+            <a:tailEnd type="triangle"/>
+          </a:ln>
+        </p:spPr>
+        <p:style>
+          <a:lnRef idx="1">
+            <a:schemeClr val="accent1"/>
+          </a:lnRef>
+          <a:fillRef idx="0">
+            <a:schemeClr val="accent1"/>
+          </a:fillRef>
+          <a:effectRef idx="0">
+            <a:schemeClr val="accent1"/>
+          </a:effectRef>
+          <a:fontRef idx="minor">
+            <a:schemeClr val="tx1"/>
+          </a:fontRef>
+        </p:style>
+      </p:cxnSp>
+      <p:cxnSp>
+        <p:nvCxnSpPr>
+          <p:cNvPr id="18" name="Straight Arrow Connector 17">
+            <a:extLst>
+              <a:ext uri="{FF2B5EF4-FFF2-40B4-BE49-F238E27FC236}">
+                <a16:creationId xmlns:a16="http://schemas.microsoft.com/office/drawing/2014/main" id="{5B1036F7-4980-4764-9455-D4D1404F7E0A}"/>
+              </a:ext>
+            </a:extLst>
+          </p:cNvPr>
+          <p:cNvCxnSpPr>
+            <a:cxnSpLocks/>
+          </p:cNvCxnSpPr>
+          <p:nvPr/>
+        </p:nvCxnSpPr>
+        <p:spPr>
+          <a:xfrm>
+            <a:off x="8402823" y="1841605"/>
+            <a:ext cx="844197" cy="0"/>
+          </a:xfrm>
+          <a:prstGeom prst="straightConnector1">
+            <a:avLst/>
+          </a:prstGeom>
+          <a:ln>
+            <a:tailEnd type="triangle"/>
+          </a:ln>
+        </p:spPr>
+        <p:style>
+          <a:lnRef idx="1">
+            <a:schemeClr val="accent1"/>
+          </a:lnRef>
+          <a:fillRef idx="0">
+            <a:schemeClr val="accent1"/>
+          </a:fillRef>
+          <a:effectRef idx="0">
+            <a:schemeClr val="accent1"/>
+          </a:effectRef>
+          <a:fontRef idx="minor">
+            <a:schemeClr val="tx1"/>
+          </a:fontRef>
+        </p:style>
+      </p:cxnSp>
+      <p:cxnSp>
+        <p:nvCxnSpPr>
+          <p:cNvPr id="20" name="Straight Arrow Connector 19">
+            <a:extLst>
+              <a:ext uri="{FF2B5EF4-FFF2-40B4-BE49-F238E27FC236}">
+                <a16:creationId xmlns:a16="http://schemas.microsoft.com/office/drawing/2014/main" id="{CC06D41A-8B41-431E-BFB0-DBD6A5D7E382}"/>
+              </a:ext>
+            </a:extLst>
+          </p:cNvPr>
+          <p:cNvCxnSpPr>
+            <a:cxnSpLocks/>
+          </p:cNvCxnSpPr>
+          <p:nvPr/>
+        </p:nvCxnSpPr>
+        <p:spPr>
+          <a:xfrm>
+            <a:off x="11036649" y="2472617"/>
+            <a:ext cx="0" cy="1596448"/>
+          </a:xfrm>
+          <a:prstGeom prst="straightConnector1">
+            <a:avLst/>
+          </a:prstGeom>
+          <a:ln>
+            <a:tailEnd type="triangle"/>
+          </a:ln>
+        </p:spPr>
+        <p:style>
+          <a:lnRef idx="1">
+            <a:schemeClr val="accent1"/>
+          </a:lnRef>
+          <a:fillRef idx="0">
+            <a:schemeClr val="accent1"/>
+          </a:fillRef>
+          <a:effectRef idx="0">
+            <a:schemeClr val="accent1"/>
+          </a:effectRef>
+          <a:fontRef idx="minor">
+            <a:schemeClr val="tx1"/>
+          </a:fontRef>
+        </p:style>
+      </p:cxnSp>
+      <p:cxnSp>
+        <p:nvCxnSpPr>
+          <p:cNvPr id="22" name="Straight Arrow Connector 21">
+            <a:extLst>
+              <a:ext uri="{FF2B5EF4-FFF2-40B4-BE49-F238E27FC236}">
+                <a16:creationId xmlns:a16="http://schemas.microsoft.com/office/drawing/2014/main" id="{5450194E-28FD-4E1C-B18F-A5749EDF6443}"/>
+              </a:ext>
+            </a:extLst>
+          </p:cNvPr>
+          <p:cNvCxnSpPr>
+            <a:cxnSpLocks/>
+          </p:cNvCxnSpPr>
+          <p:nvPr/>
+        </p:nvCxnSpPr>
+        <p:spPr>
+          <a:xfrm flipH="1">
+            <a:off x="9312098" y="4830248"/>
+            <a:ext cx="635000" cy="0"/>
+          </a:xfrm>
+          <a:prstGeom prst="straightConnector1">
+            <a:avLst/>
+          </a:prstGeom>
+          <a:ln>
+            <a:tailEnd type="triangle"/>
+          </a:ln>
+        </p:spPr>
+        <p:style>
+          <a:lnRef idx="1">
+            <a:schemeClr val="accent1"/>
+          </a:lnRef>
+          <a:fillRef idx="0">
+            <a:schemeClr val="accent1"/>
+          </a:fillRef>
+          <a:effectRef idx="0">
+            <a:schemeClr val="accent1"/>
+          </a:effectRef>
+          <a:fontRef idx="minor">
+            <a:schemeClr val="tx1"/>
+          </a:fontRef>
+        </p:style>
+      </p:cxnSp>
+      <p:cxnSp>
+        <p:nvCxnSpPr>
+          <p:cNvPr id="24" name="Straight Arrow Connector 23">
+            <a:extLst>
+              <a:ext uri="{FF2B5EF4-FFF2-40B4-BE49-F238E27FC236}">
+                <a16:creationId xmlns:a16="http://schemas.microsoft.com/office/drawing/2014/main" id="{BC401A7A-F17E-4FBB-A76B-57F57CE1BBEE}"/>
+              </a:ext>
+            </a:extLst>
+          </p:cNvPr>
+          <p:cNvCxnSpPr>
+            <a:cxnSpLocks/>
+          </p:cNvCxnSpPr>
+          <p:nvPr/>
+        </p:nvCxnSpPr>
+        <p:spPr>
+          <a:xfrm flipH="1" flipV="1">
+            <a:off x="6359487" y="4087025"/>
+            <a:ext cx="557066" cy="284204"/>
+          </a:xfrm>
+          <a:prstGeom prst="straightConnector1">
+            <a:avLst/>
+          </a:prstGeom>
+          <a:ln>
+            <a:tailEnd type="triangle"/>
+          </a:ln>
+        </p:spPr>
+        <p:style>
+          <a:lnRef idx="1">
+            <a:schemeClr val="accent1"/>
+          </a:lnRef>
+          <a:fillRef idx="0">
+            <a:schemeClr val="accent1"/>
+          </a:fillRef>
+          <a:effectRef idx="0">
+            <a:schemeClr val="accent1"/>
+          </a:effectRef>
+          <a:fontRef idx="minor">
+            <a:schemeClr val="tx1"/>
+          </a:fontRef>
+        </p:style>
+      </p:cxnSp>
+      <p:sp>
+        <p:nvSpPr>
+          <p:cNvPr id="29" name="Flowchart: Data 28">
+            <a:extLst>
+              <a:ext uri="{FF2B5EF4-FFF2-40B4-BE49-F238E27FC236}">
+                <a16:creationId xmlns:a16="http://schemas.microsoft.com/office/drawing/2014/main" id="{229293EA-FBC9-4E58-AE90-1828B1364569}"/>
+              </a:ext>
+            </a:extLst>
+          </p:cNvPr>
+          <p:cNvSpPr/>
+          <p:nvPr/>
+        </p:nvSpPr>
+        <p:spPr>
+          <a:xfrm>
+            <a:off x="2704516" y="3517515"/>
+            <a:ext cx="3826586" cy="980163"/>
+          </a:xfrm>
+          <a:prstGeom prst="flowChartInputOutput">
+            <a:avLst/>
+          </a:prstGeom>
+        </p:spPr>
+        <p:style>
+          <a:lnRef idx="2">
+            <a:schemeClr val="accent1">
+              <a:shade val="50000"/>
+            </a:schemeClr>
+          </a:lnRef>
+          <a:fillRef idx="1">
+            <a:schemeClr val="accent1"/>
+          </a:fillRef>
+          <a:effectRef idx="0">
+            <a:schemeClr val="accent1"/>
+          </a:effectRef>
+          <a:fontRef idx="minor">
+            <a:schemeClr val="lt1"/>
+          </a:fontRef>
+        </p:style>
+        <p:txBody>
+          <a:bodyPr rtlCol="0" anchor="ctr"/>
+          <a:lstStyle/>
+          <a:p>
+            <a:pPr algn="ctr"/>
+            <a:r>
+              <a:rPr lang="en-US" dirty="0"/>
+              <a:t>If yes, display message that number1 is an odd number.</a:t>
+            </a:r>
+          </a:p>
+        </p:txBody>
+      </p:sp>
+      <p:sp>
+        <p:nvSpPr>
+          <p:cNvPr id="30" name="Flowchart: Data 29">
+            <a:extLst>
+              <a:ext uri="{FF2B5EF4-FFF2-40B4-BE49-F238E27FC236}">
+                <a16:creationId xmlns:a16="http://schemas.microsoft.com/office/drawing/2014/main" id="{64DDE505-F940-4390-B520-A5CC64B983C0}"/>
+              </a:ext>
+            </a:extLst>
+          </p:cNvPr>
+          <p:cNvSpPr/>
+          <p:nvPr/>
+        </p:nvSpPr>
+        <p:spPr>
+          <a:xfrm>
+            <a:off x="2965867" y="1409103"/>
+            <a:ext cx="1731894" cy="1005556"/>
+          </a:xfrm>
+          <a:prstGeom prst="flowChartInputOutput">
+            <a:avLst/>
+          </a:prstGeom>
+        </p:spPr>
+        <p:style>
+          <a:lnRef idx="2">
+            <a:schemeClr val="accent1">
+              <a:shade val="50000"/>
+            </a:schemeClr>
+          </a:lnRef>
+          <a:fillRef idx="1">
+            <a:schemeClr val="accent1"/>
+          </a:fillRef>
+          <a:effectRef idx="0">
+            <a:schemeClr val="accent1"/>
+          </a:effectRef>
+          <a:fontRef idx="minor">
+            <a:schemeClr val="lt1"/>
+          </a:fontRef>
+        </p:style>
+        <p:txBody>
+          <a:bodyPr rtlCol="0" anchor="ctr"/>
+          <a:lstStyle/>
+          <a:p>
+            <a:pPr algn="ctr"/>
+            <a:r>
+              <a:rPr lang="en-US" dirty="0"/>
+              <a:t>Ask for any integer.</a:t>
+            </a:r>
+          </a:p>
+        </p:txBody>
+      </p:sp>
+      <p:cxnSp>
+        <p:nvCxnSpPr>
+          <p:cNvPr id="31" name="Straight Arrow Connector 30">
+            <a:extLst>
+              <a:ext uri="{FF2B5EF4-FFF2-40B4-BE49-F238E27FC236}">
+                <a16:creationId xmlns:a16="http://schemas.microsoft.com/office/drawing/2014/main" id="{A01869A9-0D33-4F2F-800B-760C38BE3EC6}"/>
+              </a:ext>
+            </a:extLst>
+          </p:cNvPr>
+          <p:cNvCxnSpPr>
+            <a:cxnSpLocks/>
+          </p:cNvCxnSpPr>
+          <p:nvPr/>
+        </p:nvCxnSpPr>
+        <p:spPr>
+          <a:xfrm>
+            <a:off x="2320696" y="1916249"/>
+            <a:ext cx="434228" cy="0"/>
+          </a:xfrm>
+          <a:prstGeom prst="straightConnector1">
+            <a:avLst/>
+          </a:prstGeom>
+          <a:ln>
+            <a:tailEnd type="triangle"/>
+          </a:ln>
+        </p:spPr>
+        <p:style>
+          <a:lnRef idx="1">
+            <a:schemeClr val="accent1"/>
+          </a:lnRef>
+          <a:fillRef idx="0">
+            <a:schemeClr val="accent1"/>
+          </a:fillRef>
+          <a:effectRef idx="0">
+            <a:schemeClr val="accent1"/>
+          </a:effectRef>
+          <a:fontRef idx="minor">
+            <a:schemeClr val="tx1"/>
+          </a:fontRef>
+        </p:style>
+      </p:cxnSp>
+      <p:cxnSp>
+        <p:nvCxnSpPr>
+          <p:cNvPr id="53" name="Straight Arrow Connector 52">
+            <a:extLst>
+              <a:ext uri="{FF2B5EF4-FFF2-40B4-BE49-F238E27FC236}">
+                <a16:creationId xmlns:a16="http://schemas.microsoft.com/office/drawing/2014/main" id="{15B3D8AA-6A47-4373-ACE7-07A6F0EB6A37}"/>
+              </a:ext>
+            </a:extLst>
+          </p:cNvPr>
+          <p:cNvCxnSpPr>
+            <a:cxnSpLocks/>
+          </p:cNvCxnSpPr>
+          <p:nvPr/>
+        </p:nvCxnSpPr>
+        <p:spPr>
+          <a:xfrm flipH="1">
+            <a:off x="6359487" y="5220168"/>
+            <a:ext cx="694740" cy="543226"/>
+          </a:xfrm>
+          <a:prstGeom prst="straightConnector1">
+            <a:avLst/>
+          </a:prstGeom>
+          <a:ln>
+            <a:tailEnd type="triangle"/>
+          </a:ln>
+        </p:spPr>
+        <p:style>
+          <a:lnRef idx="1">
+            <a:schemeClr val="accent1"/>
+          </a:lnRef>
+          <a:fillRef idx="0">
+            <a:schemeClr val="accent1"/>
+          </a:fillRef>
+          <a:effectRef idx="0">
+            <a:schemeClr val="accent1"/>
+          </a:effectRef>
+          <a:fontRef idx="minor">
+            <a:schemeClr val="tx1"/>
+          </a:fontRef>
+        </p:style>
+      </p:cxnSp>
+      <p:sp>
+        <p:nvSpPr>
+          <p:cNvPr id="23" name="Title 1">
+            <a:extLst>
+              <a:ext uri="{FF2B5EF4-FFF2-40B4-BE49-F238E27FC236}">
+                <a16:creationId xmlns:a16="http://schemas.microsoft.com/office/drawing/2014/main" id="{90BA5C66-E1B0-4B1F-A8EA-7B237757C04C}"/>
+              </a:ext>
+            </a:extLst>
+          </p:cNvPr>
+          <p:cNvSpPr txBox="1">
+            <a:spLocks/>
+          </p:cNvSpPr>
+          <p:nvPr/>
+        </p:nvSpPr>
+        <p:spPr>
+          <a:xfrm>
+            <a:off x="2409293" y="257808"/>
+            <a:ext cx="6837727" cy="1036032"/>
+          </a:xfrm>
+          <a:prstGeom prst="rect">
+            <a:avLst/>
+          </a:prstGeom>
+        </p:spPr>
+        <p:txBody>
+          <a:bodyPr vert="horz" lIns="91440" tIns="45720" rIns="91440" bIns="45720" rtlCol="0" anchor="b">
+            <a:normAutofit/>
+          </a:bodyPr>
+          <a:lstStyle>
+            <a:lvl1pPr algn="ctr" defTabSz="914400" rtl="0" eaLnBrk="1" latinLnBrk="0" hangingPunct="1">
+              <a:lnSpc>
+                <a:spcPct val="90000"/>
+              </a:lnSpc>
+              <a:spcBef>
+                <a:spcPct val="0"/>
+              </a:spcBef>
+              <a:buNone/>
+              <a:defRPr sz="6000" kern="1200">
+                <a:solidFill>
+                  <a:schemeClr val="tx1"/>
+                </a:solidFill>
+                <a:latin typeface="+mj-lt"/>
+                <a:ea typeface="+mj-ea"/>
+                <a:cs typeface="+mj-cs"/>
+              </a:defRPr>
+            </a:lvl1pPr>
+          </a:lstStyle>
+          <a:p>
+            <a:r>
+              <a:rPr lang="en-US" dirty="0"/>
+              <a:t>Even Or Odd</a:t>
+            </a:r>
+          </a:p>
+        </p:txBody>
+      </p:sp>
+      <p:sp>
+        <p:nvSpPr>
+          <p:cNvPr id="27" name="Flowchart: Process 26">
+            <a:extLst>
+              <a:ext uri="{FF2B5EF4-FFF2-40B4-BE49-F238E27FC236}">
+                <a16:creationId xmlns:a16="http://schemas.microsoft.com/office/drawing/2014/main" id="{860238AE-8B77-414B-A98E-989B84F4D965}"/>
+              </a:ext>
+            </a:extLst>
+          </p:cNvPr>
+          <p:cNvSpPr/>
+          <p:nvPr/>
+        </p:nvSpPr>
+        <p:spPr>
+          <a:xfrm>
+            <a:off x="10062423" y="4327470"/>
+            <a:ext cx="1824199" cy="1005556"/>
+          </a:xfrm>
+          <a:prstGeom prst="flowChartProcess">
+            <a:avLst/>
+          </a:prstGeom>
+        </p:spPr>
+        <p:style>
+          <a:lnRef idx="2">
+            <a:schemeClr val="accent1">
+              <a:shade val="50000"/>
+            </a:schemeClr>
+          </a:lnRef>
+          <a:fillRef idx="1">
+            <a:schemeClr val="accent1"/>
+          </a:fillRef>
+          <a:effectRef idx="0">
+            <a:schemeClr val="accent1"/>
+          </a:effectRef>
+          <a:fontRef idx="minor">
+            <a:schemeClr val="lt1"/>
+          </a:fontRef>
+        </p:style>
+        <p:txBody>
+          <a:bodyPr rtlCol="0" anchor="ctr"/>
+          <a:lstStyle/>
+          <a:p>
+            <a:pPr algn="ctr"/>
+            <a:r>
+              <a:rPr lang="en-US" dirty="0"/>
+              <a:t>Store that into: </a:t>
+            </a:r>
+          </a:p>
+          <a:p>
+            <a:pPr algn="ctr"/>
+            <a:r>
+              <a:rPr lang="en-US" dirty="0" err="1"/>
+              <a:t>evenOrOdd</a:t>
+            </a:r>
+            <a:endParaRPr lang="en-US" dirty="0"/>
+          </a:p>
+        </p:txBody>
+      </p:sp>
+      <p:sp>
+        <p:nvSpPr>
+          <p:cNvPr id="2" name="Flowchart: Decision 1">
+            <a:extLst>
+              <a:ext uri="{FF2B5EF4-FFF2-40B4-BE49-F238E27FC236}">
+                <a16:creationId xmlns:a16="http://schemas.microsoft.com/office/drawing/2014/main" id="{11CBE909-EC47-42D2-AA0B-CB62C09309E8}"/>
+              </a:ext>
+            </a:extLst>
+          </p:cNvPr>
+          <p:cNvSpPr/>
+          <p:nvPr/>
+        </p:nvSpPr>
+        <p:spPr>
+          <a:xfrm>
+            <a:off x="6751394" y="4002235"/>
+            <a:ext cx="2495626" cy="1656025"/>
+          </a:xfrm>
+          <a:prstGeom prst="flowChartDecision">
+            <a:avLst/>
+          </a:prstGeom>
+        </p:spPr>
+        <p:style>
+          <a:lnRef idx="2">
+            <a:schemeClr val="accent1">
+              <a:shade val="50000"/>
+            </a:schemeClr>
+          </a:lnRef>
+          <a:fillRef idx="1">
+            <a:schemeClr val="accent1"/>
+          </a:fillRef>
+          <a:effectRef idx="0">
+            <a:schemeClr val="accent1"/>
+          </a:effectRef>
+          <a:fontRef idx="minor">
+            <a:schemeClr val="lt1"/>
+          </a:fontRef>
+        </p:style>
+        <p:txBody>
+          <a:bodyPr rtlCol="0" anchor="ctr"/>
+          <a:lstStyle/>
+          <a:p>
+            <a:pPr algn="ctr"/>
+            <a:r>
+              <a:rPr lang="en-US" dirty="0"/>
+              <a:t>Is </a:t>
+            </a:r>
+            <a:r>
+              <a:rPr lang="en-US" dirty="0" err="1"/>
+              <a:t>evenOrOdd</a:t>
+            </a:r>
+            <a:r>
+              <a:rPr lang="en-US" dirty="0"/>
+              <a:t> = 1</a:t>
+            </a:r>
+          </a:p>
+        </p:txBody>
+      </p:sp>
+      <p:sp>
+        <p:nvSpPr>
+          <p:cNvPr id="28" name="Flowchart: Data 27">
+            <a:extLst>
+              <a:ext uri="{FF2B5EF4-FFF2-40B4-BE49-F238E27FC236}">
+                <a16:creationId xmlns:a16="http://schemas.microsoft.com/office/drawing/2014/main" id="{6762CD25-73DE-4B04-837B-6A0C276C80CF}"/>
+              </a:ext>
+            </a:extLst>
+          </p:cNvPr>
+          <p:cNvSpPr/>
+          <p:nvPr/>
+        </p:nvSpPr>
+        <p:spPr>
+          <a:xfrm>
+            <a:off x="2863553" y="5527522"/>
+            <a:ext cx="3412609" cy="888008"/>
+          </a:xfrm>
+          <a:prstGeom prst="flowChartInputOutput">
+            <a:avLst/>
+          </a:prstGeom>
+        </p:spPr>
+        <p:style>
+          <a:lnRef idx="2">
+            <a:schemeClr val="accent1">
+              <a:shade val="50000"/>
+            </a:schemeClr>
+          </a:lnRef>
+          <a:fillRef idx="1">
+            <a:schemeClr val="accent1"/>
+          </a:fillRef>
+          <a:effectRef idx="0">
+            <a:schemeClr val="accent1"/>
+          </a:effectRef>
+          <a:fontRef idx="minor">
+            <a:schemeClr val="lt1"/>
+          </a:fontRef>
+        </p:style>
+        <p:txBody>
+          <a:bodyPr rtlCol="0" anchor="ctr"/>
+          <a:lstStyle/>
+          <a:p>
+            <a:pPr algn="ctr"/>
+            <a:r>
+              <a:rPr lang="en-US" dirty="0"/>
+              <a:t>If no, display message that number1 is even.</a:t>
+            </a:r>
+          </a:p>
+        </p:txBody>
+      </p:sp>
+      <p:cxnSp>
+        <p:nvCxnSpPr>
+          <p:cNvPr id="33" name="Straight Arrow Connector 32">
+            <a:extLst>
+              <a:ext uri="{FF2B5EF4-FFF2-40B4-BE49-F238E27FC236}">
+                <a16:creationId xmlns:a16="http://schemas.microsoft.com/office/drawing/2014/main" id="{6B718DAF-E7FD-47D6-B39A-BDCCB3559C6B}"/>
+              </a:ext>
+            </a:extLst>
+          </p:cNvPr>
+          <p:cNvCxnSpPr>
+            <a:cxnSpLocks/>
+          </p:cNvCxnSpPr>
+          <p:nvPr/>
+        </p:nvCxnSpPr>
+        <p:spPr>
+          <a:xfrm flipH="1">
+            <a:off x="1622780" y="4224524"/>
+            <a:ext cx="1010725" cy="293409"/>
+          </a:xfrm>
+          <a:prstGeom prst="straightConnector1">
+            <a:avLst/>
+          </a:prstGeom>
+          <a:ln>
+            <a:tailEnd type="triangle"/>
+          </a:ln>
+        </p:spPr>
+        <p:style>
+          <a:lnRef idx="1">
+            <a:schemeClr val="accent1"/>
+          </a:lnRef>
+          <a:fillRef idx="0">
+            <a:schemeClr val="accent1"/>
+          </a:fillRef>
+          <a:effectRef idx="0">
+            <a:schemeClr val="accent1"/>
+          </a:effectRef>
+          <a:fontRef idx="minor">
+            <a:schemeClr val="tx1"/>
+          </a:fontRef>
+        </p:style>
+      </p:cxnSp>
+      <p:sp>
+        <p:nvSpPr>
+          <p:cNvPr id="34" name="Flowchart: Process 33">
+            <a:extLst>
+              <a:ext uri="{FF2B5EF4-FFF2-40B4-BE49-F238E27FC236}">
+                <a16:creationId xmlns:a16="http://schemas.microsoft.com/office/drawing/2014/main" id="{A2BF4A48-1EB8-41A6-8209-CCCB1A2A1219}"/>
+              </a:ext>
+            </a:extLst>
+          </p:cNvPr>
+          <p:cNvSpPr/>
+          <p:nvPr/>
+        </p:nvSpPr>
+        <p:spPr>
+          <a:xfrm>
+            <a:off x="9312098" y="1451348"/>
+            <a:ext cx="2432133" cy="876414"/>
+          </a:xfrm>
+          <a:prstGeom prst="flowChartProcess">
+            <a:avLst/>
+          </a:prstGeom>
+        </p:spPr>
+        <p:style>
+          <a:lnRef idx="2">
+            <a:schemeClr val="accent1">
+              <a:shade val="50000"/>
+            </a:schemeClr>
+          </a:lnRef>
+          <a:fillRef idx="1">
+            <a:schemeClr val="accent1"/>
+          </a:fillRef>
+          <a:effectRef idx="0">
+            <a:schemeClr val="accent1"/>
+          </a:effectRef>
+          <a:fontRef idx="minor">
+            <a:schemeClr val="lt1"/>
+          </a:fontRef>
+        </p:style>
+        <p:txBody>
+          <a:bodyPr rtlCol="0" anchor="ctr"/>
+          <a:lstStyle/>
+          <a:p>
+            <a:pPr algn="ctr"/>
+            <a:r>
+              <a:rPr lang="en-US" dirty="0"/>
+              <a:t>Divide number1 by mod 2.</a:t>
+            </a:r>
+          </a:p>
+          <a:p>
+            <a:pPr algn="ctr"/>
+            <a:r>
+              <a:rPr lang="en-US" dirty="0"/>
+              <a:t>number1 % 2</a:t>
+            </a:r>
+          </a:p>
+        </p:txBody>
+      </p:sp>
+      <p:sp>
+        <p:nvSpPr>
+          <p:cNvPr id="21" name="Flowchart: Connector 20">
+            <a:extLst>
+              <a:ext uri="{FF2B5EF4-FFF2-40B4-BE49-F238E27FC236}">
+                <a16:creationId xmlns:a16="http://schemas.microsoft.com/office/drawing/2014/main" id="{35E559B2-2F5E-4ABE-AB10-244614593AB6}"/>
+              </a:ext>
+            </a:extLst>
+          </p:cNvPr>
+          <p:cNvSpPr/>
+          <p:nvPr/>
+        </p:nvSpPr>
+        <p:spPr>
+          <a:xfrm>
+            <a:off x="1138779" y="1440746"/>
+            <a:ext cx="1039944" cy="856502"/>
+          </a:xfrm>
+          <a:prstGeom prst="flowChartConnector">
+            <a:avLst/>
+          </a:prstGeom>
+        </p:spPr>
+        <p:style>
+          <a:lnRef idx="2">
+            <a:schemeClr val="accent1">
+              <a:shade val="50000"/>
+            </a:schemeClr>
+          </a:lnRef>
+          <a:fillRef idx="1">
+            <a:schemeClr val="accent1"/>
+          </a:fillRef>
+          <a:effectRef idx="0">
+            <a:schemeClr val="accent1"/>
+          </a:effectRef>
+          <a:fontRef idx="minor">
+            <a:schemeClr val="lt1"/>
+          </a:fontRef>
+        </p:style>
+        <p:txBody>
+          <a:bodyPr rtlCol="0" anchor="ctr"/>
+          <a:lstStyle/>
+          <a:p>
+            <a:pPr algn="ctr"/>
+            <a:r>
+              <a:rPr lang="en-US" dirty="0"/>
+              <a:t>Begin</a:t>
+            </a:r>
+          </a:p>
+        </p:txBody>
+      </p:sp>
+      <p:sp>
+        <p:nvSpPr>
+          <p:cNvPr id="25" name="Flowchart: Connector 24">
+            <a:extLst>
+              <a:ext uri="{FF2B5EF4-FFF2-40B4-BE49-F238E27FC236}">
+                <a16:creationId xmlns:a16="http://schemas.microsoft.com/office/drawing/2014/main" id="{24E72674-54EA-4FD6-96FF-DE40631C5434}"/>
+              </a:ext>
+            </a:extLst>
+          </p:cNvPr>
+          <p:cNvSpPr/>
+          <p:nvPr/>
+        </p:nvSpPr>
+        <p:spPr>
+          <a:xfrm>
+            <a:off x="380332" y="4411698"/>
+            <a:ext cx="1069110" cy="1005556"/>
+          </a:xfrm>
+          <a:prstGeom prst="flowChartConnector">
+            <a:avLst/>
+          </a:prstGeom>
+        </p:spPr>
+        <p:style>
+          <a:lnRef idx="2">
+            <a:schemeClr val="accent1">
+              <a:shade val="50000"/>
+            </a:schemeClr>
+          </a:lnRef>
+          <a:fillRef idx="1">
+            <a:schemeClr val="accent1"/>
+          </a:fillRef>
+          <a:effectRef idx="0">
+            <a:schemeClr val="accent1"/>
+          </a:effectRef>
+          <a:fontRef idx="minor">
+            <a:schemeClr val="lt1"/>
+          </a:fontRef>
+        </p:style>
+        <p:txBody>
+          <a:bodyPr rtlCol="0" anchor="ctr"/>
+          <a:lstStyle/>
+          <a:p>
+            <a:pPr algn="ctr"/>
+            <a:r>
+              <a:rPr lang="en-US" dirty="0"/>
+              <a:t>End</a:t>
+            </a:r>
+          </a:p>
+        </p:txBody>
+      </p:sp>
+      <p:cxnSp>
+        <p:nvCxnSpPr>
+          <p:cNvPr id="26" name="Straight Arrow Connector 25">
+            <a:extLst>
+              <a:ext uri="{FF2B5EF4-FFF2-40B4-BE49-F238E27FC236}">
+                <a16:creationId xmlns:a16="http://schemas.microsoft.com/office/drawing/2014/main" id="{FF8C6003-C4F2-4795-B375-9E176DC879DB}"/>
+              </a:ext>
+            </a:extLst>
+          </p:cNvPr>
+          <p:cNvCxnSpPr>
+            <a:cxnSpLocks/>
+          </p:cNvCxnSpPr>
+          <p:nvPr/>
+        </p:nvCxnSpPr>
+        <p:spPr>
+          <a:xfrm flipH="1" flipV="1">
+            <a:off x="1622780" y="5333026"/>
+            <a:ext cx="1240773" cy="539268"/>
           </a:xfrm>
           <a:prstGeom prst="straightConnector1">
             <a:avLst/>
@@ -4490,7 +10924,7 @@
     </p:spTree>
     <p:extLst>
       <p:ext uri="{BB962C8B-B14F-4D97-AF65-F5344CB8AC3E}">
-        <p14:creationId xmlns:p14="http://schemas.microsoft.com/office/powerpoint/2010/main" val="4231132744"/>
+        <p14:creationId xmlns:p14="http://schemas.microsoft.com/office/powerpoint/2010/main" val="1970703804"/>
       </p:ext>
     </p:extLst>
   </p:cSld>
